--- a/How to Run.pptx
+++ b/How to Run.pptx
@@ -5,19 +5,18 @@
     <p:sldMasterId id="2147483748" r:id="rId1"/>
   </p:sldMasterIdLst>
   <p:sldIdLst>
-    <p:sldId id="267" r:id="rId2"/>
-    <p:sldId id="268" r:id="rId3"/>
-    <p:sldId id="261" r:id="rId4"/>
-    <p:sldId id="262" r:id="rId5"/>
-    <p:sldId id="264" r:id="rId6"/>
-    <p:sldId id="263" r:id="rId7"/>
-    <p:sldId id="265" r:id="rId8"/>
-    <p:sldId id="256" r:id="rId9"/>
-    <p:sldId id="257" r:id="rId10"/>
-    <p:sldId id="258" r:id="rId11"/>
-    <p:sldId id="259" r:id="rId12"/>
-    <p:sldId id="260" r:id="rId13"/>
-    <p:sldId id="266" r:id="rId14"/>
+    <p:sldId id="268" r:id="rId2"/>
+    <p:sldId id="261" r:id="rId3"/>
+    <p:sldId id="262" r:id="rId4"/>
+    <p:sldId id="264" r:id="rId5"/>
+    <p:sldId id="263" r:id="rId6"/>
+    <p:sldId id="265" r:id="rId7"/>
+    <p:sldId id="256" r:id="rId8"/>
+    <p:sldId id="257" r:id="rId9"/>
+    <p:sldId id="258" r:id="rId10"/>
+    <p:sldId id="259" r:id="rId11"/>
+    <p:sldId id="260" r:id="rId12"/>
+    <p:sldId id="266" r:id="rId13"/>
   </p:sldIdLst>
   <p:sldSz cx="12192000" cy="6858000"/>
   <p:notesSz cx="6858000" cy="9144000"/>
@@ -1043,1350 +1042,7 @@
 </dgm:colorsDef>
 </file>
 
-<file path=ppt/diagrams/colors2.xml><?xml version="1.0" encoding="utf-8"?>
-<dgm:colorsDef xmlns:dgm="http://schemas.openxmlformats.org/drawingml/2006/diagram" xmlns:a="http://schemas.openxmlformats.org/drawingml/2006/main" uniqueId="urn:microsoft.com/office/officeart/2005/8/colors/colorful1">
-  <dgm:title val=""/>
-  <dgm:desc val=""/>
-  <dgm:catLst>
-    <dgm:cat type="colorful" pri="10100"/>
-  </dgm:catLst>
-  <dgm:styleLbl name="node0">
-    <dgm:fillClrLst meth="repeat">
-      <a:schemeClr val="accent1"/>
-    </dgm:fillClrLst>
-    <dgm:linClrLst meth="repeat">
-      <a:schemeClr val="lt1"/>
-    </dgm:linClrLst>
-    <dgm:effectClrLst/>
-    <dgm:txLinClrLst/>
-    <dgm:txFillClrLst/>
-    <dgm:txEffectClrLst/>
-  </dgm:styleLbl>
-  <dgm:styleLbl name="node1">
-    <dgm:fillClrLst meth="repeat">
-      <a:schemeClr val="accent2"/>
-      <a:schemeClr val="accent3"/>
-      <a:schemeClr val="accent4"/>
-      <a:schemeClr val="accent5"/>
-      <a:schemeClr val="accent6"/>
-    </dgm:fillClrLst>
-    <dgm:linClrLst meth="repeat">
-      <a:schemeClr val="lt1"/>
-    </dgm:linClrLst>
-    <dgm:effectClrLst/>
-    <dgm:txLinClrLst/>
-    <dgm:txFillClrLst/>
-    <dgm:txEffectClrLst/>
-  </dgm:styleLbl>
-  <dgm:styleLbl name="alignNode1">
-    <dgm:fillClrLst meth="repeat">
-      <a:schemeClr val="accent2"/>
-      <a:schemeClr val="accent3"/>
-      <a:schemeClr val="accent4"/>
-      <a:schemeClr val="accent5"/>
-      <a:schemeClr val="accent6"/>
-    </dgm:fillClrLst>
-    <dgm:linClrLst meth="repeat">
-      <a:schemeClr val="accent2"/>
-      <a:schemeClr val="accent3"/>
-      <a:schemeClr val="accent4"/>
-      <a:schemeClr val="accent5"/>
-      <a:schemeClr val="accent6"/>
-    </dgm:linClrLst>
-    <dgm:effectClrLst/>
-    <dgm:txLinClrLst/>
-    <dgm:txFillClrLst/>
-    <dgm:txEffectClrLst/>
-  </dgm:styleLbl>
-  <dgm:styleLbl name="lnNode1">
-    <dgm:fillClrLst meth="repeat">
-      <a:schemeClr val="accent2"/>
-      <a:schemeClr val="accent3"/>
-      <a:schemeClr val="accent4"/>
-      <a:schemeClr val="accent5"/>
-      <a:schemeClr val="accent6"/>
-    </dgm:fillClrLst>
-    <dgm:linClrLst meth="repeat">
-      <a:schemeClr val="lt1"/>
-    </dgm:linClrLst>
-    <dgm:effectClrLst/>
-    <dgm:txLinClrLst/>
-    <dgm:txFillClrLst/>
-    <dgm:txEffectClrLst/>
-  </dgm:styleLbl>
-  <dgm:styleLbl name="vennNode1">
-    <dgm:fillClrLst meth="repeat">
-      <a:schemeClr val="accent2">
-        <a:alpha val="50000"/>
-      </a:schemeClr>
-      <a:schemeClr val="accent3">
-        <a:alpha val="50000"/>
-      </a:schemeClr>
-      <a:schemeClr val="accent4">
-        <a:alpha val="50000"/>
-      </a:schemeClr>
-      <a:schemeClr val="accent5">
-        <a:alpha val="50000"/>
-      </a:schemeClr>
-      <a:schemeClr val="accent6">
-        <a:alpha val="50000"/>
-      </a:schemeClr>
-    </dgm:fillClrLst>
-    <dgm:linClrLst meth="repeat">
-      <a:schemeClr val="lt1"/>
-    </dgm:linClrLst>
-    <dgm:effectClrLst/>
-    <dgm:txLinClrLst/>
-    <dgm:txFillClrLst/>
-    <dgm:txEffectClrLst/>
-  </dgm:styleLbl>
-  <dgm:styleLbl name="node2">
-    <dgm:fillClrLst>
-      <a:schemeClr val="accent2"/>
-    </dgm:fillClrLst>
-    <dgm:linClrLst meth="repeat">
-      <a:schemeClr val="lt1"/>
-    </dgm:linClrLst>
-    <dgm:effectClrLst/>
-    <dgm:txLinClrLst/>
-    <dgm:txFillClrLst/>
-    <dgm:txEffectClrLst/>
-  </dgm:styleLbl>
-  <dgm:styleLbl name="node3">
-    <dgm:fillClrLst>
-      <a:schemeClr val="accent3"/>
-    </dgm:fillClrLst>
-    <dgm:linClrLst meth="repeat">
-      <a:schemeClr val="lt1"/>
-    </dgm:linClrLst>
-    <dgm:effectClrLst/>
-    <dgm:txLinClrLst/>
-    <dgm:txFillClrLst/>
-    <dgm:txEffectClrLst/>
-  </dgm:styleLbl>
-  <dgm:styleLbl name="node4">
-    <dgm:fillClrLst>
-      <a:schemeClr val="accent4"/>
-    </dgm:fillClrLst>
-    <dgm:linClrLst meth="repeat">
-      <a:schemeClr val="lt1"/>
-    </dgm:linClrLst>
-    <dgm:effectClrLst/>
-    <dgm:txLinClrLst/>
-    <dgm:txFillClrLst/>
-    <dgm:txEffectClrLst/>
-  </dgm:styleLbl>
-  <dgm:styleLbl name="fgImgPlace1">
-    <dgm:fillClrLst meth="repeat">
-      <a:schemeClr val="accent2">
-        <a:tint val="50000"/>
-      </a:schemeClr>
-      <a:schemeClr val="accent3">
-        <a:tint val="50000"/>
-      </a:schemeClr>
-      <a:schemeClr val="accent4">
-        <a:tint val="50000"/>
-      </a:schemeClr>
-      <a:schemeClr val="accent5">
-        <a:tint val="50000"/>
-      </a:schemeClr>
-      <a:schemeClr val="accent6">
-        <a:tint val="50000"/>
-      </a:schemeClr>
-    </dgm:fillClrLst>
-    <dgm:linClrLst meth="repeat">
-      <a:schemeClr val="lt1"/>
-    </dgm:linClrLst>
-    <dgm:effectClrLst/>
-    <dgm:txLinClrLst/>
-    <dgm:txFillClrLst meth="repeat">
-      <a:schemeClr val="lt1"/>
-    </dgm:txFillClrLst>
-    <dgm:txEffectClrLst/>
-  </dgm:styleLbl>
-  <dgm:styleLbl name="alignImgPlace1">
-    <dgm:fillClrLst>
-      <a:schemeClr val="accent1">
-        <a:tint val="50000"/>
-      </a:schemeClr>
-      <a:schemeClr val="accent2">
-        <a:tint val="20000"/>
-      </a:schemeClr>
-    </dgm:fillClrLst>
-    <dgm:linClrLst meth="repeat">
-      <a:schemeClr val="lt1"/>
-    </dgm:linClrLst>
-    <dgm:effectClrLst/>
-    <dgm:txLinClrLst/>
-    <dgm:txFillClrLst meth="repeat">
-      <a:schemeClr val="lt1"/>
-    </dgm:txFillClrLst>
-    <dgm:txEffectClrLst/>
-  </dgm:styleLbl>
-  <dgm:styleLbl name="bgImgPlace1">
-    <dgm:fillClrLst>
-      <a:schemeClr val="accent1">
-        <a:tint val="50000"/>
-      </a:schemeClr>
-      <a:schemeClr val="accent2">
-        <a:tint val="20000"/>
-      </a:schemeClr>
-    </dgm:fillClrLst>
-    <dgm:linClrLst meth="repeat">
-      <a:schemeClr val="lt1"/>
-    </dgm:linClrLst>
-    <dgm:effectClrLst/>
-    <dgm:txLinClrLst/>
-    <dgm:txFillClrLst meth="repeat">
-      <a:schemeClr val="lt1"/>
-    </dgm:txFillClrLst>
-    <dgm:txEffectClrLst/>
-  </dgm:styleLbl>
-  <dgm:styleLbl name="sibTrans2D1">
-    <dgm:fillClrLst meth="repeat">
-      <a:schemeClr val="accent2"/>
-      <a:schemeClr val="accent3"/>
-      <a:schemeClr val="accent4"/>
-      <a:schemeClr val="accent5"/>
-      <a:schemeClr val="accent6"/>
-    </dgm:fillClrLst>
-    <dgm:linClrLst meth="cycle">
-      <a:schemeClr val="lt1"/>
-    </dgm:linClrLst>
-    <dgm:effectClrLst/>
-    <dgm:txLinClrLst/>
-    <dgm:txFillClrLst/>
-    <dgm:txEffectClrLst/>
-  </dgm:styleLbl>
-  <dgm:styleLbl name="fgSibTrans2D1">
-    <dgm:fillClrLst meth="repeat">
-      <a:schemeClr val="accent2"/>
-      <a:schemeClr val="accent3"/>
-      <a:schemeClr val="accent4"/>
-      <a:schemeClr val="accent5"/>
-      <a:schemeClr val="accent6"/>
-    </dgm:fillClrLst>
-    <dgm:linClrLst meth="cycle">
-      <a:schemeClr val="lt1"/>
-    </dgm:linClrLst>
-    <dgm:effectClrLst/>
-    <dgm:txLinClrLst/>
-    <dgm:txFillClrLst meth="repeat">
-      <a:schemeClr val="lt1"/>
-    </dgm:txFillClrLst>
-    <dgm:txEffectClrLst/>
-  </dgm:styleLbl>
-  <dgm:styleLbl name="bgSibTrans2D1">
-    <dgm:fillClrLst meth="repeat">
-      <a:schemeClr val="accent2"/>
-      <a:schemeClr val="accent3"/>
-      <a:schemeClr val="accent4"/>
-      <a:schemeClr val="accent5"/>
-      <a:schemeClr val="accent6"/>
-    </dgm:fillClrLst>
-    <dgm:linClrLst meth="cycle">
-      <a:schemeClr val="lt1"/>
-    </dgm:linClrLst>
-    <dgm:effectClrLst/>
-    <dgm:txLinClrLst/>
-    <dgm:txFillClrLst meth="repeat">
-      <a:schemeClr val="lt1"/>
-    </dgm:txFillClrLst>
-    <dgm:txEffectClrLst/>
-  </dgm:styleLbl>
-  <dgm:styleLbl name="sibTrans1D1">
-    <dgm:fillClrLst meth="repeat">
-      <a:schemeClr val="accent2"/>
-      <a:schemeClr val="accent3"/>
-      <a:schemeClr val="accent4"/>
-      <a:schemeClr val="accent5"/>
-      <a:schemeClr val="accent6"/>
-    </dgm:fillClrLst>
-    <dgm:linClrLst meth="repeat">
-      <a:schemeClr val="accent2"/>
-      <a:schemeClr val="accent3"/>
-      <a:schemeClr val="accent4"/>
-      <a:schemeClr val="accent5"/>
-      <a:schemeClr val="accent6"/>
-    </dgm:linClrLst>
-    <dgm:effectClrLst/>
-    <dgm:txLinClrLst/>
-    <dgm:txFillClrLst meth="repeat">
-      <a:schemeClr val="tx1"/>
-    </dgm:txFillClrLst>
-    <dgm:txEffectClrLst/>
-  </dgm:styleLbl>
-  <dgm:styleLbl name="callout">
-    <dgm:fillClrLst meth="repeat">
-      <a:schemeClr val="accent2"/>
-    </dgm:fillClrLst>
-    <dgm:linClrLst meth="repeat">
-      <a:schemeClr val="accent2">
-        <a:tint val="50000"/>
-      </a:schemeClr>
-    </dgm:linClrLst>
-    <dgm:effectClrLst/>
-    <dgm:txLinClrLst/>
-    <dgm:txFillClrLst meth="repeat">
-      <a:schemeClr val="tx1"/>
-    </dgm:txFillClrLst>
-    <dgm:txEffectClrLst/>
-  </dgm:styleLbl>
-  <dgm:styleLbl name="asst0">
-    <dgm:fillClrLst meth="repeat">
-      <a:schemeClr val="accent1"/>
-    </dgm:fillClrLst>
-    <dgm:linClrLst meth="repeat">
-      <a:schemeClr val="lt1"/>
-    </dgm:linClrLst>
-    <dgm:effectClrLst/>
-    <dgm:txLinClrLst/>
-    <dgm:txFillClrLst/>
-    <dgm:txEffectClrLst/>
-  </dgm:styleLbl>
-  <dgm:styleLbl name="asst1">
-    <dgm:fillClrLst meth="repeat">
-      <a:schemeClr val="accent2"/>
-    </dgm:fillClrLst>
-    <dgm:linClrLst meth="repeat">
-      <a:schemeClr val="lt1"/>
-    </dgm:linClrLst>
-    <dgm:effectClrLst/>
-    <dgm:txLinClrLst/>
-    <dgm:txFillClrLst/>
-    <dgm:txEffectClrLst/>
-  </dgm:styleLbl>
-  <dgm:styleLbl name="asst2">
-    <dgm:fillClrLst>
-      <a:schemeClr val="accent3"/>
-    </dgm:fillClrLst>
-    <dgm:linClrLst meth="repeat">
-      <a:schemeClr val="lt1"/>
-    </dgm:linClrLst>
-    <dgm:effectClrLst/>
-    <dgm:txLinClrLst/>
-    <dgm:txFillClrLst/>
-    <dgm:txEffectClrLst/>
-  </dgm:styleLbl>
-  <dgm:styleLbl name="asst3">
-    <dgm:fillClrLst>
-      <a:schemeClr val="accent4"/>
-    </dgm:fillClrLst>
-    <dgm:linClrLst meth="repeat">
-      <a:schemeClr val="lt1"/>
-    </dgm:linClrLst>
-    <dgm:effectClrLst/>
-    <dgm:txLinClrLst/>
-    <dgm:txFillClrLst/>
-    <dgm:txEffectClrLst/>
-  </dgm:styleLbl>
-  <dgm:styleLbl name="asst4">
-    <dgm:fillClrLst>
-      <a:schemeClr val="accent5"/>
-    </dgm:fillClrLst>
-    <dgm:linClrLst meth="repeat">
-      <a:schemeClr val="lt1"/>
-    </dgm:linClrLst>
-    <dgm:effectClrLst/>
-    <dgm:txLinClrLst/>
-    <dgm:txFillClrLst/>
-    <dgm:txEffectClrLst/>
-  </dgm:styleLbl>
-  <dgm:styleLbl name="parChTrans2D1">
-    <dgm:fillClrLst meth="repeat">
-      <a:schemeClr val="accent2"/>
-    </dgm:fillClrLst>
-    <dgm:linClrLst meth="repeat">
-      <a:schemeClr val="lt1"/>
-    </dgm:linClrLst>
-    <dgm:effectClrLst/>
-    <dgm:txLinClrLst/>
-    <dgm:txFillClrLst meth="repeat">
-      <a:schemeClr val="lt1"/>
-    </dgm:txFillClrLst>
-    <dgm:txEffectClrLst/>
-  </dgm:styleLbl>
-  <dgm:styleLbl name="parChTrans2D2">
-    <dgm:fillClrLst meth="repeat">
-      <a:schemeClr val="accent3"/>
-    </dgm:fillClrLst>
-    <dgm:linClrLst meth="repeat">
-      <a:schemeClr val="lt1"/>
-    </dgm:linClrLst>
-    <dgm:effectClrLst/>
-    <dgm:txLinClrLst/>
-    <dgm:txFillClrLst/>
-    <dgm:txEffectClrLst/>
-  </dgm:styleLbl>
-  <dgm:styleLbl name="parChTrans2D3">
-    <dgm:fillClrLst meth="repeat">
-      <a:schemeClr val="accent4"/>
-    </dgm:fillClrLst>
-    <dgm:linClrLst meth="repeat">
-      <a:schemeClr val="lt1"/>
-    </dgm:linClrLst>
-    <dgm:effectClrLst/>
-    <dgm:txLinClrLst/>
-    <dgm:txFillClrLst/>
-    <dgm:txEffectClrLst/>
-  </dgm:styleLbl>
-  <dgm:styleLbl name="parChTrans2D4">
-    <dgm:fillClrLst meth="repeat">
-      <a:schemeClr val="accent5"/>
-    </dgm:fillClrLst>
-    <dgm:linClrLst meth="repeat">
-      <a:schemeClr val="lt1"/>
-    </dgm:linClrLst>
-    <dgm:effectClrLst/>
-    <dgm:txLinClrLst/>
-    <dgm:txFillClrLst meth="repeat">
-      <a:schemeClr val="lt1"/>
-    </dgm:txFillClrLst>
-    <dgm:txEffectClrLst/>
-  </dgm:styleLbl>
-  <dgm:styleLbl name="parChTrans1D1">
-    <dgm:fillClrLst meth="repeat">
-      <a:schemeClr val="accent2"/>
-    </dgm:fillClrLst>
-    <dgm:linClrLst meth="repeat">
-      <a:schemeClr val="accent1"/>
-    </dgm:linClrLst>
-    <dgm:effectClrLst/>
-    <dgm:txLinClrLst/>
-    <dgm:txFillClrLst meth="repeat">
-      <a:schemeClr val="tx1"/>
-    </dgm:txFillClrLst>
-    <dgm:txEffectClrLst/>
-  </dgm:styleLbl>
-  <dgm:styleLbl name="parChTrans1D2">
-    <dgm:fillClrLst meth="repeat">
-      <a:schemeClr val="accent3">
-        <a:tint val="90000"/>
-      </a:schemeClr>
-    </dgm:fillClrLst>
-    <dgm:linClrLst meth="repeat">
-      <a:schemeClr val="accent2"/>
-    </dgm:linClrLst>
-    <dgm:effectClrLst/>
-    <dgm:txLinClrLst/>
-    <dgm:txFillClrLst meth="repeat">
-      <a:schemeClr val="tx1"/>
-    </dgm:txFillClrLst>
-    <dgm:txEffectClrLst/>
-  </dgm:styleLbl>
-  <dgm:styleLbl name="parChTrans1D3">
-    <dgm:fillClrLst meth="repeat">
-      <a:schemeClr val="accent4">
-        <a:tint val="70000"/>
-      </a:schemeClr>
-    </dgm:fillClrLst>
-    <dgm:linClrLst meth="repeat">
-      <a:schemeClr val="accent3"/>
-    </dgm:linClrLst>
-    <dgm:effectClrLst/>
-    <dgm:txLinClrLst/>
-    <dgm:txFillClrLst meth="repeat">
-      <a:schemeClr val="tx1"/>
-    </dgm:txFillClrLst>
-    <dgm:txEffectClrLst/>
-  </dgm:styleLbl>
-  <dgm:styleLbl name="parChTrans1D4">
-    <dgm:fillClrLst meth="repeat">
-      <a:schemeClr val="accent5">
-        <a:tint val="50000"/>
-      </a:schemeClr>
-    </dgm:fillClrLst>
-    <dgm:linClrLst meth="repeat">
-      <a:schemeClr val="accent4"/>
-    </dgm:linClrLst>
-    <dgm:effectClrLst/>
-    <dgm:txLinClrLst/>
-    <dgm:txFillClrLst meth="repeat">
-      <a:schemeClr val="tx1"/>
-    </dgm:txFillClrLst>
-    <dgm:txEffectClrLst/>
-  </dgm:styleLbl>
-  <dgm:styleLbl name="fgAcc1">
-    <dgm:fillClrLst meth="repeat">
-      <a:schemeClr val="lt1">
-        <a:alpha val="90000"/>
-      </a:schemeClr>
-    </dgm:fillClrLst>
-    <dgm:linClrLst meth="repeat">
-      <a:schemeClr val="accent2"/>
-      <a:schemeClr val="accent3"/>
-      <a:schemeClr val="accent4"/>
-      <a:schemeClr val="accent5"/>
-      <a:schemeClr val="accent6"/>
-    </dgm:linClrLst>
-    <dgm:effectClrLst/>
-    <dgm:txLinClrLst/>
-    <dgm:txFillClrLst meth="repeat">
-      <a:schemeClr val="dk1"/>
-    </dgm:txFillClrLst>
-    <dgm:txEffectClrLst/>
-  </dgm:styleLbl>
-  <dgm:styleLbl name="conFgAcc1">
-    <dgm:fillClrLst meth="repeat">
-      <a:schemeClr val="lt1">
-        <a:alpha val="90000"/>
-      </a:schemeClr>
-    </dgm:fillClrLst>
-    <dgm:linClrLst meth="repeat">
-      <a:schemeClr val="accent2"/>
-      <a:schemeClr val="accent3"/>
-      <a:schemeClr val="accent4"/>
-      <a:schemeClr val="accent5"/>
-      <a:schemeClr val="accent6"/>
-    </dgm:linClrLst>
-    <dgm:effectClrLst/>
-    <dgm:txLinClrLst/>
-    <dgm:txFillClrLst meth="repeat">
-      <a:schemeClr val="dk1"/>
-    </dgm:txFillClrLst>
-    <dgm:txEffectClrLst/>
-  </dgm:styleLbl>
-  <dgm:styleLbl name="alignAcc1">
-    <dgm:fillClrLst meth="repeat">
-      <a:schemeClr val="lt1">
-        <a:alpha val="90000"/>
-      </a:schemeClr>
-    </dgm:fillClrLst>
-    <dgm:linClrLst meth="repeat">
-      <a:schemeClr val="accent2"/>
-      <a:schemeClr val="accent3"/>
-      <a:schemeClr val="accent4"/>
-      <a:schemeClr val="accent5"/>
-      <a:schemeClr val="accent6"/>
-    </dgm:linClrLst>
-    <dgm:effectClrLst/>
-    <dgm:txLinClrLst/>
-    <dgm:txFillClrLst meth="repeat">
-      <a:schemeClr val="dk1"/>
-    </dgm:txFillClrLst>
-    <dgm:txEffectClrLst/>
-  </dgm:styleLbl>
-  <dgm:styleLbl name="trAlignAcc1">
-    <dgm:fillClrLst meth="repeat">
-      <a:schemeClr val="lt1">
-        <a:alpha val="40000"/>
-      </a:schemeClr>
-    </dgm:fillClrLst>
-    <dgm:linClrLst meth="repeat">
-      <a:schemeClr val="accent1"/>
-    </dgm:linClrLst>
-    <dgm:effectClrLst/>
-    <dgm:txLinClrLst/>
-    <dgm:txFillClrLst meth="repeat">
-      <a:schemeClr val="dk1"/>
-    </dgm:txFillClrLst>
-    <dgm:txEffectClrLst/>
-  </dgm:styleLbl>
-  <dgm:styleLbl name="bgAcc1">
-    <dgm:fillClrLst meth="repeat">
-      <a:schemeClr val="lt1">
-        <a:alpha val="90000"/>
-      </a:schemeClr>
-    </dgm:fillClrLst>
-    <dgm:linClrLst meth="repeat">
-      <a:schemeClr val="accent2"/>
-      <a:schemeClr val="accent3"/>
-      <a:schemeClr val="accent4"/>
-      <a:schemeClr val="accent5"/>
-      <a:schemeClr val="accent6"/>
-    </dgm:linClrLst>
-    <dgm:effectClrLst/>
-    <dgm:txLinClrLst/>
-    <dgm:txFillClrLst meth="repeat">
-      <a:schemeClr val="dk1"/>
-    </dgm:txFillClrLst>
-    <dgm:txEffectClrLst/>
-  </dgm:styleLbl>
-  <dgm:styleLbl name="solidFgAcc1">
-    <dgm:fillClrLst meth="repeat">
-      <a:schemeClr val="lt1"/>
-    </dgm:fillClrLst>
-    <dgm:linClrLst meth="repeat">
-      <a:schemeClr val="accent2"/>
-      <a:schemeClr val="accent3"/>
-      <a:schemeClr val="accent4"/>
-      <a:schemeClr val="accent5"/>
-      <a:schemeClr val="accent6"/>
-    </dgm:linClrLst>
-    <dgm:effectClrLst/>
-    <dgm:txLinClrLst/>
-    <dgm:txFillClrLst meth="repeat">
-      <a:schemeClr val="dk1"/>
-    </dgm:txFillClrLst>
-    <dgm:txEffectClrLst/>
-  </dgm:styleLbl>
-  <dgm:styleLbl name="solidAlignAcc1">
-    <dgm:fillClrLst meth="repeat">
-      <a:schemeClr val="lt1"/>
-    </dgm:fillClrLst>
-    <dgm:linClrLst meth="repeat">
-      <a:schemeClr val="accent2"/>
-      <a:schemeClr val="accent3"/>
-      <a:schemeClr val="accent4"/>
-      <a:schemeClr val="accent5"/>
-      <a:schemeClr val="accent6"/>
-    </dgm:linClrLst>
-    <dgm:effectClrLst/>
-    <dgm:txLinClrLst/>
-    <dgm:txFillClrLst meth="repeat">
-      <a:schemeClr val="dk1"/>
-    </dgm:txFillClrLst>
-    <dgm:txEffectClrLst/>
-  </dgm:styleLbl>
-  <dgm:styleLbl name="solidBgAcc1">
-    <dgm:fillClrLst meth="repeat">
-      <a:schemeClr val="lt1"/>
-    </dgm:fillClrLst>
-    <dgm:linClrLst meth="repeat">
-      <a:schemeClr val="accent2"/>
-      <a:schemeClr val="accent3"/>
-      <a:schemeClr val="accent4"/>
-      <a:schemeClr val="accent5"/>
-      <a:schemeClr val="accent6"/>
-    </dgm:linClrLst>
-    <dgm:effectClrLst/>
-    <dgm:txLinClrLst/>
-    <dgm:txFillClrLst meth="repeat">
-      <a:schemeClr val="dk1"/>
-    </dgm:txFillClrLst>
-    <dgm:txEffectClrLst/>
-  </dgm:styleLbl>
-  <dgm:styleLbl name="fgAccFollowNode1">
-    <dgm:fillClrLst meth="repeat">
-      <a:schemeClr val="accent2">
-        <a:tint val="40000"/>
-        <a:alpha val="90000"/>
-      </a:schemeClr>
-      <a:schemeClr val="accent3">
-        <a:tint val="40000"/>
-        <a:alpha val="90000"/>
-      </a:schemeClr>
-      <a:schemeClr val="accent4">
-        <a:tint val="40000"/>
-        <a:alpha val="90000"/>
-      </a:schemeClr>
-      <a:schemeClr val="accent5">
-        <a:tint val="40000"/>
-        <a:alpha val="90000"/>
-      </a:schemeClr>
-      <a:schemeClr val="accent6">
-        <a:tint val="40000"/>
-        <a:alpha val="90000"/>
-      </a:schemeClr>
-    </dgm:fillClrLst>
-    <dgm:linClrLst meth="repeat">
-      <a:schemeClr val="accent2">
-        <a:tint val="40000"/>
-        <a:alpha val="90000"/>
-      </a:schemeClr>
-      <a:schemeClr val="accent3">
-        <a:tint val="40000"/>
-        <a:alpha val="90000"/>
-      </a:schemeClr>
-      <a:schemeClr val="accent4">
-        <a:tint val="40000"/>
-        <a:alpha val="90000"/>
-      </a:schemeClr>
-      <a:schemeClr val="accent5">
-        <a:tint val="40000"/>
-        <a:alpha val="90000"/>
-      </a:schemeClr>
-      <a:schemeClr val="accent6">
-        <a:tint val="40000"/>
-        <a:alpha val="90000"/>
-      </a:schemeClr>
-    </dgm:linClrLst>
-    <dgm:effectClrLst/>
-    <dgm:txLinClrLst/>
-    <dgm:txFillClrLst meth="repeat">
-      <a:schemeClr val="dk1"/>
-    </dgm:txFillClrLst>
-    <dgm:txEffectClrLst/>
-  </dgm:styleLbl>
-  <dgm:styleLbl name="alignAccFollowNode1">
-    <dgm:fillClrLst meth="repeat">
-      <a:schemeClr val="accent2">
-        <a:tint val="40000"/>
-        <a:alpha val="90000"/>
-      </a:schemeClr>
-      <a:schemeClr val="accent3">
-        <a:tint val="40000"/>
-        <a:alpha val="90000"/>
-      </a:schemeClr>
-      <a:schemeClr val="accent4">
-        <a:tint val="40000"/>
-        <a:alpha val="90000"/>
-      </a:schemeClr>
-      <a:schemeClr val="accent5">
-        <a:tint val="40000"/>
-        <a:alpha val="90000"/>
-      </a:schemeClr>
-      <a:schemeClr val="accent6">
-        <a:tint val="40000"/>
-        <a:alpha val="90000"/>
-      </a:schemeClr>
-    </dgm:fillClrLst>
-    <dgm:linClrLst meth="repeat">
-      <a:schemeClr val="accent2">
-        <a:tint val="40000"/>
-        <a:alpha val="90000"/>
-      </a:schemeClr>
-      <a:schemeClr val="accent3">
-        <a:tint val="40000"/>
-        <a:alpha val="90000"/>
-      </a:schemeClr>
-      <a:schemeClr val="accent4">
-        <a:tint val="40000"/>
-        <a:alpha val="90000"/>
-      </a:schemeClr>
-      <a:schemeClr val="accent5">
-        <a:tint val="40000"/>
-        <a:alpha val="90000"/>
-      </a:schemeClr>
-      <a:schemeClr val="accent6">
-        <a:tint val="40000"/>
-        <a:alpha val="90000"/>
-      </a:schemeClr>
-    </dgm:linClrLst>
-    <dgm:effectClrLst/>
-    <dgm:txLinClrLst/>
-    <dgm:txFillClrLst meth="repeat">
-      <a:schemeClr val="dk1"/>
-    </dgm:txFillClrLst>
-    <dgm:txEffectClrLst/>
-  </dgm:styleLbl>
-  <dgm:styleLbl name="bgAccFollowNode1">
-    <dgm:fillClrLst meth="repeat">
-      <a:schemeClr val="accent2">
-        <a:tint val="40000"/>
-        <a:alpha val="90000"/>
-      </a:schemeClr>
-      <a:schemeClr val="accent3">
-        <a:tint val="40000"/>
-        <a:alpha val="90000"/>
-      </a:schemeClr>
-      <a:schemeClr val="accent4">
-        <a:tint val="40000"/>
-        <a:alpha val="90000"/>
-      </a:schemeClr>
-      <a:schemeClr val="accent5">
-        <a:tint val="40000"/>
-        <a:alpha val="90000"/>
-      </a:schemeClr>
-      <a:schemeClr val="accent6">
-        <a:tint val="40000"/>
-        <a:alpha val="90000"/>
-      </a:schemeClr>
-    </dgm:fillClrLst>
-    <dgm:linClrLst meth="repeat">
-      <a:schemeClr val="accent2">
-        <a:tint val="40000"/>
-        <a:alpha val="90000"/>
-      </a:schemeClr>
-      <a:schemeClr val="accent3">
-        <a:tint val="40000"/>
-        <a:alpha val="90000"/>
-      </a:schemeClr>
-      <a:schemeClr val="accent4">
-        <a:tint val="40000"/>
-        <a:alpha val="90000"/>
-      </a:schemeClr>
-      <a:schemeClr val="accent5">
-        <a:tint val="40000"/>
-        <a:alpha val="90000"/>
-      </a:schemeClr>
-      <a:schemeClr val="accent6">
-        <a:tint val="40000"/>
-        <a:alpha val="90000"/>
-      </a:schemeClr>
-    </dgm:linClrLst>
-    <dgm:effectClrLst/>
-    <dgm:txLinClrLst/>
-    <dgm:txFillClrLst meth="repeat">
-      <a:schemeClr val="dk1"/>
-    </dgm:txFillClrLst>
-    <dgm:txEffectClrLst/>
-  </dgm:styleLbl>
-  <dgm:styleLbl name="fgAcc0">
-    <dgm:fillClrLst meth="repeat">
-      <a:schemeClr val="lt1">
-        <a:alpha val="90000"/>
-      </a:schemeClr>
-    </dgm:fillClrLst>
-    <dgm:linClrLst>
-      <a:schemeClr val="accent1"/>
-    </dgm:linClrLst>
-    <dgm:effectClrLst/>
-    <dgm:txLinClrLst/>
-    <dgm:txFillClrLst meth="repeat">
-      <a:schemeClr val="dk1"/>
-    </dgm:txFillClrLst>
-    <dgm:txEffectClrLst/>
-  </dgm:styleLbl>
-  <dgm:styleLbl name="fgAcc2">
-    <dgm:fillClrLst meth="repeat">
-      <a:schemeClr val="lt1">
-        <a:alpha val="90000"/>
-      </a:schemeClr>
-    </dgm:fillClrLst>
-    <dgm:linClrLst>
-      <a:schemeClr val="accent2"/>
-    </dgm:linClrLst>
-    <dgm:effectClrLst/>
-    <dgm:txLinClrLst/>
-    <dgm:txFillClrLst meth="repeat">
-      <a:schemeClr val="dk1"/>
-    </dgm:txFillClrLst>
-    <dgm:txEffectClrLst/>
-  </dgm:styleLbl>
-  <dgm:styleLbl name="fgAcc3">
-    <dgm:fillClrLst meth="repeat">
-      <a:schemeClr val="lt1">
-        <a:alpha val="90000"/>
-      </a:schemeClr>
-    </dgm:fillClrLst>
-    <dgm:linClrLst>
-      <a:schemeClr val="accent3"/>
-    </dgm:linClrLst>
-    <dgm:effectClrLst/>
-    <dgm:txLinClrLst/>
-    <dgm:txFillClrLst meth="repeat">
-      <a:schemeClr val="dk1"/>
-    </dgm:txFillClrLst>
-    <dgm:txEffectClrLst/>
-  </dgm:styleLbl>
-  <dgm:styleLbl name="fgAcc4">
-    <dgm:fillClrLst meth="repeat">
-      <a:schemeClr val="lt1">
-        <a:alpha val="90000"/>
-      </a:schemeClr>
-    </dgm:fillClrLst>
-    <dgm:linClrLst>
-      <a:schemeClr val="accent4"/>
-    </dgm:linClrLst>
-    <dgm:effectClrLst/>
-    <dgm:txLinClrLst/>
-    <dgm:txFillClrLst meth="repeat">
-      <a:schemeClr val="dk1"/>
-    </dgm:txFillClrLst>
-    <dgm:txEffectClrLst/>
-  </dgm:styleLbl>
-  <dgm:styleLbl name="bgShp">
-    <dgm:fillClrLst meth="repeat">
-      <a:schemeClr val="accent2">
-        <a:tint val="40000"/>
-      </a:schemeClr>
-    </dgm:fillClrLst>
-    <dgm:linClrLst meth="repeat">
-      <a:schemeClr val="dk1"/>
-    </dgm:linClrLst>
-    <dgm:effectClrLst/>
-    <dgm:txLinClrLst/>
-    <dgm:txFillClrLst meth="repeat">
-      <a:schemeClr val="dk1"/>
-    </dgm:txFillClrLst>
-    <dgm:txEffectClrLst/>
-  </dgm:styleLbl>
-  <dgm:styleLbl name="dkBgShp">
-    <dgm:fillClrLst meth="repeat">
-      <a:schemeClr val="accent2">
-        <a:shade val="90000"/>
-      </a:schemeClr>
-    </dgm:fillClrLst>
-    <dgm:linClrLst meth="repeat">
-      <a:schemeClr val="dk1"/>
-    </dgm:linClrLst>
-    <dgm:effectClrLst/>
-    <dgm:txLinClrLst/>
-    <dgm:txFillClrLst meth="repeat">
-      <a:schemeClr val="lt1"/>
-    </dgm:txFillClrLst>
-    <dgm:txEffectClrLst/>
-  </dgm:styleLbl>
-  <dgm:styleLbl name="trBgShp">
-    <dgm:fillClrLst meth="repeat">
-      <a:schemeClr val="accent1">
-        <a:tint val="50000"/>
-        <a:alpha val="40000"/>
-      </a:schemeClr>
-    </dgm:fillClrLst>
-    <dgm:linClrLst meth="repeat">
-      <a:schemeClr val="accent2"/>
-    </dgm:linClrLst>
-    <dgm:effectClrLst/>
-    <dgm:txLinClrLst/>
-    <dgm:txFillClrLst meth="repeat">
-      <a:schemeClr val="lt1"/>
-    </dgm:txFillClrLst>
-    <dgm:txEffectClrLst/>
-  </dgm:styleLbl>
-  <dgm:styleLbl name="fgShp">
-    <dgm:fillClrLst meth="repeat">
-      <a:schemeClr val="accent2">
-        <a:tint val="40000"/>
-      </a:schemeClr>
-    </dgm:fillClrLst>
-    <dgm:linClrLst meth="repeat">
-      <a:schemeClr val="lt1"/>
-    </dgm:linClrLst>
-    <dgm:effectClrLst/>
-    <dgm:txLinClrLst/>
-    <dgm:txFillClrLst meth="repeat">
-      <a:schemeClr val="dk1"/>
-    </dgm:txFillClrLst>
-    <dgm:txEffectClrLst/>
-  </dgm:styleLbl>
-  <dgm:styleLbl name="revTx">
-    <dgm:fillClrLst meth="repeat">
-      <a:schemeClr val="lt1">
-        <a:alpha val="0"/>
-      </a:schemeClr>
-    </dgm:fillClrLst>
-    <dgm:linClrLst meth="repeat">
-      <a:schemeClr val="dk1">
-        <a:alpha val="0"/>
-      </a:schemeClr>
-    </dgm:linClrLst>
-    <dgm:effectClrLst/>
-    <dgm:txLinClrLst/>
-    <dgm:txFillClrLst meth="repeat">
-      <a:schemeClr val="tx1"/>
-    </dgm:txFillClrLst>
-    <dgm:txEffectClrLst/>
-  </dgm:styleLbl>
-</dgm:colorsDef>
-</file>
-
 <file path=ppt/diagrams/data1.xml><?xml version="1.0" encoding="utf-8"?>
-<dgm:dataModel xmlns:dgm="http://schemas.openxmlformats.org/drawingml/2006/diagram" xmlns:a="http://schemas.openxmlformats.org/drawingml/2006/main">
-  <dgm:ptLst>
-    <dgm:pt modelId="{7A8CE04C-514B-425B-A673-EB7E7066B9B9}" type="doc">
-      <dgm:prSet loTypeId="urn:microsoft.com/office/officeart/2008/layout/LinedList" loCatId="list" qsTypeId="urn:microsoft.com/office/officeart/2005/8/quickstyle/simple1" qsCatId="simple" csTypeId="urn:microsoft.com/office/officeart/2005/8/colors/colorful1" csCatId="colorful" phldr="1"/>
-      <dgm:spPr/>
-      <dgm:t>
-        <a:bodyPr/>
-        <a:lstStyle/>
-        <a:p>
-          <a:endParaRPr lang="en-US"/>
-        </a:p>
-      </dgm:t>
-    </dgm:pt>
-    <dgm:pt modelId="{2B9CFCE1-124D-4CD9-83EF-C798B40DF468}">
-      <dgm:prSet/>
-      <dgm:spPr/>
-      <dgm:t>
-        <a:bodyPr/>
-        <a:lstStyle/>
-        <a:p>
-          <a:r>
-            <a:rPr lang="en-US"/>
-            <a:t>Nama 		: Unang</a:t>
-          </a:r>
-        </a:p>
-      </dgm:t>
-    </dgm:pt>
-    <dgm:pt modelId="{1394DE2E-3F17-4F93-A47E-CC16056D5030}" type="parTrans" cxnId="{F668108D-C60C-45F5-8D11-DC26056BF314}">
-      <dgm:prSet/>
-      <dgm:spPr/>
-      <dgm:t>
-        <a:bodyPr/>
-        <a:lstStyle/>
-        <a:p>
-          <a:endParaRPr lang="en-US"/>
-        </a:p>
-      </dgm:t>
-    </dgm:pt>
-    <dgm:pt modelId="{8CAE2972-CC2E-498B-A0CC-6E3B43D1249A}" type="sibTrans" cxnId="{F668108D-C60C-45F5-8D11-DC26056BF314}">
-      <dgm:prSet/>
-      <dgm:spPr/>
-      <dgm:t>
-        <a:bodyPr/>
-        <a:lstStyle/>
-        <a:p>
-          <a:endParaRPr lang="en-US"/>
-        </a:p>
-      </dgm:t>
-    </dgm:pt>
-    <dgm:pt modelId="{E85D3FFF-187E-47A3-83A8-0D1F183DAF78}">
-      <dgm:prSet/>
-      <dgm:spPr/>
-      <dgm:t>
-        <a:bodyPr/>
-        <a:lstStyle/>
-        <a:p>
-          <a:r>
-            <a:rPr lang="en-US" dirty="0"/>
-            <a:t>Kantor		: BPKP Pusat</a:t>
-          </a:r>
-        </a:p>
-      </dgm:t>
-    </dgm:pt>
-    <dgm:pt modelId="{D19497D0-E23C-4C58-9AED-214C7EC05929}" type="parTrans" cxnId="{0BD1522C-DBD9-4F5C-9EB6-36F186CF07ED}">
-      <dgm:prSet/>
-      <dgm:spPr/>
-      <dgm:t>
-        <a:bodyPr/>
-        <a:lstStyle/>
-        <a:p>
-          <a:endParaRPr lang="en-US"/>
-        </a:p>
-      </dgm:t>
-    </dgm:pt>
-    <dgm:pt modelId="{54F8C536-1D60-4CF1-9575-57F4AC7A09EF}" type="sibTrans" cxnId="{0BD1522C-DBD9-4F5C-9EB6-36F186CF07ED}">
-      <dgm:prSet/>
-      <dgm:spPr/>
-      <dgm:t>
-        <a:bodyPr/>
-        <a:lstStyle/>
-        <a:p>
-          <a:endParaRPr lang="en-US"/>
-        </a:p>
-      </dgm:t>
-    </dgm:pt>
-    <dgm:pt modelId="{54DE265D-96A4-4E72-9706-90EB778906FD}">
-      <dgm:prSet/>
-      <dgm:spPr/>
-      <dgm:t>
-        <a:bodyPr/>
-        <a:lstStyle/>
-        <a:p>
-          <a:r>
-            <a:rPr lang="en-US" dirty="0" err="1"/>
-            <a:t>Direktorat</a:t>
-          </a:r>
-          <a:r>
-            <a:rPr lang="en-US" dirty="0"/>
-            <a:t>	: </a:t>
-          </a:r>
-          <a:r>
-            <a:rPr lang="en-US" dirty="0" err="1"/>
-            <a:t>Direktorat</a:t>
-          </a:r>
-          <a:r>
-            <a:rPr lang="en-US" dirty="0"/>
-            <a:t> </a:t>
-          </a:r>
-          <a:r>
-            <a:rPr lang="en-US" dirty="0" err="1"/>
-            <a:t>Desa</a:t>
-          </a:r>
-          <a:endParaRPr lang="en-US" dirty="0"/>
-        </a:p>
-      </dgm:t>
-    </dgm:pt>
-    <dgm:pt modelId="{BDF44ECC-E199-432F-8E06-6E891745CF02}" type="parTrans" cxnId="{722D8931-5CDE-4806-BD24-AC2C6F428B3C}">
-      <dgm:prSet/>
-      <dgm:spPr/>
-      <dgm:t>
-        <a:bodyPr/>
-        <a:lstStyle/>
-        <a:p>
-          <a:endParaRPr lang="en-US"/>
-        </a:p>
-      </dgm:t>
-    </dgm:pt>
-    <dgm:pt modelId="{FBD8137E-5358-4CFF-BE2E-0C9F6C2BBD07}" type="sibTrans" cxnId="{722D8931-5CDE-4806-BD24-AC2C6F428B3C}">
-      <dgm:prSet/>
-      <dgm:spPr/>
-      <dgm:t>
-        <a:bodyPr/>
-        <a:lstStyle/>
-        <a:p>
-          <a:endParaRPr lang="en-US"/>
-        </a:p>
-      </dgm:t>
-    </dgm:pt>
-    <dgm:pt modelId="{E69F3AD6-7B8C-433B-AD0B-3726228C4FB8}">
-      <dgm:prSet/>
-      <dgm:spPr/>
-      <dgm:t>
-        <a:bodyPr/>
-        <a:lstStyle/>
-        <a:p>
-          <a:r>
-            <a:rPr lang="en-US" dirty="0" err="1"/>
-            <a:t>Rumah</a:t>
-          </a:r>
-          <a:r>
-            <a:rPr lang="en-US" dirty="0"/>
-            <a:t>		: </a:t>
-          </a:r>
-          <a:r>
-            <a:rPr lang="en-US" dirty="0" err="1"/>
-            <a:t>Perum</a:t>
-          </a:r>
-          <a:r>
-            <a:rPr lang="en-US" dirty="0"/>
-            <a:t> </a:t>
-          </a:r>
-          <a:r>
-            <a:rPr lang="en-US" dirty="0" err="1"/>
-            <a:t>Pesona</a:t>
-          </a:r>
-          <a:r>
-            <a:rPr lang="en-US" dirty="0"/>
-            <a:t> </a:t>
-          </a:r>
-          <a:r>
-            <a:rPr lang="en-US" dirty="0" err="1"/>
-            <a:t>Rawa</a:t>
-          </a:r>
-          <a:r>
-            <a:rPr lang="en-US" dirty="0"/>
-            <a:t> </a:t>
-          </a:r>
-          <a:r>
-            <a:rPr lang="en-US" dirty="0" err="1"/>
-            <a:t>Denok</a:t>
-          </a:r>
-          <a:r>
-            <a:rPr lang="en-US" dirty="0"/>
-            <a:t> Blok c No 		5 , </a:t>
-          </a:r>
-          <a:r>
-            <a:rPr lang="en-US" dirty="0" err="1"/>
-            <a:t>Pancoran</a:t>
-          </a:r>
-          <a:r>
-            <a:rPr lang="en-US" dirty="0"/>
-            <a:t> Mas Depok</a:t>
-          </a:r>
-        </a:p>
-      </dgm:t>
-    </dgm:pt>
-    <dgm:pt modelId="{455675E9-34F8-4526-A247-1C024DB6BF0D}" type="parTrans" cxnId="{C182B4C0-D59C-4B07-A02F-77AB4DA77D72}">
-      <dgm:prSet/>
-      <dgm:spPr/>
-      <dgm:t>
-        <a:bodyPr/>
-        <a:lstStyle/>
-        <a:p>
-          <a:endParaRPr lang="en-US"/>
-        </a:p>
-      </dgm:t>
-    </dgm:pt>
-    <dgm:pt modelId="{06FE07F7-F4E8-4BA3-A8ED-AFD2739826D2}" type="sibTrans" cxnId="{C182B4C0-D59C-4B07-A02F-77AB4DA77D72}">
-      <dgm:prSet/>
-      <dgm:spPr/>
-      <dgm:t>
-        <a:bodyPr/>
-        <a:lstStyle/>
-        <a:p>
-          <a:endParaRPr lang="en-US"/>
-        </a:p>
-      </dgm:t>
-    </dgm:pt>
-    <dgm:pt modelId="{D0D63F62-7EC4-4FC0-A4E9-14E5A01E27D3}">
-      <dgm:prSet/>
-      <dgm:spPr/>
-      <dgm:t>
-        <a:bodyPr/>
-        <a:lstStyle/>
-        <a:p>
-          <a:r>
-            <a:rPr lang="en-US" dirty="0"/>
-            <a:t>Pendidikan	: D3 </a:t>
-          </a:r>
-          <a:r>
-            <a:rPr lang="en-US" dirty="0" err="1"/>
-            <a:t>Akuntansi</a:t>
-          </a:r>
-          <a:r>
-            <a:rPr lang="en-US" dirty="0"/>
-            <a:t> Stan</a:t>
-          </a:r>
-        </a:p>
-        <a:p>
-          <a:r>
-            <a:rPr lang="en-US" dirty="0"/>
-            <a:t>		  S1 </a:t>
-          </a:r>
-          <a:r>
-            <a:rPr lang="en-US" dirty="0" err="1"/>
-            <a:t>Manajamen</a:t>
-          </a:r>
-          <a:r>
-            <a:rPr lang="en-US" dirty="0"/>
-            <a:t> </a:t>
-          </a:r>
-          <a:r>
-            <a:rPr lang="en-US" dirty="0" err="1"/>
-            <a:t>Pertiba</a:t>
-          </a:r>
-          <a:r>
-            <a:rPr lang="en-US" dirty="0"/>
-            <a:t> </a:t>
-          </a:r>
-          <a:r>
-            <a:rPr lang="en-US" dirty="0" err="1"/>
-            <a:t>Pangkalpinang</a:t>
-          </a:r>
-          <a:endParaRPr lang="en-US" dirty="0"/>
-        </a:p>
-      </dgm:t>
-    </dgm:pt>
-    <dgm:pt modelId="{1B4349C4-3430-4F4A-B21C-364559CA4FB5}" type="parTrans" cxnId="{B8B583D1-7A55-459E-AF98-A59C19984DFE}">
-      <dgm:prSet/>
-      <dgm:spPr/>
-      <dgm:t>
-        <a:bodyPr/>
-        <a:lstStyle/>
-        <a:p>
-          <a:endParaRPr lang="en-ID"/>
-        </a:p>
-      </dgm:t>
-    </dgm:pt>
-    <dgm:pt modelId="{278D2A34-FA5A-4699-9A7E-B6BE7675A252}" type="sibTrans" cxnId="{B8B583D1-7A55-459E-AF98-A59C19984DFE}">
-      <dgm:prSet/>
-      <dgm:spPr/>
-      <dgm:t>
-        <a:bodyPr/>
-        <a:lstStyle/>
-        <a:p>
-          <a:endParaRPr lang="en-ID"/>
-        </a:p>
-      </dgm:t>
-    </dgm:pt>
-    <dgm:pt modelId="{F1F25C1A-B296-418E-83DC-AB946E0C4D13}" type="pres">
-      <dgm:prSet presAssocID="{7A8CE04C-514B-425B-A673-EB7E7066B9B9}" presName="vert0" presStyleCnt="0">
-        <dgm:presLayoutVars>
-          <dgm:dir/>
-          <dgm:animOne val="branch"/>
-          <dgm:animLvl val="lvl"/>
-        </dgm:presLayoutVars>
-      </dgm:prSet>
-      <dgm:spPr/>
-    </dgm:pt>
-    <dgm:pt modelId="{729C93B7-5D96-4F0B-9D14-68F8F2F78DAE}" type="pres">
-      <dgm:prSet presAssocID="{2B9CFCE1-124D-4CD9-83EF-C798B40DF468}" presName="thickLine" presStyleLbl="alignNode1" presStyleIdx="0" presStyleCnt="5"/>
-      <dgm:spPr/>
-    </dgm:pt>
-    <dgm:pt modelId="{644D33EC-A223-455B-928E-18FD99550AC1}" type="pres">
-      <dgm:prSet presAssocID="{2B9CFCE1-124D-4CD9-83EF-C798B40DF468}" presName="horz1" presStyleCnt="0"/>
-      <dgm:spPr/>
-    </dgm:pt>
-    <dgm:pt modelId="{BCA620AE-A087-4101-8CEC-A2374ED89313}" type="pres">
-      <dgm:prSet presAssocID="{2B9CFCE1-124D-4CD9-83EF-C798B40DF468}" presName="tx1" presStyleLbl="revTx" presStyleIdx="0" presStyleCnt="5"/>
-      <dgm:spPr/>
-    </dgm:pt>
-    <dgm:pt modelId="{82243585-FA50-45FE-94E1-3FD0BD545B12}" type="pres">
-      <dgm:prSet presAssocID="{2B9CFCE1-124D-4CD9-83EF-C798B40DF468}" presName="vert1" presStyleCnt="0"/>
-      <dgm:spPr/>
-    </dgm:pt>
-    <dgm:pt modelId="{5EC39B50-9052-4D73-BF7D-29D74CF569C0}" type="pres">
-      <dgm:prSet presAssocID="{E85D3FFF-187E-47A3-83A8-0D1F183DAF78}" presName="thickLine" presStyleLbl="alignNode1" presStyleIdx="1" presStyleCnt="5"/>
-      <dgm:spPr/>
-    </dgm:pt>
-    <dgm:pt modelId="{8877546B-D64E-46D4-8888-D4628BE5D7E2}" type="pres">
-      <dgm:prSet presAssocID="{E85D3FFF-187E-47A3-83A8-0D1F183DAF78}" presName="horz1" presStyleCnt="0"/>
-      <dgm:spPr/>
-    </dgm:pt>
-    <dgm:pt modelId="{198D46CC-58F7-4701-A307-01C2E964CA6B}" type="pres">
-      <dgm:prSet presAssocID="{E85D3FFF-187E-47A3-83A8-0D1F183DAF78}" presName="tx1" presStyleLbl="revTx" presStyleIdx="1" presStyleCnt="5"/>
-      <dgm:spPr/>
-    </dgm:pt>
-    <dgm:pt modelId="{A7099999-CBFF-47AB-A841-8EAD72958CDB}" type="pres">
-      <dgm:prSet presAssocID="{E85D3FFF-187E-47A3-83A8-0D1F183DAF78}" presName="vert1" presStyleCnt="0"/>
-      <dgm:spPr/>
-    </dgm:pt>
-    <dgm:pt modelId="{2FA1291D-2E2C-4EFC-A90F-D18CB81F0119}" type="pres">
-      <dgm:prSet presAssocID="{54DE265D-96A4-4E72-9706-90EB778906FD}" presName="thickLine" presStyleLbl="alignNode1" presStyleIdx="2" presStyleCnt="5"/>
-      <dgm:spPr/>
-    </dgm:pt>
-    <dgm:pt modelId="{7CF2F0B1-A03E-4702-B867-678D0A63BC06}" type="pres">
-      <dgm:prSet presAssocID="{54DE265D-96A4-4E72-9706-90EB778906FD}" presName="horz1" presStyleCnt="0"/>
-      <dgm:spPr/>
-    </dgm:pt>
-    <dgm:pt modelId="{21F6ECBB-985D-4920-8F96-B522CDCB840A}" type="pres">
-      <dgm:prSet presAssocID="{54DE265D-96A4-4E72-9706-90EB778906FD}" presName="tx1" presStyleLbl="revTx" presStyleIdx="2" presStyleCnt="5"/>
-      <dgm:spPr/>
-    </dgm:pt>
-    <dgm:pt modelId="{444A53F4-3544-4778-9A4F-4714F9028E70}" type="pres">
-      <dgm:prSet presAssocID="{54DE265D-96A4-4E72-9706-90EB778906FD}" presName="vert1" presStyleCnt="0"/>
-      <dgm:spPr/>
-    </dgm:pt>
-    <dgm:pt modelId="{E635083D-666B-4709-A6AB-BE861D8936D0}" type="pres">
-      <dgm:prSet presAssocID="{E69F3AD6-7B8C-433B-AD0B-3726228C4FB8}" presName="thickLine" presStyleLbl="alignNode1" presStyleIdx="3" presStyleCnt="5"/>
-      <dgm:spPr/>
-    </dgm:pt>
-    <dgm:pt modelId="{00C9A8C3-4032-4C50-82FA-5BACEAC9FEB5}" type="pres">
-      <dgm:prSet presAssocID="{E69F3AD6-7B8C-433B-AD0B-3726228C4FB8}" presName="horz1" presStyleCnt="0"/>
-      <dgm:spPr/>
-    </dgm:pt>
-    <dgm:pt modelId="{89E281B4-AD9B-4998-A367-5FAB30DE6CBE}" type="pres">
-      <dgm:prSet presAssocID="{E69F3AD6-7B8C-433B-AD0B-3726228C4FB8}" presName="tx1" presStyleLbl="revTx" presStyleIdx="3" presStyleCnt="5"/>
-      <dgm:spPr/>
-    </dgm:pt>
-    <dgm:pt modelId="{26A3013D-6E9A-4AE9-ADE6-8BFBBEE09654}" type="pres">
-      <dgm:prSet presAssocID="{E69F3AD6-7B8C-433B-AD0B-3726228C4FB8}" presName="vert1" presStyleCnt="0"/>
-      <dgm:spPr/>
-    </dgm:pt>
-    <dgm:pt modelId="{1D787AB0-9F94-4B70-92B3-EF4F31C95378}" type="pres">
-      <dgm:prSet presAssocID="{D0D63F62-7EC4-4FC0-A4E9-14E5A01E27D3}" presName="thickLine" presStyleLbl="alignNode1" presStyleIdx="4" presStyleCnt="5"/>
-      <dgm:spPr/>
-    </dgm:pt>
-    <dgm:pt modelId="{5808CF74-36BB-4979-B416-33166B1340C7}" type="pres">
-      <dgm:prSet presAssocID="{D0D63F62-7EC4-4FC0-A4E9-14E5A01E27D3}" presName="horz1" presStyleCnt="0"/>
-      <dgm:spPr/>
-    </dgm:pt>
-    <dgm:pt modelId="{F9594257-8F70-401A-B9E2-306631A11239}" type="pres">
-      <dgm:prSet presAssocID="{D0D63F62-7EC4-4FC0-A4E9-14E5A01E27D3}" presName="tx1" presStyleLbl="revTx" presStyleIdx="4" presStyleCnt="5"/>
-      <dgm:spPr/>
-    </dgm:pt>
-    <dgm:pt modelId="{C692CC83-5AAD-49BC-B5A4-CD0DF0315AC9}" type="pres">
-      <dgm:prSet presAssocID="{D0D63F62-7EC4-4FC0-A4E9-14E5A01E27D3}" presName="vert1" presStyleCnt="0"/>
-      <dgm:spPr/>
-    </dgm:pt>
-  </dgm:ptLst>
-  <dgm:cxnLst>
-    <dgm:cxn modelId="{D1F6E311-3D6F-4428-AC5F-D3E1B0E240D2}" type="presOf" srcId="{2B9CFCE1-124D-4CD9-83EF-C798B40DF468}" destId="{BCA620AE-A087-4101-8CEC-A2374ED89313}" srcOrd="0" destOrd="0" presId="urn:microsoft.com/office/officeart/2008/layout/LinedList"/>
-    <dgm:cxn modelId="{0BD1522C-DBD9-4F5C-9EB6-36F186CF07ED}" srcId="{7A8CE04C-514B-425B-A673-EB7E7066B9B9}" destId="{E85D3FFF-187E-47A3-83A8-0D1F183DAF78}" srcOrd="1" destOrd="0" parTransId="{D19497D0-E23C-4C58-9AED-214C7EC05929}" sibTransId="{54F8C536-1D60-4CF1-9575-57F4AC7A09EF}"/>
-    <dgm:cxn modelId="{722D8931-5CDE-4806-BD24-AC2C6F428B3C}" srcId="{7A8CE04C-514B-425B-A673-EB7E7066B9B9}" destId="{54DE265D-96A4-4E72-9706-90EB778906FD}" srcOrd="2" destOrd="0" parTransId="{BDF44ECC-E199-432F-8E06-6E891745CF02}" sibTransId="{FBD8137E-5358-4CFF-BE2E-0C9F6C2BBD07}"/>
-    <dgm:cxn modelId="{87A46833-5180-4A59-9834-47B7795AF61C}" type="presOf" srcId="{E69F3AD6-7B8C-433B-AD0B-3726228C4FB8}" destId="{89E281B4-AD9B-4998-A367-5FAB30DE6CBE}" srcOrd="0" destOrd="0" presId="urn:microsoft.com/office/officeart/2008/layout/LinedList"/>
-    <dgm:cxn modelId="{E0A6F64C-1BDB-4A25-820F-B4A7357D46C4}" type="presOf" srcId="{E85D3FFF-187E-47A3-83A8-0D1F183DAF78}" destId="{198D46CC-58F7-4701-A307-01C2E964CA6B}" srcOrd="0" destOrd="0" presId="urn:microsoft.com/office/officeart/2008/layout/LinedList"/>
-    <dgm:cxn modelId="{7AF37C54-7C01-4810-9F31-7029F06E1FFF}" type="presOf" srcId="{D0D63F62-7EC4-4FC0-A4E9-14E5A01E27D3}" destId="{F9594257-8F70-401A-B9E2-306631A11239}" srcOrd="0" destOrd="0" presId="urn:microsoft.com/office/officeart/2008/layout/LinedList"/>
-    <dgm:cxn modelId="{F668108D-C60C-45F5-8D11-DC26056BF314}" srcId="{7A8CE04C-514B-425B-A673-EB7E7066B9B9}" destId="{2B9CFCE1-124D-4CD9-83EF-C798B40DF468}" srcOrd="0" destOrd="0" parTransId="{1394DE2E-3F17-4F93-A47E-CC16056D5030}" sibTransId="{8CAE2972-CC2E-498B-A0CC-6E3B43D1249A}"/>
-    <dgm:cxn modelId="{9EC25ABB-1F38-4EF9-A820-91CEA3A7E1A4}" type="presOf" srcId="{7A8CE04C-514B-425B-A673-EB7E7066B9B9}" destId="{F1F25C1A-B296-418E-83DC-AB946E0C4D13}" srcOrd="0" destOrd="0" presId="urn:microsoft.com/office/officeart/2008/layout/LinedList"/>
-    <dgm:cxn modelId="{C182B4C0-D59C-4B07-A02F-77AB4DA77D72}" srcId="{7A8CE04C-514B-425B-A673-EB7E7066B9B9}" destId="{E69F3AD6-7B8C-433B-AD0B-3726228C4FB8}" srcOrd="3" destOrd="0" parTransId="{455675E9-34F8-4526-A247-1C024DB6BF0D}" sibTransId="{06FE07F7-F4E8-4BA3-A8ED-AFD2739826D2}"/>
-    <dgm:cxn modelId="{B8B583D1-7A55-459E-AF98-A59C19984DFE}" srcId="{7A8CE04C-514B-425B-A673-EB7E7066B9B9}" destId="{D0D63F62-7EC4-4FC0-A4E9-14E5A01E27D3}" srcOrd="4" destOrd="0" parTransId="{1B4349C4-3430-4F4A-B21C-364559CA4FB5}" sibTransId="{278D2A34-FA5A-4699-9A7E-B6BE7675A252}"/>
-    <dgm:cxn modelId="{A53C1ADD-75B1-4DD4-B04E-2D15F440D3A4}" type="presOf" srcId="{54DE265D-96A4-4E72-9706-90EB778906FD}" destId="{21F6ECBB-985D-4920-8F96-B522CDCB840A}" srcOrd="0" destOrd="0" presId="urn:microsoft.com/office/officeart/2008/layout/LinedList"/>
-    <dgm:cxn modelId="{5A30A66D-3F49-4D96-BF03-B7435A0CA844}" type="presParOf" srcId="{F1F25C1A-B296-418E-83DC-AB946E0C4D13}" destId="{729C93B7-5D96-4F0B-9D14-68F8F2F78DAE}" srcOrd="0" destOrd="0" presId="urn:microsoft.com/office/officeart/2008/layout/LinedList"/>
-    <dgm:cxn modelId="{724EDC95-7E91-440E-B33F-106DB6AD7196}" type="presParOf" srcId="{F1F25C1A-B296-418E-83DC-AB946E0C4D13}" destId="{644D33EC-A223-455B-928E-18FD99550AC1}" srcOrd="1" destOrd="0" presId="urn:microsoft.com/office/officeart/2008/layout/LinedList"/>
-    <dgm:cxn modelId="{AB82A9C4-AB66-41E4-B5D8-A9036B3BDFC4}" type="presParOf" srcId="{644D33EC-A223-455B-928E-18FD99550AC1}" destId="{BCA620AE-A087-4101-8CEC-A2374ED89313}" srcOrd="0" destOrd="0" presId="urn:microsoft.com/office/officeart/2008/layout/LinedList"/>
-    <dgm:cxn modelId="{47F69A52-292E-48E9-96C3-65904C9B5466}" type="presParOf" srcId="{644D33EC-A223-455B-928E-18FD99550AC1}" destId="{82243585-FA50-45FE-94E1-3FD0BD545B12}" srcOrd="1" destOrd="0" presId="urn:microsoft.com/office/officeart/2008/layout/LinedList"/>
-    <dgm:cxn modelId="{5E656F3D-CCDC-4C1F-8C69-56D6E206258B}" type="presParOf" srcId="{F1F25C1A-B296-418E-83DC-AB946E0C4D13}" destId="{5EC39B50-9052-4D73-BF7D-29D74CF569C0}" srcOrd="2" destOrd="0" presId="urn:microsoft.com/office/officeart/2008/layout/LinedList"/>
-    <dgm:cxn modelId="{DC657269-C002-4212-BE88-F2137CF6C309}" type="presParOf" srcId="{F1F25C1A-B296-418E-83DC-AB946E0C4D13}" destId="{8877546B-D64E-46D4-8888-D4628BE5D7E2}" srcOrd="3" destOrd="0" presId="urn:microsoft.com/office/officeart/2008/layout/LinedList"/>
-    <dgm:cxn modelId="{9F79191D-E6E4-4085-81E0-897BAF4BF1D7}" type="presParOf" srcId="{8877546B-D64E-46D4-8888-D4628BE5D7E2}" destId="{198D46CC-58F7-4701-A307-01C2E964CA6B}" srcOrd="0" destOrd="0" presId="urn:microsoft.com/office/officeart/2008/layout/LinedList"/>
-    <dgm:cxn modelId="{7FD0C8CF-FF6C-4630-BC5A-E5DDCB20FB2C}" type="presParOf" srcId="{8877546B-D64E-46D4-8888-D4628BE5D7E2}" destId="{A7099999-CBFF-47AB-A841-8EAD72958CDB}" srcOrd="1" destOrd="0" presId="urn:microsoft.com/office/officeart/2008/layout/LinedList"/>
-    <dgm:cxn modelId="{3EB47322-A850-4A81-9B00-DB759E5FC2EE}" type="presParOf" srcId="{F1F25C1A-B296-418E-83DC-AB946E0C4D13}" destId="{2FA1291D-2E2C-4EFC-A90F-D18CB81F0119}" srcOrd="4" destOrd="0" presId="urn:microsoft.com/office/officeart/2008/layout/LinedList"/>
-    <dgm:cxn modelId="{E08D4253-5203-406C-95F1-9586DF692CA8}" type="presParOf" srcId="{F1F25C1A-B296-418E-83DC-AB946E0C4D13}" destId="{7CF2F0B1-A03E-4702-B867-678D0A63BC06}" srcOrd="5" destOrd="0" presId="urn:microsoft.com/office/officeart/2008/layout/LinedList"/>
-    <dgm:cxn modelId="{39ACCBB4-7CAA-46EE-9E19-66772863B558}" type="presParOf" srcId="{7CF2F0B1-A03E-4702-B867-678D0A63BC06}" destId="{21F6ECBB-985D-4920-8F96-B522CDCB840A}" srcOrd="0" destOrd="0" presId="urn:microsoft.com/office/officeart/2008/layout/LinedList"/>
-    <dgm:cxn modelId="{03342B0C-33E6-4361-86AC-59A42A7F769F}" type="presParOf" srcId="{7CF2F0B1-A03E-4702-B867-678D0A63BC06}" destId="{444A53F4-3544-4778-9A4F-4714F9028E70}" srcOrd="1" destOrd="0" presId="urn:microsoft.com/office/officeart/2008/layout/LinedList"/>
-    <dgm:cxn modelId="{9780B95A-4679-4B3D-AD5C-8CB575D111BB}" type="presParOf" srcId="{F1F25C1A-B296-418E-83DC-AB946E0C4D13}" destId="{E635083D-666B-4709-A6AB-BE861D8936D0}" srcOrd="6" destOrd="0" presId="urn:microsoft.com/office/officeart/2008/layout/LinedList"/>
-    <dgm:cxn modelId="{C9C6CDD4-5784-43FA-B98D-D6FB69191AA1}" type="presParOf" srcId="{F1F25C1A-B296-418E-83DC-AB946E0C4D13}" destId="{00C9A8C3-4032-4C50-82FA-5BACEAC9FEB5}" srcOrd="7" destOrd="0" presId="urn:microsoft.com/office/officeart/2008/layout/LinedList"/>
-    <dgm:cxn modelId="{0B3A0CC2-6702-4478-B308-0F75879CD892}" type="presParOf" srcId="{00C9A8C3-4032-4C50-82FA-5BACEAC9FEB5}" destId="{89E281B4-AD9B-4998-A367-5FAB30DE6CBE}" srcOrd="0" destOrd="0" presId="urn:microsoft.com/office/officeart/2008/layout/LinedList"/>
-    <dgm:cxn modelId="{0407FF0C-C8D6-4174-BA2F-2F35AB39C69E}" type="presParOf" srcId="{00C9A8C3-4032-4C50-82FA-5BACEAC9FEB5}" destId="{26A3013D-6E9A-4AE9-ADE6-8BFBBEE09654}" srcOrd="1" destOrd="0" presId="urn:microsoft.com/office/officeart/2008/layout/LinedList"/>
-    <dgm:cxn modelId="{BD89DA7A-5551-4F1A-AF82-D187EC1C57EE}" type="presParOf" srcId="{F1F25C1A-B296-418E-83DC-AB946E0C4D13}" destId="{1D787AB0-9F94-4B70-92B3-EF4F31C95378}" srcOrd="8" destOrd="0" presId="urn:microsoft.com/office/officeart/2008/layout/LinedList"/>
-    <dgm:cxn modelId="{94E2452D-BA28-4F5F-BDF0-3DC809968A73}" type="presParOf" srcId="{F1F25C1A-B296-418E-83DC-AB946E0C4D13}" destId="{5808CF74-36BB-4979-B416-33166B1340C7}" srcOrd="9" destOrd="0" presId="urn:microsoft.com/office/officeart/2008/layout/LinedList"/>
-    <dgm:cxn modelId="{F22E1081-27AE-47DD-B2A9-34153DD5D307}" type="presParOf" srcId="{5808CF74-36BB-4979-B416-33166B1340C7}" destId="{F9594257-8F70-401A-B9E2-306631A11239}" srcOrd="0" destOrd="0" presId="urn:microsoft.com/office/officeart/2008/layout/LinedList"/>
-    <dgm:cxn modelId="{6373B205-9298-4465-9003-56A194E8B957}" type="presParOf" srcId="{5808CF74-36BB-4979-B416-33166B1340C7}" destId="{C692CC83-5AAD-49BC-B5A4-CD0DF0315AC9}" srcOrd="1" destOrd="0" presId="urn:microsoft.com/office/officeart/2008/layout/LinedList"/>
-  </dgm:cxnLst>
-  <dgm:bg/>
-  <dgm:whole/>
-  <dgm:extLst>
-    <a:ext uri="http://schemas.microsoft.com/office/drawing/2008/diagram">
-      <dsp:dataModelExt xmlns:dsp="http://schemas.microsoft.com/office/drawing/2008/diagram" relId="rId6" minVer="http://schemas.openxmlformats.org/drawingml/2006/diagram"/>
-    </a:ext>
-  </dgm:extLst>
-</dgm:dataModel>
-</file>
-
-<file path=ppt/diagrams/data2.xml><?xml version="1.0" encoding="utf-8"?>
 <dgm:dataModel xmlns:dgm="http://schemas.openxmlformats.org/drawingml/2006/diagram" xmlns:a="http://schemas.openxmlformats.org/drawingml/2006/main">
   <dgm:ptLst>
     <dgm:pt modelId="{649B0C39-686D-4252-B75A-71301F076CED}" type="doc">
@@ -2657,671 +1313,6 @@
 </file>
 
 <file path=ppt/diagrams/drawing1.xml><?xml version="1.0" encoding="utf-8"?>
-<dsp:drawing xmlns:dgm="http://schemas.openxmlformats.org/drawingml/2006/diagram" xmlns:dsp="http://schemas.microsoft.com/office/drawing/2008/diagram" xmlns:a="http://schemas.openxmlformats.org/drawingml/2006/main">
-  <dsp:spTree>
-    <dsp:nvGrpSpPr>
-      <dsp:cNvPr id="0" name=""/>
-      <dsp:cNvGrpSpPr/>
-    </dsp:nvGrpSpPr>
-    <dsp:grpSpPr/>
-    <dsp:sp modelId="{729C93B7-5D96-4F0B-9D14-68F8F2F78DAE}">
-      <dsp:nvSpPr>
-        <dsp:cNvPr id="0" name=""/>
-        <dsp:cNvSpPr/>
-      </dsp:nvSpPr>
-      <dsp:spPr>
-        <a:xfrm>
-          <a:off x="0" y="689"/>
-          <a:ext cx="6797675" cy="0"/>
-        </a:xfrm>
-        <a:prstGeom prst="line">
-          <a:avLst/>
-        </a:prstGeom>
-        <a:solidFill>
-          <a:schemeClr val="accent2">
-            <a:hueOff val="0"/>
-            <a:satOff val="0"/>
-            <a:lumOff val="0"/>
-            <a:alphaOff val="0"/>
-          </a:schemeClr>
-        </a:solidFill>
-        <a:ln w="15875" cap="flat" cmpd="sng" algn="ctr">
-          <a:solidFill>
-            <a:schemeClr val="accent2">
-              <a:hueOff val="0"/>
-              <a:satOff val="0"/>
-              <a:lumOff val="0"/>
-              <a:alphaOff val="0"/>
-            </a:schemeClr>
-          </a:solidFill>
-          <a:prstDash val="solid"/>
-        </a:ln>
-        <a:effectLst/>
-      </dsp:spPr>
-      <dsp:style>
-        <a:lnRef idx="2">
-          <a:scrgbClr r="0" g="0" b="0"/>
-        </a:lnRef>
-        <a:fillRef idx="1">
-          <a:scrgbClr r="0" g="0" b="0"/>
-        </a:fillRef>
-        <a:effectRef idx="0">
-          <a:scrgbClr r="0" g="0" b="0"/>
-        </a:effectRef>
-        <a:fontRef idx="minor">
-          <a:schemeClr val="lt1"/>
-        </a:fontRef>
-      </dsp:style>
-    </dsp:sp>
-    <dsp:sp modelId="{BCA620AE-A087-4101-8CEC-A2374ED89313}">
-      <dsp:nvSpPr>
-        <dsp:cNvPr id="0" name=""/>
-        <dsp:cNvSpPr/>
-      </dsp:nvSpPr>
-      <dsp:spPr>
-        <a:xfrm>
-          <a:off x="0" y="689"/>
-          <a:ext cx="6797675" cy="1129706"/>
-        </a:xfrm>
-        <a:prstGeom prst="rect">
-          <a:avLst/>
-        </a:prstGeom>
-        <a:noFill/>
-        <a:ln>
-          <a:noFill/>
-        </a:ln>
-        <a:effectLst/>
-      </dsp:spPr>
-      <dsp:style>
-        <a:lnRef idx="0">
-          <a:scrgbClr r="0" g="0" b="0"/>
-        </a:lnRef>
-        <a:fillRef idx="0">
-          <a:scrgbClr r="0" g="0" b="0"/>
-        </a:fillRef>
-        <a:effectRef idx="0">
-          <a:scrgbClr r="0" g="0" b="0"/>
-        </a:effectRef>
-        <a:fontRef idx="minor"/>
-      </dsp:style>
-      <dsp:txBody>
-        <a:bodyPr spcFirstLastPara="0" vert="horz" wrap="square" lIns="80010" tIns="80010" rIns="80010" bIns="80010" numCol="1" spcCol="1270" anchor="t" anchorCtr="0">
-          <a:noAutofit/>
-        </a:bodyPr>
-        <a:lstStyle/>
-        <a:p>
-          <a:pPr marL="0" lvl="0" indent="0" algn="l" defTabSz="933450">
-            <a:lnSpc>
-              <a:spcPct val="90000"/>
-            </a:lnSpc>
-            <a:spcBef>
-              <a:spcPct val="0"/>
-            </a:spcBef>
-            <a:spcAft>
-              <a:spcPct val="35000"/>
-            </a:spcAft>
-            <a:buNone/>
-          </a:pPr>
-          <a:r>
-            <a:rPr lang="en-US" sz="2100" kern="1200"/>
-            <a:t>Nama 		: Unang</a:t>
-          </a:r>
-        </a:p>
-      </dsp:txBody>
-      <dsp:txXfrm>
-        <a:off x="0" y="689"/>
-        <a:ext cx="6797675" cy="1129706"/>
-      </dsp:txXfrm>
-    </dsp:sp>
-    <dsp:sp modelId="{5EC39B50-9052-4D73-BF7D-29D74CF569C0}">
-      <dsp:nvSpPr>
-        <dsp:cNvPr id="0" name=""/>
-        <dsp:cNvSpPr/>
-      </dsp:nvSpPr>
-      <dsp:spPr>
-        <a:xfrm>
-          <a:off x="0" y="1130396"/>
-          <a:ext cx="6797675" cy="0"/>
-        </a:xfrm>
-        <a:prstGeom prst="line">
-          <a:avLst/>
-        </a:prstGeom>
-        <a:solidFill>
-          <a:schemeClr val="accent3">
-            <a:hueOff val="0"/>
-            <a:satOff val="0"/>
-            <a:lumOff val="0"/>
-            <a:alphaOff val="0"/>
-          </a:schemeClr>
-        </a:solidFill>
-        <a:ln w="15875" cap="flat" cmpd="sng" algn="ctr">
-          <a:solidFill>
-            <a:schemeClr val="accent3">
-              <a:hueOff val="0"/>
-              <a:satOff val="0"/>
-              <a:lumOff val="0"/>
-              <a:alphaOff val="0"/>
-            </a:schemeClr>
-          </a:solidFill>
-          <a:prstDash val="solid"/>
-        </a:ln>
-        <a:effectLst/>
-      </dsp:spPr>
-      <dsp:style>
-        <a:lnRef idx="2">
-          <a:scrgbClr r="0" g="0" b="0"/>
-        </a:lnRef>
-        <a:fillRef idx="1">
-          <a:scrgbClr r="0" g="0" b="0"/>
-        </a:fillRef>
-        <a:effectRef idx="0">
-          <a:scrgbClr r="0" g="0" b="0"/>
-        </a:effectRef>
-        <a:fontRef idx="minor">
-          <a:schemeClr val="lt1"/>
-        </a:fontRef>
-      </dsp:style>
-    </dsp:sp>
-    <dsp:sp modelId="{198D46CC-58F7-4701-A307-01C2E964CA6B}">
-      <dsp:nvSpPr>
-        <dsp:cNvPr id="0" name=""/>
-        <dsp:cNvSpPr/>
-      </dsp:nvSpPr>
-      <dsp:spPr>
-        <a:xfrm>
-          <a:off x="0" y="1130396"/>
-          <a:ext cx="6797675" cy="1129706"/>
-        </a:xfrm>
-        <a:prstGeom prst="rect">
-          <a:avLst/>
-        </a:prstGeom>
-        <a:noFill/>
-        <a:ln>
-          <a:noFill/>
-        </a:ln>
-        <a:effectLst/>
-      </dsp:spPr>
-      <dsp:style>
-        <a:lnRef idx="0">
-          <a:scrgbClr r="0" g="0" b="0"/>
-        </a:lnRef>
-        <a:fillRef idx="0">
-          <a:scrgbClr r="0" g="0" b="0"/>
-        </a:fillRef>
-        <a:effectRef idx="0">
-          <a:scrgbClr r="0" g="0" b="0"/>
-        </a:effectRef>
-        <a:fontRef idx="minor"/>
-      </dsp:style>
-      <dsp:txBody>
-        <a:bodyPr spcFirstLastPara="0" vert="horz" wrap="square" lIns="80010" tIns="80010" rIns="80010" bIns="80010" numCol="1" spcCol="1270" anchor="t" anchorCtr="0">
-          <a:noAutofit/>
-        </a:bodyPr>
-        <a:lstStyle/>
-        <a:p>
-          <a:pPr marL="0" lvl="0" indent="0" algn="l" defTabSz="933450">
-            <a:lnSpc>
-              <a:spcPct val="90000"/>
-            </a:lnSpc>
-            <a:spcBef>
-              <a:spcPct val="0"/>
-            </a:spcBef>
-            <a:spcAft>
-              <a:spcPct val="35000"/>
-            </a:spcAft>
-            <a:buNone/>
-          </a:pPr>
-          <a:r>
-            <a:rPr lang="en-US" sz="2100" kern="1200" dirty="0"/>
-            <a:t>Kantor		: BPKP Pusat</a:t>
-          </a:r>
-        </a:p>
-      </dsp:txBody>
-      <dsp:txXfrm>
-        <a:off x="0" y="1130396"/>
-        <a:ext cx="6797675" cy="1129706"/>
-      </dsp:txXfrm>
-    </dsp:sp>
-    <dsp:sp modelId="{2FA1291D-2E2C-4EFC-A90F-D18CB81F0119}">
-      <dsp:nvSpPr>
-        <dsp:cNvPr id="0" name=""/>
-        <dsp:cNvSpPr/>
-      </dsp:nvSpPr>
-      <dsp:spPr>
-        <a:xfrm>
-          <a:off x="0" y="2260102"/>
-          <a:ext cx="6797675" cy="0"/>
-        </a:xfrm>
-        <a:prstGeom prst="line">
-          <a:avLst/>
-        </a:prstGeom>
-        <a:solidFill>
-          <a:schemeClr val="accent4">
-            <a:hueOff val="0"/>
-            <a:satOff val="0"/>
-            <a:lumOff val="0"/>
-            <a:alphaOff val="0"/>
-          </a:schemeClr>
-        </a:solidFill>
-        <a:ln w="15875" cap="flat" cmpd="sng" algn="ctr">
-          <a:solidFill>
-            <a:schemeClr val="accent4">
-              <a:hueOff val="0"/>
-              <a:satOff val="0"/>
-              <a:lumOff val="0"/>
-              <a:alphaOff val="0"/>
-            </a:schemeClr>
-          </a:solidFill>
-          <a:prstDash val="solid"/>
-        </a:ln>
-        <a:effectLst/>
-      </dsp:spPr>
-      <dsp:style>
-        <a:lnRef idx="2">
-          <a:scrgbClr r="0" g="0" b="0"/>
-        </a:lnRef>
-        <a:fillRef idx="1">
-          <a:scrgbClr r="0" g="0" b="0"/>
-        </a:fillRef>
-        <a:effectRef idx="0">
-          <a:scrgbClr r="0" g="0" b="0"/>
-        </a:effectRef>
-        <a:fontRef idx="minor">
-          <a:schemeClr val="lt1"/>
-        </a:fontRef>
-      </dsp:style>
-    </dsp:sp>
-    <dsp:sp modelId="{21F6ECBB-985D-4920-8F96-B522CDCB840A}">
-      <dsp:nvSpPr>
-        <dsp:cNvPr id="0" name=""/>
-        <dsp:cNvSpPr/>
-      </dsp:nvSpPr>
-      <dsp:spPr>
-        <a:xfrm>
-          <a:off x="0" y="2260102"/>
-          <a:ext cx="6797675" cy="1129706"/>
-        </a:xfrm>
-        <a:prstGeom prst="rect">
-          <a:avLst/>
-        </a:prstGeom>
-        <a:noFill/>
-        <a:ln>
-          <a:noFill/>
-        </a:ln>
-        <a:effectLst/>
-      </dsp:spPr>
-      <dsp:style>
-        <a:lnRef idx="0">
-          <a:scrgbClr r="0" g="0" b="0"/>
-        </a:lnRef>
-        <a:fillRef idx="0">
-          <a:scrgbClr r="0" g="0" b="0"/>
-        </a:fillRef>
-        <a:effectRef idx="0">
-          <a:scrgbClr r="0" g="0" b="0"/>
-        </a:effectRef>
-        <a:fontRef idx="minor"/>
-      </dsp:style>
-      <dsp:txBody>
-        <a:bodyPr spcFirstLastPara="0" vert="horz" wrap="square" lIns="80010" tIns="80010" rIns="80010" bIns="80010" numCol="1" spcCol="1270" anchor="t" anchorCtr="0">
-          <a:noAutofit/>
-        </a:bodyPr>
-        <a:lstStyle/>
-        <a:p>
-          <a:pPr marL="0" lvl="0" indent="0" algn="l" defTabSz="933450">
-            <a:lnSpc>
-              <a:spcPct val="90000"/>
-            </a:lnSpc>
-            <a:spcBef>
-              <a:spcPct val="0"/>
-            </a:spcBef>
-            <a:spcAft>
-              <a:spcPct val="35000"/>
-            </a:spcAft>
-            <a:buNone/>
-          </a:pPr>
-          <a:r>
-            <a:rPr lang="en-US" sz="2100" kern="1200" dirty="0" err="1"/>
-            <a:t>Direktorat</a:t>
-          </a:r>
-          <a:r>
-            <a:rPr lang="en-US" sz="2100" kern="1200" dirty="0"/>
-            <a:t>	: </a:t>
-          </a:r>
-          <a:r>
-            <a:rPr lang="en-US" sz="2100" kern="1200" dirty="0" err="1"/>
-            <a:t>Direktorat</a:t>
-          </a:r>
-          <a:r>
-            <a:rPr lang="en-US" sz="2100" kern="1200" dirty="0"/>
-            <a:t> </a:t>
-          </a:r>
-          <a:r>
-            <a:rPr lang="en-US" sz="2100" kern="1200" dirty="0" err="1"/>
-            <a:t>Desa</a:t>
-          </a:r>
-          <a:endParaRPr lang="en-US" sz="2100" kern="1200" dirty="0"/>
-        </a:p>
-      </dsp:txBody>
-      <dsp:txXfrm>
-        <a:off x="0" y="2260102"/>
-        <a:ext cx="6797675" cy="1129706"/>
-      </dsp:txXfrm>
-    </dsp:sp>
-    <dsp:sp modelId="{E635083D-666B-4709-A6AB-BE861D8936D0}">
-      <dsp:nvSpPr>
-        <dsp:cNvPr id="0" name=""/>
-        <dsp:cNvSpPr/>
-      </dsp:nvSpPr>
-      <dsp:spPr>
-        <a:xfrm>
-          <a:off x="0" y="3389809"/>
-          <a:ext cx="6797675" cy="0"/>
-        </a:xfrm>
-        <a:prstGeom prst="line">
-          <a:avLst/>
-        </a:prstGeom>
-        <a:solidFill>
-          <a:schemeClr val="accent5">
-            <a:hueOff val="0"/>
-            <a:satOff val="0"/>
-            <a:lumOff val="0"/>
-            <a:alphaOff val="0"/>
-          </a:schemeClr>
-        </a:solidFill>
-        <a:ln w="15875" cap="flat" cmpd="sng" algn="ctr">
-          <a:solidFill>
-            <a:schemeClr val="accent5">
-              <a:hueOff val="0"/>
-              <a:satOff val="0"/>
-              <a:lumOff val="0"/>
-              <a:alphaOff val="0"/>
-            </a:schemeClr>
-          </a:solidFill>
-          <a:prstDash val="solid"/>
-        </a:ln>
-        <a:effectLst/>
-      </dsp:spPr>
-      <dsp:style>
-        <a:lnRef idx="2">
-          <a:scrgbClr r="0" g="0" b="0"/>
-        </a:lnRef>
-        <a:fillRef idx="1">
-          <a:scrgbClr r="0" g="0" b="0"/>
-        </a:fillRef>
-        <a:effectRef idx="0">
-          <a:scrgbClr r="0" g="0" b="0"/>
-        </a:effectRef>
-        <a:fontRef idx="minor">
-          <a:schemeClr val="lt1"/>
-        </a:fontRef>
-      </dsp:style>
-    </dsp:sp>
-    <dsp:sp modelId="{89E281B4-AD9B-4998-A367-5FAB30DE6CBE}">
-      <dsp:nvSpPr>
-        <dsp:cNvPr id="0" name=""/>
-        <dsp:cNvSpPr/>
-      </dsp:nvSpPr>
-      <dsp:spPr>
-        <a:xfrm>
-          <a:off x="0" y="3389809"/>
-          <a:ext cx="6797675" cy="1129706"/>
-        </a:xfrm>
-        <a:prstGeom prst="rect">
-          <a:avLst/>
-        </a:prstGeom>
-        <a:noFill/>
-        <a:ln>
-          <a:noFill/>
-        </a:ln>
-        <a:effectLst/>
-      </dsp:spPr>
-      <dsp:style>
-        <a:lnRef idx="0">
-          <a:scrgbClr r="0" g="0" b="0"/>
-        </a:lnRef>
-        <a:fillRef idx="0">
-          <a:scrgbClr r="0" g="0" b="0"/>
-        </a:fillRef>
-        <a:effectRef idx="0">
-          <a:scrgbClr r="0" g="0" b="0"/>
-        </a:effectRef>
-        <a:fontRef idx="minor"/>
-      </dsp:style>
-      <dsp:txBody>
-        <a:bodyPr spcFirstLastPara="0" vert="horz" wrap="square" lIns="80010" tIns="80010" rIns="80010" bIns="80010" numCol="1" spcCol="1270" anchor="t" anchorCtr="0">
-          <a:noAutofit/>
-        </a:bodyPr>
-        <a:lstStyle/>
-        <a:p>
-          <a:pPr marL="0" lvl="0" indent="0" algn="l" defTabSz="933450">
-            <a:lnSpc>
-              <a:spcPct val="90000"/>
-            </a:lnSpc>
-            <a:spcBef>
-              <a:spcPct val="0"/>
-            </a:spcBef>
-            <a:spcAft>
-              <a:spcPct val="35000"/>
-            </a:spcAft>
-            <a:buNone/>
-          </a:pPr>
-          <a:r>
-            <a:rPr lang="en-US" sz="2100" kern="1200" dirty="0" err="1"/>
-            <a:t>Rumah</a:t>
-          </a:r>
-          <a:r>
-            <a:rPr lang="en-US" sz="2100" kern="1200" dirty="0"/>
-            <a:t>		: </a:t>
-          </a:r>
-          <a:r>
-            <a:rPr lang="en-US" sz="2100" kern="1200" dirty="0" err="1"/>
-            <a:t>Perum</a:t>
-          </a:r>
-          <a:r>
-            <a:rPr lang="en-US" sz="2100" kern="1200" dirty="0"/>
-            <a:t> </a:t>
-          </a:r>
-          <a:r>
-            <a:rPr lang="en-US" sz="2100" kern="1200" dirty="0" err="1"/>
-            <a:t>Pesona</a:t>
-          </a:r>
-          <a:r>
-            <a:rPr lang="en-US" sz="2100" kern="1200" dirty="0"/>
-            <a:t> </a:t>
-          </a:r>
-          <a:r>
-            <a:rPr lang="en-US" sz="2100" kern="1200" dirty="0" err="1"/>
-            <a:t>Rawa</a:t>
-          </a:r>
-          <a:r>
-            <a:rPr lang="en-US" sz="2100" kern="1200" dirty="0"/>
-            <a:t> </a:t>
-          </a:r>
-          <a:r>
-            <a:rPr lang="en-US" sz="2100" kern="1200" dirty="0" err="1"/>
-            <a:t>Denok</a:t>
-          </a:r>
-          <a:r>
-            <a:rPr lang="en-US" sz="2100" kern="1200" dirty="0"/>
-            <a:t> Blok c No 		5 , </a:t>
-          </a:r>
-          <a:r>
-            <a:rPr lang="en-US" sz="2100" kern="1200" dirty="0" err="1"/>
-            <a:t>Pancoran</a:t>
-          </a:r>
-          <a:r>
-            <a:rPr lang="en-US" sz="2100" kern="1200" dirty="0"/>
-            <a:t> Mas Depok</a:t>
-          </a:r>
-        </a:p>
-      </dsp:txBody>
-      <dsp:txXfrm>
-        <a:off x="0" y="3389809"/>
-        <a:ext cx="6797675" cy="1129706"/>
-      </dsp:txXfrm>
-    </dsp:sp>
-    <dsp:sp modelId="{1D787AB0-9F94-4B70-92B3-EF4F31C95378}">
-      <dsp:nvSpPr>
-        <dsp:cNvPr id="0" name=""/>
-        <dsp:cNvSpPr/>
-      </dsp:nvSpPr>
-      <dsp:spPr>
-        <a:xfrm>
-          <a:off x="0" y="4519515"/>
-          <a:ext cx="6797675" cy="0"/>
-        </a:xfrm>
-        <a:prstGeom prst="line">
-          <a:avLst/>
-        </a:prstGeom>
-        <a:solidFill>
-          <a:schemeClr val="accent6">
-            <a:hueOff val="0"/>
-            <a:satOff val="0"/>
-            <a:lumOff val="0"/>
-            <a:alphaOff val="0"/>
-          </a:schemeClr>
-        </a:solidFill>
-        <a:ln w="15875" cap="flat" cmpd="sng" algn="ctr">
-          <a:solidFill>
-            <a:schemeClr val="accent6">
-              <a:hueOff val="0"/>
-              <a:satOff val="0"/>
-              <a:lumOff val="0"/>
-              <a:alphaOff val="0"/>
-            </a:schemeClr>
-          </a:solidFill>
-          <a:prstDash val="solid"/>
-        </a:ln>
-        <a:effectLst/>
-      </dsp:spPr>
-      <dsp:style>
-        <a:lnRef idx="2">
-          <a:scrgbClr r="0" g="0" b="0"/>
-        </a:lnRef>
-        <a:fillRef idx="1">
-          <a:scrgbClr r="0" g="0" b="0"/>
-        </a:fillRef>
-        <a:effectRef idx="0">
-          <a:scrgbClr r="0" g="0" b="0"/>
-        </a:effectRef>
-        <a:fontRef idx="minor">
-          <a:schemeClr val="lt1"/>
-        </a:fontRef>
-      </dsp:style>
-    </dsp:sp>
-    <dsp:sp modelId="{F9594257-8F70-401A-B9E2-306631A11239}">
-      <dsp:nvSpPr>
-        <dsp:cNvPr id="0" name=""/>
-        <dsp:cNvSpPr/>
-      </dsp:nvSpPr>
-      <dsp:spPr>
-        <a:xfrm>
-          <a:off x="0" y="4519515"/>
-          <a:ext cx="6797675" cy="1129706"/>
-        </a:xfrm>
-        <a:prstGeom prst="rect">
-          <a:avLst/>
-        </a:prstGeom>
-        <a:noFill/>
-        <a:ln>
-          <a:noFill/>
-        </a:ln>
-        <a:effectLst/>
-      </dsp:spPr>
-      <dsp:style>
-        <a:lnRef idx="0">
-          <a:scrgbClr r="0" g="0" b="0"/>
-        </a:lnRef>
-        <a:fillRef idx="0">
-          <a:scrgbClr r="0" g="0" b="0"/>
-        </a:fillRef>
-        <a:effectRef idx="0">
-          <a:scrgbClr r="0" g="0" b="0"/>
-        </a:effectRef>
-        <a:fontRef idx="minor"/>
-      </dsp:style>
-      <dsp:txBody>
-        <a:bodyPr spcFirstLastPara="0" vert="horz" wrap="square" lIns="80010" tIns="80010" rIns="80010" bIns="80010" numCol="1" spcCol="1270" anchor="t" anchorCtr="0">
-          <a:noAutofit/>
-        </a:bodyPr>
-        <a:lstStyle/>
-        <a:p>
-          <a:pPr marL="0" lvl="0" indent="0" algn="l" defTabSz="933450">
-            <a:lnSpc>
-              <a:spcPct val="90000"/>
-            </a:lnSpc>
-            <a:spcBef>
-              <a:spcPct val="0"/>
-            </a:spcBef>
-            <a:spcAft>
-              <a:spcPct val="35000"/>
-            </a:spcAft>
-            <a:buNone/>
-          </a:pPr>
-          <a:r>
-            <a:rPr lang="en-US" sz="2100" kern="1200" dirty="0"/>
-            <a:t>Pendidikan	: D3 </a:t>
-          </a:r>
-          <a:r>
-            <a:rPr lang="en-US" sz="2100" kern="1200" dirty="0" err="1"/>
-            <a:t>Akuntansi</a:t>
-          </a:r>
-          <a:r>
-            <a:rPr lang="en-US" sz="2100" kern="1200" dirty="0"/>
-            <a:t> Stan</a:t>
-          </a:r>
-        </a:p>
-        <a:p>
-          <a:pPr marL="0" lvl="0" indent="0" algn="l" defTabSz="933450">
-            <a:lnSpc>
-              <a:spcPct val="90000"/>
-            </a:lnSpc>
-            <a:spcBef>
-              <a:spcPct val="0"/>
-            </a:spcBef>
-            <a:spcAft>
-              <a:spcPct val="35000"/>
-            </a:spcAft>
-            <a:buNone/>
-          </a:pPr>
-          <a:r>
-            <a:rPr lang="en-US" sz="2100" kern="1200" dirty="0"/>
-            <a:t>		  S1 </a:t>
-          </a:r>
-          <a:r>
-            <a:rPr lang="en-US" sz="2100" kern="1200" dirty="0" err="1"/>
-            <a:t>Manajamen</a:t>
-          </a:r>
-          <a:r>
-            <a:rPr lang="en-US" sz="2100" kern="1200" dirty="0"/>
-            <a:t> </a:t>
-          </a:r>
-          <a:r>
-            <a:rPr lang="en-US" sz="2100" kern="1200" dirty="0" err="1"/>
-            <a:t>Pertiba</a:t>
-          </a:r>
-          <a:r>
-            <a:rPr lang="en-US" sz="2100" kern="1200" dirty="0"/>
-            <a:t> </a:t>
-          </a:r>
-          <a:r>
-            <a:rPr lang="en-US" sz="2100" kern="1200" dirty="0" err="1"/>
-            <a:t>Pangkalpinang</a:t>
-          </a:r>
-          <a:endParaRPr lang="en-US" sz="2100" kern="1200" dirty="0"/>
-        </a:p>
-      </dsp:txBody>
-      <dsp:txXfrm>
-        <a:off x="0" y="4519515"/>
-        <a:ext cx="6797675" cy="1129706"/>
-      </dsp:txXfrm>
-    </dsp:sp>
-  </dsp:spTree>
-</dsp:drawing>
-</file>
-
-<file path=ppt/diagrams/drawing2.xml><?xml version="1.0" encoding="utf-8"?>
 <dsp:drawing xmlns:dgm="http://schemas.openxmlformats.org/drawingml/2006/diagram" xmlns:dsp="http://schemas.microsoft.com/office/drawing/2008/diagram" xmlns:a="http://schemas.openxmlformats.org/drawingml/2006/main">
   <dsp:spTree>
     <dsp:nvGrpSpPr>
@@ -4235,1507 +2226,7 @@
 </dgm:layoutDef>
 </file>
 
-<file path=ppt/diagrams/layout2.xml><?xml version="1.0" encoding="utf-8"?>
-<dgm:layoutDef xmlns:dgm="http://schemas.openxmlformats.org/drawingml/2006/diagram" xmlns:a="http://schemas.openxmlformats.org/drawingml/2006/main" uniqueId="urn:microsoft.com/office/officeart/2008/layout/LinedList">
-  <dgm:title val=""/>
-  <dgm:desc val=""/>
-  <dgm:catLst>
-    <dgm:cat type="hierarchy" pri="8000"/>
-    <dgm:cat type="list" pri="2500"/>
-  </dgm:catLst>
-  <dgm:sampData>
-    <dgm:dataModel>
-      <dgm:ptLst>
-        <dgm:pt modelId="0" type="doc"/>
-        <dgm:pt modelId="1">
-          <dgm:prSet phldr="1"/>
-        </dgm:pt>
-        <dgm:pt modelId="11">
-          <dgm:prSet phldr="1"/>
-        </dgm:pt>
-        <dgm:pt modelId="12">
-          <dgm:prSet phldr="1"/>
-        </dgm:pt>
-        <dgm:pt modelId="13">
-          <dgm:prSet phldr="1"/>
-        </dgm:pt>
-      </dgm:ptLst>
-      <dgm:cxnLst>
-        <dgm:cxn modelId="2" srcId="0" destId="1" srcOrd="0" destOrd="0"/>
-        <dgm:cxn modelId="3" srcId="1" destId="11" srcOrd="0" destOrd="0"/>
-        <dgm:cxn modelId="4" srcId="1" destId="12" srcOrd="1" destOrd="0"/>
-        <dgm:cxn modelId="5" srcId="1" destId="13" srcOrd="2" destOrd="0"/>
-      </dgm:cxnLst>
-      <dgm:bg/>
-      <dgm:whole/>
-    </dgm:dataModel>
-  </dgm:sampData>
-  <dgm:styleData>
-    <dgm:dataModel>
-      <dgm:ptLst>
-        <dgm:pt modelId="0" type="doc"/>
-        <dgm:pt modelId="1">
-          <dgm:prSet phldr="1"/>
-        </dgm:pt>
-        <dgm:pt modelId="11">
-          <dgm:prSet phldr="1"/>
-        </dgm:pt>
-        <dgm:pt modelId="12">
-          <dgm:prSet phldr="1"/>
-        </dgm:pt>
-      </dgm:ptLst>
-      <dgm:cxnLst>
-        <dgm:cxn modelId="2" srcId="0" destId="1" srcOrd="0" destOrd="0"/>
-        <dgm:cxn modelId="3" srcId="1" destId="11" srcOrd="0" destOrd="0"/>
-        <dgm:cxn modelId="4" srcId="1" destId="12" srcOrd="1" destOrd="0"/>
-      </dgm:cxnLst>
-      <dgm:bg/>
-      <dgm:whole/>
-    </dgm:dataModel>
-  </dgm:styleData>
-  <dgm:clrData>
-    <dgm:dataModel>
-      <dgm:ptLst>
-        <dgm:pt modelId="0" type="doc"/>
-        <dgm:pt modelId="1">
-          <dgm:prSet phldr="1"/>
-        </dgm:pt>
-        <dgm:pt modelId="11">
-          <dgm:prSet phldr="1"/>
-        </dgm:pt>
-        <dgm:pt modelId="12">
-          <dgm:prSet phldr="1"/>
-        </dgm:pt>
-      </dgm:ptLst>
-      <dgm:cxnLst>
-        <dgm:cxn modelId="2" srcId="0" destId="1" srcOrd="0" destOrd="0"/>
-        <dgm:cxn modelId="3" srcId="1" destId="11" srcOrd="0" destOrd="0"/>
-        <dgm:cxn modelId="4" srcId="1" destId="12" srcOrd="1" destOrd="0"/>
-      </dgm:cxnLst>
-      <dgm:bg/>
-      <dgm:whole/>
-    </dgm:dataModel>
-  </dgm:clrData>
-  <dgm:layoutNode name="vert0">
-    <dgm:varLst>
-      <dgm:dir/>
-      <dgm:animOne val="branch"/>
-      <dgm:animLvl val="lvl"/>
-    </dgm:varLst>
-    <dgm:choose name="Name0">
-      <dgm:if name="Name1" func="var" arg="dir" op="equ" val="norm">
-        <dgm:alg type="lin">
-          <dgm:param type="linDir" val="fromT"/>
-          <dgm:param type="nodeHorzAlign" val="l"/>
-        </dgm:alg>
-      </dgm:if>
-      <dgm:else name="Name2">
-        <dgm:alg type="lin">
-          <dgm:param type="linDir" val="fromT"/>
-          <dgm:param type="nodeHorzAlign" val="r"/>
-        </dgm:alg>
-      </dgm:else>
-    </dgm:choose>
-    <dgm:shape xmlns:r="http://schemas.openxmlformats.org/officeDocument/2006/relationships" r:blip="">
-      <dgm:adjLst/>
-    </dgm:shape>
-    <dgm:presOf/>
-    <dgm:constrLst>
-      <dgm:constr type="w" for="ch" forName="horz1" refType="w"/>
-      <dgm:constr type="h" for="ch" forName="horz1" refType="h"/>
-      <dgm:constr type="h" for="des" forName="vert1" refType="h"/>
-      <dgm:constr type="h" for="des" forName="tx1" refType="h"/>
-      <dgm:constr type="h" for="des" forName="horz2" refType="h"/>
-      <dgm:constr type="h" for="des" forName="vert2" refType="h"/>
-      <dgm:constr type="h" for="des" forName="horz3" refType="h"/>
-      <dgm:constr type="h" for="des" forName="vert3" refType="h"/>
-      <dgm:constr type="h" for="des" forName="horz4" refType="h"/>
-      <dgm:constr type="h" for="des" ptType="node" refType="h"/>
-      <dgm:constr type="primFontSz" for="des" forName="tx1" op="equ" val="65"/>
-      <dgm:constr type="primFontSz" for="des" forName="tx2" op="equ" val="65"/>
-      <dgm:constr type="primFontSz" for="des" forName="tx3" op="equ" val="65"/>
-      <dgm:constr type="primFontSz" for="des" forName="tx4" op="equ" val="65"/>
-      <dgm:constr type="w" for="des" forName="thickLine" refType="w"/>
-      <dgm:constr type="h" for="des" forName="thickLine"/>
-      <dgm:constr type="h" for="des" forName="thinLine1"/>
-      <dgm:constr type="h" for="des" forName="thinLine2b"/>
-      <dgm:constr type="h" for="des" forName="thinLine3"/>
-      <dgm:constr type="h" for="des" forName="vertSpace2a" refType="h" fact="0.05"/>
-      <dgm:constr type="h" for="des" forName="vertSpace2b" refType="h" refFor="des" refForName="vertSpace2a"/>
-    </dgm:constrLst>
-    <dgm:forEach name="Name3" axis="ch" ptType="node">
-      <dgm:layoutNode name="thickLine" styleLbl="alignNode1">
-        <dgm:alg type="sp"/>
-        <dgm:shape xmlns:r="http://schemas.openxmlformats.org/officeDocument/2006/relationships" type="line" r:blip="">
-          <dgm:adjLst/>
-        </dgm:shape>
-        <dgm:presOf/>
-      </dgm:layoutNode>
-      <dgm:layoutNode name="horz1">
-        <dgm:choose name="Name4">
-          <dgm:if name="Name5" func="var" arg="dir" op="equ" val="norm">
-            <dgm:alg type="lin">
-              <dgm:param type="linDir" val="fromL"/>
-              <dgm:param type="nodeVertAlign" val="t"/>
-            </dgm:alg>
-          </dgm:if>
-          <dgm:else name="Name6">
-            <dgm:alg type="lin">
-              <dgm:param type="linDir" val="fromR"/>
-              <dgm:param type="nodeVertAlign" val="t"/>
-            </dgm:alg>
-          </dgm:else>
-        </dgm:choose>
-        <dgm:shape xmlns:r="http://schemas.openxmlformats.org/officeDocument/2006/relationships" r:blip="">
-          <dgm:adjLst/>
-        </dgm:shape>
-        <dgm:presOf/>
-        <dgm:choose name="Name7">
-          <dgm:if name="Name8" axis="root des" func="maxDepth" op="equ" val="1">
-            <dgm:constrLst>
-              <dgm:constr type="w" for="ch" forName="tx1" refType="w"/>
-            </dgm:constrLst>
-          </dgm:if>
-          <dgm:if name="Name9" axis="root des" func="maxDepth" op="equ" val="2">
-            <dgm:constrLst>
-              <dgm:constr type="w" for="ch" forName="tx1" refType="w" fact="0.2"/>
-              <dgm:constr type="w" for="des" forName="tx2" refType="w" fact="0.785"/>
-              <dgm:constr type="w" for="des" forName="horzSpace2" refType="w" fact="0.015"/>
-              <dgm:constr type="w" for="des" forName="thinLine2b" refType="w" fact="0.8"/>
-            </dgm:constrLst>
-          </dgm:if>
-          <dgm:if name="Name10" axis="root des" func="maxDepth" op="equ" val="3">
-            <dgm:constrLst>
-              <dgm:constr type="w" for="ch" forName="tx1" refType="w" fact="0.2"/>
-              <dgm:constr type="w" for="des" forName="tx2" refType="w" fact="0.385"/>
-              <dgm:constr type="w" for="des" forName="tx3" refType="w" fact="0.385"/>
-              <dgm:constr type="w" for="des" forName="horzSpace2" refType="w" fact="0.015"/>
-              <dgm:constr type="w" for="des" forName="horzSpace3" refType="w" fact="0.015"/>
-              <dgm:constr type="w" for="des" forName="thinLine2b" refType="w" fact="0.8"/>
-              <dgm:constr type="w" for="des" forName="thinLine3" refType="w" fact="0.385"/>
-            </dgm:constrLst>
-          </dgm:if>
-          <dgm:if name="Name11" axis="root des" func="maxDepth" op="gte" val="4">
-            <dgm:constrLst>
-              <dgm:constr type="w" for="ch" forName="tx1" refType="w" fact="0.2"/>
-              <dgm:constr type="w" for="des" forName="tx2" refType="w" fact="0.2516"/>
-              <dgm:constr type="w" for="des" forName="tx3" refType="w" fact="0.2516"/>
-              <dgm:constr type="w" for="des" forName="tx4" refType="w" fact="0.2516"/>
-              <dgm:constr type="w" for="des" forName="horzSpace2" refType="w" fact="0.015"/>
-              <dgm:constr type="w" for="des" forName="horzSpace3" refType="w" fact="0.015"/>
-              <dgm:constr type="w" for="des" forName="horzSpace4" refType="w" fact="0.015"/>
-              <dgm:constr type="w" for="des" forName="thinLine2b" refType="w" fact="0.8"/>
-              <dgm:constr type="w" for="des" forName="thinLine3" refType="w" fact="0.5332"/>
-            </dgm:constrLst>
-          </dgm:if>
-          <dgm:else name="Name12"/>
-        </dgm:choose>
-        <dgm:layoutNode name="tx1" styleLbl="revTx">
-          <dgm:alg type="tx">
-            <dgm:param type="parTxLTRAlign" val="l"/>
-            <dgm:param type="parTxRTLAlign" val="r"/>
-            <dgm:param type="txAnchorVert" val="t"/>
-          </dgm:alg>
-          <dgm:shape xmlns:r="http://schemas.openxmlformats.org/officeDocument/2006/relationships" type="rect" r:blip="">
-            <dgm:adjLst/>
-          </dgm:shape>
-          <dgm:presOf axis="self"/>
-          <dgm:constrLst>
-            <dgm:constr type="tMarg" refType="primFontSz" fact="0.3"/>
-            <dgm:constr type="bMarg" refType="primFontSz" fact="0.3"/>
-            <dgm:constr type="lMarg" refType="primFontSz" fact="0.3"/>
-            <dgm:constr type="rMarg" refType="primFontSz" fact="0.3"/>
-          </dgm:constrLst>
-          <dgm:ruleLst>
-            <dgm:rule type="primFontSz" val="5" fact="NaN" max="NaN"/>
-          </dgm:ruleLst>
-        </dgm:layoutNode>
-        <dgm:layoutNode name="vert1">
-          <dgm:choose name="Name13">
-            <dgm:if name="Name14" func="var" arg="dir" op="equ" val="norm">
-              <dgm:alg type="lin">
-                <dgm:param type="linDir" val="fromT"/>
-                <dgm:param type="nodeHorzAlign" val="l"/>
-              </dgm:alg>
-            </dgm:if>
-            <dgm:else name="Name15">
-              <dgm:alg type="lin">
-                <dgm:param type="linDir" val="fromT"/>
-                <dgm:param type="nodeHorzAlign" val="r"/>
-              </dgm:alg>
-            </dgm:else>
-          </dgm:choose>
-          <dgm:shape xmlns:r="http://schemas.openxmlformats.org/officeDocument/2006/relationships" r:blip="">
-            <dgm:adjLst/>
-          </dgm:shape>
-          <dgm:presOf/>
-          <dgm:forEach name="Name16" axis="ch" ptType="node">
-            <dgm:choose name="Name17">
-              <dgm:if name="Name18" axis="self" ptType="node" func="pos" op="equ" val="1">
-                <dgm:layoutNode name="vertSpace2a">
-                  <dgm:alg type="sp"/>
-                  <dgm:shape xmlns:r="http://schemas.openxmlformats.org/officeDocument/2006/relationships" r:blip="">
-                    <dgm:adjLst/>
-                  </dgm:shape>
-                  <dgm:presOf/>
-                </dgm:layoutNode>
-              </dgm:if>
-              <dgm:else name="Name19"/>
-            </dgm:choose>
-            <dgm:layoutNode name="horz2">
-              <dgm:choose name="Name20">
-                <dgm:if name="Name21" func="var" arg="dir" op="equ" val="norm">
-                  <dgm:alg type="lin">
-                    <dgm:param type="linDir" val="fromL"/>
-                    <dgm:param type="nodeVertAlign" val="t"/>
-                  </dgm:alg>
-                </dgm:if>
-                <dgm:else name="Name22">
-                  <dgm:alg type="lin">
-                    <dgm:param type="linDir" val="fromR"/>
-                    <dgm:param type="nodeVertAlign" val="t"/>
-                  </dgm:alg>
-                </dgm:else>
-              </dgm:choose>
-              <dgm:shape xmlns:r="http://schemas.openxmlformats.org/officeDocument/2006/relationships" r:blip="">
-                <dgm:adjLst/>
-              </dgm:shape>
-              <dgm:presOf/>
-              <dgm:layoutNode name="horzSpace2">
-                <dgm:alg type="sp"/>
-                <dgm:shape xmlns:r="http://schemas.openxmlformats.org/officeDocument/2006/relationships" r:blip="">
-                  <dgm:adjLst/>
-                </dgm:shape>
-                <dgm:presOf/>
-              </dgm:layoutNode>
-              <dgm:layoutNode name="tx2" styleLbl="revTx">
-                <dgm:alg type="tx">
-                  <dgm:param type="parTxLTRAlign" val="l"/>
-                  <dgm:param type="parTxRTLAlign" val="r"/>
-                  <dgm:param type="txAnchorVert" val="t"/>
-                </dgm:alg>
-                <dgm:shape xmlns:r="http://schemas.openxmlformats.org/officeDocument/2006/relationships" type="rect" r:blip="">
-                  <dgm:adjLst/>
-                </dgm:shape>
-                <dgm:presOf axis="self"/>
-                <dgm:constrLst>
-                  <dgm:constr type="tMarg" refType="primFontSz" fact="0.3"/>
-                  <dgm:constr type="bMarg" refType="primFontSz" fact="0.3"/>
-                  <dgm:constr type="lMarg" refType="primFontSz" fact="0.3"/>
-                  <dgm:constr type="rMarg" refType="primFontSz" fact="0.3"/>
-                </dgm:constrLst>
-                <dgm:ruleLst>
-                  <dgm:rule type="primFontSz" val="5" fact="NaN" max="NaN"/>
-                </dgm:ruleLst>
-              </dgm:layoutNode>
-              <dgm:layoutNode name="vert2">
-                <dgm:choose name="Name23">
-                  <dgm:if name="Name24" func="var" arg="dir" op="equ" val="norm">
-                    <dgm:alg type="lin">
-                      <dgm:param type="linDir" val="fromT"/>
-                      <dgm:param type="nodeHorzAlign" val="l"/>
-                    </dgm:alg>
-                  </dgm:if>
-                  <dgm:else name="Name25">
-                    <dgm:alg type="lin">
-                      <dgm:param type="linDir" val="fromT"/>
-                      <dgm:param type="nodeHorzAlign" val="r"/>
-                    </dgm:alg>
-                  </dgm:else>
-                </dgm:choose>
-                <dgm:shape xmlns:r="http://schemas.openxmlformats.org/officeDocument/2006/relationships" r:blip="">
-                  <dgm:adjLst/>
-                </dgm:shape>
-                <dgm:presOf/>
-                <dgm:forEach name="Name26" axis="ch" ptType="node">
-                  <dgm:layoutNode name="horz3">
-                    <dgm:choose name="Name27">
-                      <dgm:if name="Name28" func="var" arg="dir" op="equ" val="norm">
-                        <dgm:alg type="lin">
-                          <dgm:param type="linDir" val="fromL"/>
-                          <dgm:param type="nodeVertAlign" val="t"/>
-                        </dgm:alg>
-                      </dgm:if>
-                      <dgm:else name="Name29">
-                        <dgm:alg type="lin">
-                          <dgm:param type="linDir" val="fromR"/>
-                          <dgm:param type="nodeVertAlign" val="t"/>
-                        </dgm:alg>
-                      </dgm:else>
-                    </dgm:choose>
-                    <dgm:shape xmlns:r="http://schemas.openxmlformats.org/officeDocument/2006/relationships" r:blip="">
-                      <dgm:adjLst/>
-                    </dgm:shape>
-                    <dgm:presOf/>
-                    <dgm:layoutNode name="horzSpace3">
-                      <dgm:alg type="sp"/>
-                      <dgm:shape xmlns:r="http://schemas.openxmlformats.org/officeDocument/2006/relationships" r:blip="">
-                        <dgm:adjLst/>
-                      </dgm:shape>
-                      <dgm:presOf/>
-                    </dgm:layoutNode>
-                    <dgm:layoutNode name="tx3" styleLbl="revTx">
-                      <dgm:alg type="tx">
-                        <dgm:param type="parTxLTRAlign" val="l"/>
-                        <dgm:param type="parTxRTLAlign" val="r"/>
-                        <dgm:param type="txAnchorVert" val="t"/>
-                      </dgm:alg>
-                      <dgm:shape xmlns:r="http://schemas.openxmlformats.org/officeDocument/2006/relationships" type="rect" r:blip="">
-                        <dgm:adjLst/>
-                      </dgm:shape>
-                      <dgm:presOf axis="self"/>
-                      <dgm:constrLst>
-                        <dgm:constr type="tMarg" refType="primFontSz" fact="0.3"/>
-                        <dgm:constr type="bMarg" refType="primFontSz" fact="0.3"/>
-                        <dgm:constr type="lMarg" refType="primFontSz" fact="0.3"/>
-                        <dgm:constr type="rMarg" refType="primFontSz" fact="0.3"/>
-                      </dgm:constrLst>
-                      <dgm:ruleLst>
-                        <dgm:rule type="primFontSz" val="5" fact="NaN" max="NaN"/>
-                      </dgm:ruleLst>
-                    </dgm:layoutNode>
-                    <dgm:layoutNode name="vert3">
-                      <dgm:choose name="Name30">
-                        <dgm:if name="Name31" func="var" arg="dir" op="equ" val="norm">
-                          <dgm:alg type="lin">
-                            <dgm:param type="linDir" val="fromT"/>
-                            <dgm:param type="nodeHorzAlign" val="l"/>
-                          </dgm:alg>
-                        </dgm:if>
-                        <dgm:else name="Name32">
-                          <dgm:alg type="lin">
-                            <dgm:param type="linDir" val="fromT"/>
-                            <dgm:param type="nodeHorzAlign" val="r"/>
-                          </dgm:alg>
-                        </dgm:else>
-                      </dgm:choose>
-                      <dgm:shape xmlns:r="http://schemas.openxmlformats.org/officeDocument/2006/relationships" r:blip="">
-                        <dgm:adjLst/>
-                      </dgm:shape>
-                      <dgm:presOf/>
-                      <dgm:forEach name="Name33" axis="ch" ptType="node">
-                        <dgm:layoutNode name="horz4">
-                          <dgm:choose name="Name34">
-                            <dgm:if name="Name35" func="var" arg="dir" op="equ" val="norm">
-                              <dgm:alg type="lin">
-                                <dgm:param type="linDir" val="fromL"/>
-                                <dgm:param type="nodeVertAlign" val="t"/>
-                              </dgm:alg>
-                            </dgm:if>
-                            <dgm:else name="Name36">
-                              <dgm:alg type="lin">
-                                <dgm:param type="linDir" val="fromR"/>
-                                <dgm:param type="nodeVertAlign" val="t"/>
-                              </dgm:alg>
-                            </dgm:else>
-                          </dgm:choose>
-                          <dgm:shape xmlns:r="http://schemas.openxmlformats.org/officeDocument/2006/relationships" r:blip="">
-                            <dgm:adjLst/>
-                          </dgm:shape>
-                          <dgm:presOf/>
-                          <dgm:layoutNode name="horzSpace4">
-                            <dgm:alg type="sp"/>
-                            <dgm:shape xmlns:r="http://schemas.openxmlformats.org/officeDocument/2006/relationships" r:blip="">
-                              <dgm:adjLst/>
-                            </dgm:shape>
-                            <dgm:presOf/>
-                          </dgm:layoutNode>
-                          <dgm:layoutNode name="tx4" styleLbl="revTx">
-                            <dgm:varLst>
-                              <dgm:bulletEnabled val="1"/>
-                            </dgm:varLst>
-                            <dgm:alg type="tx">
-                              <dgm:param type="parTxLTRAlign" val="l"/>
-                              <dgm:param type="parTxRTLAlign" val="r"/>
-                              <dgm:param type="txAnchorVert" val="t"/>
-                            </dgm:alg>
-                            <dgm:shape xmlns:r="http://schemas.openxmlformats.org/officeDocument/2006/relationships" type="rect" r:blip="">
-                              <dgm:adjLst/>
-                            </dgm:shape>
-                            <dgm:presOf axis="desOrSelf" ptType="node"/>
-                            <dgm:constrLst>
-                              <dgm:constr type="tMarg" refType="primFontSz" fact="0.3"/>
-                              <dgm:constr type="bMarg" refType="primFontSz" fact="0.3"/>
-                              <dgm:constr type="lMarg" refType="primFontSz" fact="0.3"/>
-                              <dgm:constr type="rMarg" refType="primFontSz" fact="0.3"/>
-                            </dgm:constrLst>
-                            <dgm:ruleLst>
-                              <dgm:rule type="primFontSz" val="5" fact="NaN" max="NaN"/>
-                            </dgm:ruleLst>
-                          </dgm:layoutNode>
-                        </dgm:layoutNode>
-                      </dgm:forEach>
-                    </dgm:layoutNode>
-                  </dgm:layoutNode>
-                  <dgm:forEach name="Name37" axis="followSib" ptType="sibTrans" cnt="1">
-                    <dgm:layoutNode name="thinLine3" styleLbl="callout">
-                      <dgm:alg type="sp"/>
-                      <dgm:shape xmlns:r="http://schemas.openxmlformats.org/officeDocument/2006/relationships" type="line" r:blip="">
-                        <dgm:adjLst/>
-                      </dgm:shape>
-                      <dgm:presOf/>
-                    </dgm:layoutNode>
-                  </dgm:forEach>
-                </dgm:forEach>
-              </dgm:layoutNode>
-            </dgm:layoutNode>
-            <dgm:layoutNode name="thinLine2b" styleLbl="callout">
-              <dgm:alg type="sp"/>
-              <dgm:shape xmlns:r="http://schemas.openxmlformats.org/officeDocument/2006/relationships" type="line" r:blip="">
-                <dgm:adjLst/>
-              </dgm:shape>
-              <dgm:presOf/>
-            </dgm:layoutNode>
-            <dgm:layoutNode name="vertSpace2b">
-              <dgm:alg type="sp"/>
-              <dgm:shape xmlns:r="http://schemas.openxmlformats.org/officeDocument/2006/relationships" r:blip="">
-                <dgm:adjLst/>
-              </dgm:shape>
-              <dgm:presOf/>
-            </dgm:layoutNode>
-          </dgm:forEach>
-        </dgm:layoutNode>
-      </dgm:layoutNode>
-    </dgm:forEach>
-  </dgm:layoutNode>
-</dgm:layoutDef>
-</file>
-
 <file path=ppt/diagrams/quickStyle1.xml><?xml version="1.0" encoding="utf-8"?>
-<dgm:styleDef xmlns:dgm="http://schemas.openxmlformats.org/drawingml/2006/diagram" xmlns:a="http://schemas.openxmlformats.org/drawingml/2006/main" uniqueId="urn:microsoft.com/office/officeart/2005/8/quickstyle/simple1">
-  <dgm:title val=""/>
-  <dgm:desc val=""/>
-  <dgm:catLst>
-    <dgm:cat type="simple" pri="10100"/>
-  </dgm:catLst>
-  <dgm:scene3d>
-    <a:camera prst="orthographicFront"/>
-    <a:lightRig rig="threePt" dir="t"/>
-  </dgm:scene3d>
-  <dgm:styleLbl name="node0">
-    <dgm:scene3d>
-      <a:camera prst="orthographicFront"/>
-      <a:lightRig rig="threePt" dir="t"/>
-    </dgm:scene3d>
-    <dgm:sp3d/>
-    <dgm:txPr/>
-    <dgm:style>
-      <a:lnRef idx="2">
-        <a:scrgbClr r="0" g="0" b="0"/>
-      </a:lnRef>
-      <a:fillRef idx="1">
-        <a:scrgbClr r="0" g="0" b="0"/>
-      </a:fillRef>
-      <a:effectRef idx="0">
-        <a:scrgbClr r="0" g="0" b="0"/>
-      </a:effectRef>
-      <a:fontRef idx="minor">
-        <a:schemeClr val="lt1"/>
-      </a:fontRef>
-    </dgm:style>
-  </dgm:styleLbl>
-  <dgm:styleLbl name="lnNode1">
-    <dgm:scene3d>
-      <a:camera prst="orthographicFront"/>
-      <a:lightRig rig="threePt" dir="t"/>
-    </dgm:scene3d>
-    <dgm:sp3d/>
-    <dgm:txPr/>
-    <dgm:style>
-      <a:lnRef idx="2">
-        <a:scrgbClr r="0" g="0" b="0"/>
-      </a:lnRef>
-      <a:fillRef idx="1">
-        <a:scrgbClr r="0" g="0" b="0"/>
-      </a:fillRef>
-      <a:effectRef idx="0">
-        <a:scrgbClr r="0" g="0" b="0"/>
-      </a:effectRef>
-      <a:fontRef idx="minor">
-        <a:schemeClr val="lt1"/>
-      </a:fontRef>
-    </dgm:style>
-  </dgm:styleLbl>
-  <dgm:styleLbl name="vennNode1">
-    <dgm:scene3d>
-      <a:camera prst="orthographicFront"/>
-      <a:lightRig rig="threePt" dir="t"/>
-    </dgm:scene3d>
-    <dgm:sp3d/>
-    <dgm:txPr/>
-    <dgm:style>
-      <a:lnRef idx="2">
-        <a:scrgbClr r="0" g="0" b="0"/>
-      </a:lnRef>
-      <a:fillRef idx="1">
-        <a:scrgbClr r="0" g="0" b="0"/>
-      </a:fillRef>
-      <a:effectRef idx="0">
-        <a:scrgbClr r="0" g="0" b="0"/>
-      </a:effectRef>
-      <a:fontRef idx="minor">
-        <a:schemeClr val="tx1"/>
-      </a:fontRef>
-    </dgm:style>
-  </dgm:styleLbl>
-  <dgm:styleLbl name="alignNode1">
-    <dgm:scene3d>
-      <a:camera prst="orthographicFront"/>
-      <a:lightRig rig="threePt" dir="t"/>
-    </dgm:scene3d>
-    <dgm:sp3d/>
-    <dgm:txPr/>
-    <dgm:style>
-      <a:lnRef idx="2">
-        <a:scrgbClr r="0" g="0" b="0"/>
-      </a:lnRef>
-      <a:fillRef idx="1">
-        <a:scrgbClr r="0" g="0" b="0"/>
-      </a:fillRef>
-      <a:effectRef idx="0">
-        <a:scrgbClr r="0" g="0" b="0"/>
-      </a:effectRef>
-      <a:fontRef idx="minor">
-        <a:schemeClr val="lt1"/>
-      </a:fontRef>
-    </dgm:style>
-  </dgm:styleLbl>
-  <dgm:styleLbl name="node1">
-    <dgm:scene3d>
-      <a:camera prst="orthographicFront"/>
-      <a:lightRig rig="threePt" dir="t"/>
-    </dgm:scene3d>
-    <dgm:sp3d/>
-    <dgm:txPr/>
-    <dgm:style>
-      <a:lnRef idx="2">
-        <a:scrgbClr r="0" g="0" b="0"/>
-      </a:lnRef>
-      <a:fillRef idx="1">
-        <a:scrgbClr r="0" g="0" b="0"/>
-      </a:fillRef>
-      <a:effectRef idx="0">
-        <a:scrgbClr r="0" g="0" b="0"/>
-      </a:effectRef>
-      <a:fontRef idx="minor">
-        <a:schemeClr val="lt1"/>
-      </a:fontRef>
-    </dgm:style>
-  </dgm:styleLbl>
-  <dgm:styleLbl name="node2">
-    <dgm:scene3d>
-      <a:camera prst="orthographicFront"/>
-      <a:lightRig rig="threePt" dir="t"/>
-    </dgm:scene3d>
-    <dgm:sp3d/>
-    <dgm:txPr/>
-    <dgm:style>
-      <a:lnRef idx="2">
-        <a:scrgbClr r="0" g="0" b="0"/>
-      </a:lnRef>
-      <a:fillRef idx="1">
-        <a:scrgbClr r="0" g="0" b="0"/>
-      </a:fillRef>
-      <a:effectRef idx="0">
-        <a:scrgbClr r="0" g="0" b="0"/>
-      </a:effectRef>
-      <a:fontRef idx="minor">
-        <a:schemeClr val="lt1"/>
-      </a:fontRef>
-    </dgm:style>
-  </dgm:styleLbl>
-  <dgm:styleLbl name="node3">
-    <dgm:scene3d>
-      <a:camera prst="orthographicFront"/>
-      <a:lightRig rig="threePt" dir="t"/>
-    </dgm:scene3d>
-    <dgm:sp3d/>
-    <dgm:txPr/>
-    <dgm:style>
-      <a:lnRef idx="2">
-        <a:scrgbClr r="0" g="0" b="0"/>
-      </a:lnRef>
-      <a:fillRef idx="1">
-        <a:scrgbClr r="0" g="0" b="0"/>
-      </a:fillRef>
-      <a:effectRef idx="0">
-        <a:scrgbClr r="0" g="0" b="0"/>
-      </a:effectRef>
-      <a:fontRef idx="minor">
-        <a:schemeClr val="lt1"/>
-      </a:fontRef>
-    </dgm:style>
-  </dgm:styleLbl>
-  <dgm:styleLbl name="node4">
-    <dgm:scene3d>
-      <a:camera prst="orthographicFront"/>
-      <a:lightRig rig="threePt" dir="t"/>
-    </dgm:scene3d>
-    <dgm:sp3d/>
-    <dgm:txPr/>
-    <dgm:style>
-      <a:lnRef idx="2">
-        <a:scrgbClr r="0" g="0" b="0"/>
-      </a:lnRef>
-      <a:fillRef idx="1">
-        <a:scrgbClr r="0" g="0" b="0"/>
-      </a:fillRef>
-      <a:effectRef idx="0">
-        <a:scrgbClr r="0" g="0" b="0"/>
-      </a:effectRef>
-      <a:fontRef idx="minor">
-        <a:schemeClr val="lt1"/>
-      </a:fontRef>
-    </dgm:style>
-  </dgm:styleLbl>
-  <dgm:styleLbl name="fgImgPlace1">
-    <dgm:scene3d>
-      <a:camera prst="orthographicFront"/>
-      <a:lightRig rig="threePt" dir="t"/>
-    </dgm:scene3d>
-    <dgm:sp3d/>
-    <dgm:txPr/>
-    <dgm:style>
-      <a:lnRef idx="2">
-        <a:scrgbClr r="0" g="0" b="0"/>
-      </a:lnRef>
-      <a:fillRef idx="1">
-        <a:scrgbClr r="0" g="0" b="0"/>
-      </a:fillRef>
-      <a:effectRef idx="0">
-        <a:scrgbClr r="0" g="0" b="0"/>
-      </a:effectRef>
-      <a:fontRef idx="minor"/>
-    </dgm:style>
-  </dgm:styleLbl>
-  <dgm:styleLbl name="alignImgPlace1">
-    <dgm:scene3d>
-      <a:camera prst="orthographicFront"/>
-      <a:lightRig rig="threePt" dir="t"/>
-    </dgm:scene3d>
-    <dgm:sp3d/>
-    <dgm:txPr/>
-    <dgm:style>
-      <a:lnRef idx="2">
-        <a:scrgbClr r="0" g="0" b="0"/>
-      </a:lnRef>
-      <a:fillRef idx="1">
-        <a:scrgbClr r="0" g="0" b="0"/>
-      </a:fillRef>
-      <a:effectRef idx="0">
-        <a:scrgbClr r="0" g="0" b="0"/>
-      </a:effectRef>
-      <a:fontRef idx="minor"/>
-    </dgm:style>
-  </dgm:styleLbl>
-  <dgm:styleLbl name="bgImgPlace1">
-    <dgm:scene3d>
-      <a:camera prst="orthographicFront"/>
-      <a:lightRig rig="threePt" dir="t"/>
-    </dgm:scene3d>
-    <dgm:sp3d/>
-    <dgm:txPr/>
-    <dgm:style>
-      <a:lnRef idx="2">
-        <a:scrgbClr r="0" g="0" b="0"/>
-      </a:lnRef>
-      <a:fillRef idx="1">
-        <a:scrgbClr r="0" g="0" b="0"/>
-      </a:fillRef>
-      <a:effectRef idx="0">
-        <a:scrgbClr r="0" g="0" b="0"/>
-      </a:effectRef>
-      <a:fontRef idx="minor"/>
-    </dgm:style>
-  </dgm:styleLbl>
-  <dgm:styleLbl name="sibTrans2D1">
-    <dgm:scene3d>
-      <a:camera prst="orthographicFront"/>
-      <a:lightRig rig="threePt" dir="t"/>
-    </dgm:scene3d>
-    <dgm:sp3d/>
-    <dgm:txPr/>
-    <dgm:style>
-      <a:lnRef idx="0">
-        <a:scrgbClr r="0" g="0" b="0"/>
-      </a:lnRef>
-      <a:fillRef idx="1">
-        <a:scrgbClr r="0" g="0" b="0"/>
-      </a:fillRef>
-      <a:effectRef idx="0">
-        <a:scrgbClr r="0" g="0" b="0"/>
-      </a:effectRef>
-      <a:fontRef idx="minor">
-        <a:schemeClr val="lt1"/>
-      </a:fontRef>
-    </dgm:style>
-  </dgm:styleLbl>
-  <dgm:styleLbl name="fgSibTrans2D1">
-    <dgm:scene3d>
-      <a:camera prst="orthographicFront"/>
-      <a:lightRig rig="threePt" dir="t"/>
-    </dgm:scene3d>
-    <dgm:sp3d/>
-    <dgm:txPr/>
-    <dgm:style>
-      <a:lnRef idx="0">
-        <a:scrgbClr r="0" g="0" b="0"/>
-      </a:lnRef>
-      <a:fillRef idx="1">
-        <a:scrgbClr r="0" g="0" b="0"/>
-      </a:fillRef>
-      <a:effectRef idx="0">
-        <a:scrgbClr r="0" g="0" b="0"/>
-      </a:effectRef>
-      <a:fontRef idx="minor">
-        <a:schemeClr val="lt1"/>
-      </a:fontRef>
-    </dgm:style>
-  </dgm:styleLbl>
-  <dgm:styleLbl name="bgSibTrans2D1">
-    <dgm:scene3d>
-      <a:camera prst="orthographicFront"/>
-      <a:lightRig rig="threePt" dir="t"/>
-    </dgm:scene3d>
-    <dgm:sp3d/>
-    <dgm:txPr/>
-    <dgm:style>
-      <a:lnRef idx="0">
-        <a:scrgbClr r="0" g="0" b="0"/>
-      </a:lnRef>
-      <a:fillRef idx="1">
-        <a:scrgbClr r="0" g="0" b="0"/>
-      </a:fillRef>
-      <a:effectRef idx="0">
-        <a:scrgbClr r="0" g="0" b="0"/>
-      </a:effectRef>
-      <a:fontRef idx="minor">
-        <a:schemeClr val="lt1"/>
-      </a:fontRef>
-    </dgm:style>
-  </dgm:styleLbl>
-  <dgm:styleLbl name="sibTrans1D1">
-    <dgm:scene3d>
-      <a:camera prst="orthographicFront"/>
-      <a:lightRig rig="threePt" dir="t"/>
-    </dgm:scene3d>
-    <dgm:sp3d/>
-    <dgm:txPr/>
-    <dgm:style>
-      <a:lnRef idx="1">
-        <a:scrgbClr r="0" g="0" b="0"/>
-      </a:lnRef>
-      <a:fillRef idx="0">
-        <a:scrgbClr r="0" g="0" b="0"/>
-      </a:fillRef>
-      <a:effectRef idx="0">
-        <a:scrgbClr r="0" g="0" b="0"/>
-      </a:effectRef>
-      <a:fontRef idx="minor"/>
-    </dgm:style>
-  </dgm:styleLbl>
-  <dgm:styleLbl name="callout">
-    <dgm:scene3d>
-      <a:camera prst="orthographicFront"/>
-      <a:lightRig rig="threePt" dir="t"/>
-    </dgm:scene3d>
-    <dgm:sp3d/>
-    <dgm:txPr/>
-    <dgm:style>
-      <a:lnRef idx="2">
-        <a:scrgbClr r="0" g="0" b="0"/>
-      </a:lnRef>
-      <a:fillRef idx="1">
-        <a:scrgbClr r="0" g="0" b="0"/>
-      </a:fillRef>
-      <a:effectRef idx="0">
-        <a:scrgbClr r="0" g="0" b="0"/>
-      </a:effectRef>
-      <a:fontRef idx="minor"/>
-    </dgm:style>
-  </dgm:styleLbl>
-  <dgm:styleLbl name="asst0">
-    <dgm:scene3d>
-      <a:camera prst="orthographicFront"/>
-      <a:lightRig rig="threePt" dir="t"/>
-    </dgm:scene3d>
-    <dgm:sp3d/>
-    <dgm:txPr/>
-    <dgm:style>
-      <a:lnRef idx="2">
-        <a:scrgbClr r="0" g="0" b="0"/>
-      </a:lnRef>
-      <a:fillRef idx="1">
-        <a:scrgbClr r="0" g="0" b="0"/>
-      </a:fillRef>
-      <a:effectRef idx="0">
-        <a:scrgbClr r="0" g="0" b="0"/>
-      </a:effectRef>
-      <a:fontRef idx="minor">
-        <a:schemeClr val="lt1"/>
-      </a:fontRef>
-    </dgm:style>
-  </dgm:styleLbl>
-  <dgm:styleLbl name="asst1">
-    <dgm:scene3d>
-      <a:camera prst="orthographicFront"/>
-      <a:lightRig rig="threePt" dir="t"/>
-    </dgm:scene3d>
-    <dgm:sp3d/>
-    <dgm:txPr/>
-    <dgm:style>
-      <a:lnRef idx="2">
-        <a:scrgbClr r="0" g="0" b="0"/>
-      </a:lnRef>
-      <a:fillRef idx="1">
-        <a:scrgbClr r="0" g="0" b="0"/>
-      </a:fillRef>
-      <a:effectRef idx="0">
-        <a:scrgbClr r="0" g="0" b="0"/>
-      </a:effectRef>
-      <a:fontRef idx="minor">
-        <a:schemeClr val="lt1"/>
-      </a:fontRef>
-    </dgm:style>
-  </dgm:styleLbl>
-  <dgm:styleLbl name="asst2">
-    <dgm:scene3d>
-      <a:camera prst="orthographicFront"/>
-      <a:lightRig rig="threePt" dir="t"/>
-    </dgm:scene3d>
-    <dgm:sp3d/>
-    <dgm:txPr/>
-    <dgm:style>
-      <a:lnRef idx="2">
-        <a:scrgbClr r="0" g="0" b="0"/>
-      </a:lnRef>
-      <a:fillRef idx="1">
-        <a:scrgbClr r="0" g="0" b="0"/>
-      </a:fillRef>
-      <a:effectRef idx="0">
-        <a:scrgbClr r="0" g="0" b="0"/>
-      </a:effectRef>
-      <a:fontRef idx="minor">
-        <a:schemeClr val="lt1"/>
-      </a:fontRef>
-    </dgm:style>
-  </dgm:styleLbl>
-  <dgm:styleLbl name="asst3">
-    <dgm:scene3d>
-      <a:camera prst="orthographicFront"/>
-      <a:lightRig rig="threePt" dir="t"/>
-    </dgm:scene3d>
-    <dgm:sp3d/>
-    <dgm:txPr/>
-    <dgm:style>
-      <a:lnRef idx="2">
-        <a:scrgbClr r="0" g="0" b="0"/>
-      </a:lnRef>
-      <a:fillRef idx="1">
-        <a:scrgbClr r="0" g="0" b="0"/>
-      </a:fillRef>
-      <a:effectRef idx="0">
-        <a:scrgbClr r="0" g="0" b="0"/>
-      </a:effectRef>
-      <a:fontRef idx="minor">
-        <a:schemeClr val="lt1"/>
-      </a:fontRef>
-    </dgm:style>
-  </dgm:styleLbl>
-  <dgm:styleLbl name="asst4">
-    <dgm:scene3d>
-      <a:camera prst="orthographicFront"/>
-      <a:lightRig rig="threePt" dir="t"/>
-    </dgm:scene3d>
-    <dgm:sp3d/>
-    <dgm:txPr/>
-    <dgm:style>
-      <a:lnRef idx="2">
-        <a:scrgbClr r="0" g="0" b="0"/>
-      </a:lnRef>
-      <a:fillRef idx="1">
-        <a:scrgbClr r="0" g="0" b="0"/>
-      </a:fillRef>
-      <a:effectRef idx="0">
-        <a:scrgbClr r="0" g="0" b="0"/>
-      </a:effectRef>
-      <a:fontRef idx="minor">
-        <a:schemeClr val="lt1"/>
-      </a:fontRef>
-    </dgm:style>
-  </dgm:styleLbl>
-  <dgm:styleLbl name="parChTrans2D1">
-    <dgm:scene3d>
-      <a:camera prst="orthographicFront"/>
-      <a:lightRig rig="threePt" dir="t"/>
-    </dgm:scene3d>
-    <dgm:sp3d/>
-    <dgm:txPr/>
-    <dgm:style>
-      <a:lnRef idx="2">
-        <a:scrgbClr r="0" g="0" b="0"/>
-      </a:lnRef>
-      <a:fillRef idx="1">
-        <a:scrgbClr r="0" g="0" b="0"/>
-      </a:fillRef>
-      <a:effectRef idx="0">
-        <a:scrgbClr r="0" g="0" b="0"/>
-      </a:effectRef>
-      <a:fontRef idx="minor">
-        <a:schemeClr val="lt1"/>
-      </a:fontRef>
-    </dgm:style>
-  </dgm:styleLbl>
-  <dgm:styleLbl name="parChTrans2D2">
-    <dgm:scene3d>
-      <a:camera prst="orthographicFront"/>
-      <a:lightRig rig="threePt" dir="t"/>
-    </dgm:scene3d>
-    <dgm:sp3d/>
-    <dgm:txPr/>
-    <dgm:style>
-      <a:lnRef idx="2">
-        <a:scrgbClr r="0" g="0" b="0"/>
-      </a:lnRef>
-      <a:fillRef idx="1">
-        <a:scrgbClr r="0" g="0" b="0"/>
-      </a:fillRef>
-      <a:effectRef idx="0">
-        <a:scrgbClr r="0" g="0" b="0"/>
-      </a:effectRef>
-      <a:fontRef idx="minor">
-        <a:schemeClr val="lt1"/>
-      </a:fontRef>
-    </dgm:style>
-  </dgm:styleLbl>
-  <dgm:styleLbl name="parChTrans2D3">
-    <dgm:scene3d>
-      <a:camera prst="orthographicFront"/>
-      <a:lightRig rig="threePt" dir="t"/>
-    </dgm:scene3d>
-    <dgm:sp3d/>
-    <dgm:txPr/>
-    <dgm:style>
-      <a:lnRef idx="2">
-        <a:scrgbClr r="0" g="0" b="0"/>
-      </a:lnRef>
-      <a:fillRef idx="1">
-        <a:scrgbClr r="0" g="0" b="0"/>
-      </a:fillRef>
-      <a:effectRef idx="0">
-        <a:scrgbClr r="0" g="0" b="0"/>
-      </a:effectRef>
-      <a:fontRef idx="minor">
-        <a:schemeClr val="lt1"/>
-      </a:fontRef>
-    </dgm:style>
-  </dgm:styleLbl>
-  <dgm:styleLbl name="parChTrans2D4">
-    <dgm:scene3d>
-      <a:camera prst="orthographicFront"/>
-      <a:lightRig rig="threePt" dir="t"/>
-    </dgm:scene3d>
-    <dgm:sp3d/>
-    <dgm:txPr/>
-    <dgm:style>
-      <a:lnRef idx="2">
-        <a:scrgbClr r="0" g="0" b="0"/>
-      </a:lnRef>
-      <a:fillRef idx="1">
-        <a:scrgbClr r="0" g="0" b="0"/>
-      </a:fillRef>
-      <a:effectRef idx="0">
-        <a:scrgbClr r="0" g="0" b="0"/>
-      </a:effectRef>
-      <a:fontRef idx="minor">
-        <a:schemeClr val="lt1"/>
-      </a:fontRef>
-    </dgm:style>
-  </dgm:styleLbl>
-  <dgm:styleLbl name="parChTrans1D1">
-    <dgm:scene3d>
-      <a:camera prst="orthographicFront"/>
-      <a:lightRig rig="threePt" dir="t"/>
-    </dgm:scene3d>
-    <dgm:sp3d/>
-    <dgm:txPr/>
-    <dgm:style>
-      <a:lnRef idx="2">
-        <a:scrgbClr r="0" g="0" b="0"/>
-      </a:lnRef>
-      <a:fillRef idx="0">
-        <a:scrgbClr r="0" g="0" b="0"/>
-      </a:fillRef>
-      <a:effectRef idx="0">
-        <a:scrgbClr r="0" g="0" b="0"/>
-      </a:effectRef>
-      <a:fontRef idx="minor"/>
-    </dgm:style>
-  </dgm:styleLbl>
-  <dgm:styleLbl name="parChTrans1D2">
-    <dgm:scene3d>
-      <a:camera prst="orthographicFront"/>
-      <a:lightRig rig="threePt" dir="t"/>
-    </dgm:scene3d>
-    <dgm:sp3d/>
-    <dgm:txPr/>
-    <dgm:style>
-      <a:lnRef idx="2">
-        <a:scrgbClr r="0" g="0" b="0"/>
-      </a:lnRef>
-      <a:fillRef idx="0">
-        <a:scrgbClr r="0" g="0" b="0"/>
-      </a:fillRef>
-      <a:effectRef idx="0">
-        <a:scrgbClr r="0" g="0" b="0"/>
-      </a:effectRef>
-      <a:fontRef idx="minor"/>
-    </dgm:style>
-  </dgm:styleLbl>
-  <dgm:styleLbl name="parChTrans1D3">
-    <dgm:scene3d>
-      <a:camera prst="orthographicFront"/>
-      <a:lightRig rig="threePt" dir="t"/>
-    </dgm:scene3d>
-    <dgm:sp3d/>
-    <dgm:txPr/>
-    <dgm:style>
-      <a:lnRef idx="2">
-        <a:scrgbClr r="0" g="0" b="0"/>
-      </a:lnRef>
-      <a:fillRef idx="0">
-        <a:scrgbClr r="0" g="0" b="0"/>
-      </a:fillRef>
-      <a:effectRef idx="0">
-        <a:scrgbClr r="0" g="0" b="0"/>
-      </a:effectRef>
-      <a:fontRef idx="minor"/>
-    </dgm:style>
-  </dgm:styleLbl>
-  <dgm:styleLbl name="parChTrans1D4">
-    <dgm:scene3d>
-      <a:camera prst="orthographicFront"/>
-      <a:lightRig rig="threePt" dir="t"/>
-    </dgm:scene3d>
-    <dgm:sp3d/>
-    <dgm:txPr/>
-    <dgm:style>
-      <a:lnRef idx="2">
-        <a:scrgbClr r="0" g="0" b="0"/>
-      </a:lnRef>
-      <a:fillRef idx="0">
-        <a:scrgbClr r="0" g="0" b="0"/>
-      </a:fillRef>
-      <a:effectRef idx="0">
-        <a:scrgbClr r="0" g="0" b="0"/>
-      </a:effectRef>
-      <a:fontRef idx="minor"/>
-    </dgm:style>
-  </dgm:styleLbl>
-  <dgm:styleLbl name="fgAcc1">
-    <dgm:scene3d>
-      <a:camera prst="orthographicFront"/>
-      <a:lightRig rig="threePt" dir="t"/>
-    </dgm:scene3d>
-    <dgm:sp3d/>
-    <dgm:txPr/>
-    <dgm:style>
-      <a:lnRef idx="2">
-        <a:scrgbClr r="0" g="0" b="0"/>
-      </a:lnRef>
-      <a:fillRef idx="1">
-        <a:scrgbClr r="0" g="0" b="0"/>
-      </a:fillRef>
-      <a:effectRef idx="0">
-        <a:scrgbClr r="0" g="0" b="0"/>
-      </a:effectRef>
-      <a:fontRef idx="minor"/>
-    </dgm:style>
-  </dgm:styleLbl>
-  <dgm:styleLbl name="conFgAcc1">
-    <dgm:scene3d>
-      <a:camera prst="orthographicFront"/>
-      <a:lightRig rig="threePt" dir="t"/>
-    </dgm:scene3d>
-    <dgm:sp3d/>
-    <dgm:txPr/>
-    <dgm:style>
-      <a:lnRef idx="2">
-        <a:scrgbClr r="0" g="0" b="0"/>
-      </a:lnRef>
-      <a:fillRef idx="1">
-        <a:scrgbClr r="0" g="0" b="0"/>
-      </a:fillRef>
-      <a:effectRef idx="0">
-        <a:scrgbClr r="0" g="0" b="0"/>
-      </a:effectRef>
-      <a:fontRef idx="minor"/>
-    </dgm:style>
-  </dgm:styleLbl>
-  <dgm:styleLbl name="alignAcc1">
-    <dgm:scene3d>
-      <a:camera prst="orthographicFront"/>
-      <a:lightRig rig="threePt" dir="t"/>
-    </dgm:scene3d>
-    <dgm:sp3d/>
-    <dgm:txPr/>
-    <dgm:style>
-      <a:lnRef idx="2">
-        <a:scrgbClr r="0" g="0" b="0"/>
-      </a:lnRef>
-      <a:fillRef idx="1">
-        <a:scrgbClr r="0" g="0" b="0"/>
-      </a:fillRef>
-      <a:effectRef idx="0">
-        <a:scrgbClr r="0" g="0" b="0"/>
-      </a:effectRef>
-      <a:fontRef idx="minor"/>
-    </dgm:style>
-  </dgm:styleLbl>
-  <dgm:styleLbl name="trAlignAcc1">
-    <dgm:scene3d>
-      <a:camera prst="orthographicFront"/>
-      <a:lightRig rig="threePt" dir="t"/>
-    </dgm:scene3d>
-    <dgm:sp3d/>
-    <dgm:txPr/>
-    <dgm:style>
-      <a:lnRef idx="1">
-        <a:scrgbClr r="0" g="0" b="0"/>
-      </a:lnRef>
-      <a:fillRef idx="1">
-        <a:scrgbClr r="0" g="0" b="0"/>
-      </a:fillRef>
-      <a:effectRef idx="0">
-        <a:scrgbClr r="0" g="0" b="0"/>
-      </a:effectRef>
-      <a:fontRef idx="minor"/>
-    </dgm:style>
-  </dgm:styleLbl>
-  <dgm:styleLbl name="bgAcc1">
-    <dgm:scene3d>
-      <a:camera prst="orthographicFront"/>
-      <a:lightRig rig="threePt" dir="t"/>
-    </dgm:scene3d>
-    <dgm:sp3d/>
-    <dgm:txPr/>
-    <dgm:style>
-      <a:lnRef idx="2">
-        <a:scrgbClr r="0" g="0" b="0"/>
-      </a:lnRef>
-      <a:fillRef idx="1">
-        <a:scrgbClr r="0" g="0" b="0"/>
-      </a:fillRef>
-      <a:effectRef idx="0">
-        <a:scrgbClr r="0" g="0" b="0"/>
-      </a:effectRef>
-      <a:fontRef idx="minor"/>
-    </dgm:style>
-  </dgm:styleLbl>
-  <dgm:styleLbl name="solidFgAcc1">
-    <dgm:scene3d>
-      <a:camera prst="orthographicFront"/>
-      <a:lightRig rig="threePt" dir="t"/>
-    </dgm:scene3d>
-    <dgm:sp3d/>
-    <dgm:txPr/>
-    <dgm:style>
-      <a:lnRef idx="2">
-        <a:scrgbClr r="0" g="0" b="0"/>
-      </a:lnRef>
-      <a:fillRef idx="1">
-        <a:scrgbClr r="0" g="0" b="0"/>
-      </a:fillRef>
-      <a:effectRef idx="0">
-        <a:scrgbClr r="0" g="0" b="0"/>
-      </a:effectRef>
-      <a:fontRef idx="minor"/>
-    </dgm:style>
-  </dgm:styleLbl>
-  <dgm:styleLbl name="solidAlignAcc1">
-    <dgm:scene3d>
-      <a:camera prst="orthographicFront"/>
-      <a:lightRig rig="threePt" dir="t"/>
-    </dgm:scene3d>
-    <dgm:sp3d/>
-    <dgm:txPr/>
-    <dgm:style>
-      <a:lnRef idx="2">
-        <a:scrgbClr r="0" g="0" b="0"/>
-      </a:lnRef>
-      <a:fillRef idx="1">
-        <a:scrgbClr r="0" g="0" b="0"/>
-      </a:fillRef>
-      <a:effectRef idx="0">
-        <a:scrgbClr r="0" g="0" b="0"/>
-      </a:effectRef>
-      <a:fontRef idx="minor"/>
-    </dgm:style>
-  </dgm:styleLbl>
-  <dgm:styleLbl name="solidBgAcc1">
-    <dgm:scene3d>
-      <a:camera prst="orthographicFront"/>
-      <a:lightRig rig="threePt" dir="t"/>
-    </dgm:scene3d>
-    <dgm:sp3d/>
-    <dgm:txPr/>
-    <dgm:style>
-      <a:lnRef idx="2">
-        <a:scrgbClr r="0" g="0" b="0"/>
-      </a:lnRef>
-      <a:fillRef idx="1">
-        <a:scrgbClr r="0" g="0" b="0"/>
-      </a:fillRef>
-      <a:effectRef idx="0">
-        <a:scrgbClr r="0" g="0" b="0"/>
-      </a:effectRef>
-      <a:fontRef idx="minor"/>
-    </dgm:style>
-  </dgm:styleLbl>
-  <dgm:styleLbl name="fgAccFollowNode1">
-    <dgm:scene3d>
-      <a:camera prst="orthographicFront"/>
-      <a:lightRig rig="threePt" dir="t"/>
-    </dgm:scene3d>
-    <dgm:sp3d/>
-    <dgm:txPr/>
-    <dgm:style>
-      <a:lnRef idx="2">
-        <a:scrgbClr r="0" g="0" b="0"/>
-      </a:lnRef>
-      <a:fillRef idx="1">
-        <a:scrgbClr r="0" g="0" b="0"/>
-      </a:fillRef>
-      <a:effectRef idx="0">
-        <a:scrgbClr r="0" g="0" b="0"/>
-      </a:effectRef>
-      <a:fontRef idx="minor"/>
-    </dgm:style>
-  </dgm:styleLbl>
-  <dgm:styleLbl name="alignAccFollowNode1">
-    <dgm:scene3d>
-      <a:camera prst="orthographicFront"/>
-      <a:lightRig rig="threePt" dir="t"/>
-    </dgm:scene3d>
-    <dgm:sp3d/>
-    <dgm:txPr/>
-    <dgm:style>
-      <a:lnRef idx="2">
-        <a:scrgbClr r="0" g="0" b="0"/>
-      </a:lnRef>
-      <a:fillRef idx="1">
-        <a:scrgbClr r="0" g="0" b="0"/>
-      </a:fillRef>
-      <a:effectRef idx="0">
-        <a:scrgbClr r="0" g="0" b="0"/>
-      </a:effectRef>
-      <a:fontRef idx="minor"/>
-    </dgm:style>
-  </dgm:styleLbl>
-  <dgm:styleLbl name="bgAccFollowNode1">
-    <dgm:scene3d>
-      <a:camera prst="orthographicFront"/>
-      <a:lightRig rig="threePt" dir="t"/>
-    </dgm:scene3d>
-    <dgm:sp3d/>
-    <dgm:txPr/>
-    <dgm:style>
-      <a:lnRef idx="2">
-        <a:scrgbClr r="0" g="0" b="0"/>
-      </a:lnRef>
-      <a:fillRef idx="1">
-        <a:scrgbClr r="0" g="0" b="0"/>
-      </a:fillRef>
-      <a:effectRef idx="0">
-        <a:scrgbClr r="0" g="0" b="0"/>
-      </a:effectRef>
-      <a:fontRef idx="minor"/>
-    </dgm:style>
-  </dgm:styleLbl>
-  <dgm:styleLbl name="fgAcc0">
-    <dgm:scene3d>
-      <a:camera prst="orthographicFront"/>
-      <a:lightRig rig="threePt" dir="t"/>
-    </dgm:scene3d>
-    <dgm:sp3d/>
-    <dgm:txPr/>
-    <dgm:style>
-      <a:lnRef idx="2">
-        <a:scrgbClr r="0" g="0" b="0"/>
-      </a:lnRef>
-      <a:fillRef idx="1">
-        <a:scrgbClr r="0" g="0" b="0"/>
-      </a:fillRef>
-      <a:effectRef idx="0">
-        <a:scrgbClr r="0" g="0" b="0"/>
-      </a:effectRef>
-      <a:fontRef idx="minor"/>
-    </dgm:style>
-  </dgm:styleLbl>
-  <dgm:styleLbl name="fgAcc2">
-    <dgm:scene3d>
-      <a:camera prst="orthographicFront"/>
-      <a:lightRig rig="threePt" dir="t"/>
-    </dgm:scene3d>
-    <dgm:sp3d/>
-    <dgm:txPr/>
-    <dgm:style>
-      <a:lnRef idx="2">
-        <a:scrgbClr r="0" g="0" b="0"/>
-      </a:lnRef>
-      <a:fillRef idx="1">
-        <a:scrgbClr r="0" g="0" b="0"/>
-      </a:fillRef>
-      <a:effectRef idx="0">
-        <a:scrgbClr r="0" g="0" b="0"/>
-      </a:effectRef>
-      <a:fontRef idx="minor"/>
-    </dgm:style>
-  </dgm:styleLbl>
-  <dgm:styleLbl name="fgAcc3">
-    <dgm:scene3d>
-      <a:camera prst="orthographicFront"/>
-      <a:lightRig rig="threePt" dir="t"/>
-    </dgm:scene3d>
-    <dgm:sp3d/>
-    <dgm:txPr/>
-    <dgm:style>
-      <a:lnRef idx="2">
-        <a:scrgbClr r="0" g="0" b="0"/>
-      </a:lnRef>
-      <a:fillRef idx="1">
-        <a:scrgbClr r="0" g="0" b="0"/>
-      </a:fillRef>
-      <a:effectRef idx="0">
-        <a:scrgbClr r="0" g="0" b="0"/>
-      </a:effectRef>
-      <a:fontRef idx="minor"/>
-    </dgm:style>
-  </dgm:styleLbl>
-  <dgm:styleLbl name="fgAcc4">
-    <dgm:scene3d>
-      <a:camera prst="orthographicFront"/>
-      <a:lightRig rig="threePt" dir="t"/>
-    </dgm:scene3d>
-    <dgm:sp3d/>
-    <dgm:txPr/>
-    <dgm:style>
-      <a:lnRef idx="2">
-        <a:scrgbClr r="0" g="0" b="0"/>
-      </a:lnRef>
-      <a:fillRef idx="1">
-        <a:scrgbClr r="0" g="0" b="0"/>
-      </a:fillRef>
-      <a:effectRef idx="0">
-        <a:scrgbClr r="0" g="0" b="0"/>
-      </a:effectRef>
-      <a:fontRef idx="minor"/>
-    </dgm:style>
-  </dgm:styleLbl>
-  <dgm:styleLbl name="bgShp">
-    <dgm:scene3d>
-      <a:camera prst="orthographicFront"/>
-      <a:lightRig rig="threePt" dir="t"/>
-    </dgm:scene3d>
-    <dgm:sp3d/>
-    <dgm:txPr/>
-    <dgm:style>
-      <a:lnRef idx="0">
-        <a:scrgbClr r="0" g="0" b="0"/>
-      </a:lnRef>
-      <a:fillRef idx="1">
-        <a:scrgbClr r="0" g="0" b="0"/>
-      </a:fillRef>
-      <a:effectRef idx="0">
-        <a:scrgbClr r="0" g="0" b="0"/>
-      </a:effectRef>
-      <a:fontRef idx="minor"/>
-    </dgm:style>
-  </dgm:styleLbl>
-  <dgm:styleLbl name="dkBgShp">
-    <dgm:scene3d>
-      <a:camera prst="orthographicFront"/>
-      <a:lightRig rig="threePt" dir="t"/>
-    </dgm:scene3d>
-    <dgm:sp3d/>
-    <dgm:txPr/>
-    <dgm:style>
-      <a:lnRef idx="0">
-        <a:scrgbClr r="0" g="0" b="0"/>
-      </a:lnRef>
-      <a:fillRef idx="1">
-        <a:scrgbClr r="0" g="0" b="0"/>
-      </a:fillRef>
-      <a:effectRef idx="0">
-        <a:scrgbClr r="0" g="0" b="0"/>
-      </a:effectRef>
-      <a:fontRef idx="minor"/>
-    </dgm:style>
-  </dgm:styleLbl>
-  <dgm:styleLbl name="trBgShp">
-    <dgm:scene3d>
-      <a:camera prst="orthographicFront"/>
-      <a:lightRig rig="threePt" dir="t"/>
-    </dgm:scene3d>
-    <dgm:sp3d/>
-    <dgm:txPr/>
-    <dgm:style>
-      <a:lnRef idx="0">
-        <a:scrgbClr r="0" g="0" b="0"/>
-      </a:lnRef>
-      <a:fillRef idx="1">
-        <a:scrgbClr r="0" g="0" b="0"/>
-      </a:fillRef>
-      <a:effectRef idx="0">
-        <a:scrgbClr r="0" g="0" b="0"/>
-      </a:effectRef>
-      <a:fontRef idx="minor"/>
-    </dgm:style>
-  </dgm:styleLbl>
-  <dgm:styleLbl name="fgShp">
-    <dgm:scene3d>
-      <a:camera prst="orthographicFront"/>
-      <a:lightRig rig="threePt" dir="t"/>
-    </dgm:scene3d>
-    <dgm:sp3d/>
-    <dgm:txPr/>
-    <dgm:style>
-      <a:lnRef idx="2">
-        <a:scrgbClr r="0" g="0" b="0"/>
-      </a:lnRef>
-      <a:fillRef idx="1">
-        <a:scrgbClr r="0" g="0" b="0"/>
-      </a:fillRef>
-      <a:effectRef idx="0">
-        <a:scrgbClr r="0" g="0" b="0"/>
-      </a:effectRef>
-      <a:fontRef idx="minor"/>
-    </dgm:style>
-  </dgm:styleLbl>
-  <dgm:styleLbl name="revTx">
-    <dgm:scene3d>
-      <a:camera prst="orthographicFront"/>
-      <a:lightRig rig="threePt" dir="t"/>
-    </dgm:scene3d>
-    <dgm:sp3d/>
-    <dgm:txPr/>
-    <dgm:style>
-      <a:lnRef idx="0">
-        <a:scrgbClr r="0" g="0" b="0"/>
-      </a:lnRef>
-      <a:fillRef idx="0">
-        <a:scrgbClr r="0" g="0" b="0"/>
-      </a:fillRef>
-      <a:effectRef idx="0">
-        <a:scrgbClr r="0" g="0" b="0"/>
-      </a:effectRef>
-      <a:fontRef idx="minor"/>
-    </dgm:style>
-  </dgm:styleLbl>
-</dgm:styleDef>
-</file>
-
-<file path=ppt/diagrams/quickStyle2.xml><?xml version="1.0" encoding="utf-8"?>
 <dgm:styleDef xmlns:dgm="http://schemas.openxmlformats.org/drawingml/2006/diagram" xmlns:a="http://schemas.openxmlformats.org/drawingml/2006/main" uniqueId="urn:microsoft.com/office/officeart/2005/8/quickstyle/simple1">
   <dgm:title val=""/>
   <dgm:desc val=""/>
@@ -7013,7 +3504,7 @@
           <a:p>
             <a:fld id="{9184DA70-C731-4C70-880D-CCD4705E623C}" type="datetime1">
               <a:rPr lang="en-US" smtClean="0"/>
-              <a:t>11/18/2021</a:t>
+              <a:t>11/19/2021</a:t>
             </a:fld>
             <a:endParaRPr lang="en-US" dirty="0"/>
           </a:p>
@@ -7201,7 +3692,7 @@
           <a:p>
             <a:fld id="{B612A279-0833-481D-8C56-F67FD0AC6C50}" type="datetime1">
               <a:rPr lang="en-US" smtClean="0"/>
-              <a:t>11/18/2021</a:t>
+              <a:t>11/19/2021</a:t>
             </a:fld>
             <a:endParaRPr lang="en-US" dirty="0"/>
           </a:p>
@@ -7443,7 +3934,7 @@
           <a:p>
             <a:fld id="{6587DA83-5663-4C9C-B9AA-0B40A3DAFF81}" type="datetime1">
               <a:rPr lang="en-US" smtClean="0"/>
-              <a:t>11/18/2021</a:t>
+              <a:t>11/19/2021</a:t>
             </a:fld>
             <a:endParaRPr lang="en-US" dirty="0"/>
           </a:p>
@@ -7631,7 +4122,7 @@
           <a:p>
             <a:fld id="{4BE1D723-8F53-4F53-90B0-1982A396982E}" type="datetime1">
               <a:rPr lang="en-US" smtClean="0"/>
-              <a:t>11/18/2021</a:t>
+              <a:t>11/19/2021</a:t>
             </a:fld>
             <a:endParaRPr lang="en-US" dirty="0"/>
           </a:p>
@@ -8004,7 +4495,7 @@
           <a:p>
             <a:fld id="{97669AF7-7BEB-44E4-9852-375E34362B5B}" type="datetime1">
               <a:rPr lang="en-US" smtClean="0"/>
-              <a:t>11/18/2021</a:t>
+              <a:t>11/19/2021</a:t>
             </a:fld>
             <a:endParaRPr lang="en-US" dirty="0"/>
           </a:p>
@@ -8259,7 +4750,7 @@
           <a:p>
             <a:fld id="{BAAAC38D-0552-4C82-B593-E6124DFADBE2}" type="datetime1">
               <a:rPr lang="en-US" smtClean="0"/>
-              <a:t>11/18/2021</a:t>
+              <a:t>11/19/2021</a:t>
             </a:fld>
             <a:endParaRPr lang="en-US" dirty="0"/>
           </a:p>
@@ -8656,7 +5147,7 @@
           <a:p>
             <a:fld id="{D9DF0F1C-5577-4ACB-BB62-DF8F3C494C7E}" type="datetime1">
               <a:rPr lang="en-US" smtClean="0"/>
-              <a:t>11/18/2021</a:t>
+              <a:t>11/19/2021</a:t>
             </a:fld>
             <a:endParaRPr lang="en-US" dirty="0"/>
           </a:p>
@@ -8792,7 +5283,7 @@
           <a:p>
             <a:fld id="{1775B394-D9F9-4F0C-B15D-605F45CB9E9F}" type="datetime1">
               <a:rPr lang="en-US" smtClean="0"/>
-              <a:t>11/18/2021</a:t>
+              <a:t>11/19/2021</a:t>
             </a:fld>
             <a:endParaRPr lang="en-US" dirty="0"/>
           </a:p>
@@ -8949,7 +5440,7 @@
           <a:p>
             <a:fld id="{39667345-2558-425A-8533-9BFDBCE15005}" type="datetime1">
               <a:rPr lang="en-US" smtClean="0"/>
-              <a:t>11/18/2021</a:t>
+              <a:t>11/19/2021</a:t>
             </a:fld>
             <a:endParaRPr lang="en-US" dirty="0"/>
           </a:p>
@@ -9278,7 +5769,7 @@
           <a:p>
             <a:fld id="{92BEA474-078D-4E9B-9B14-09A87B19DC46}" type="datetime1">
               <a:rPr lang="en-US" smtClean="0"/>
-              <a:t>11/18/2021</a:t>
+              <a:t>11/19/2021</a:t>
             </a:fld>
             <a:endParaRPr lang="en-US" dirty="0"/>
           </a:p>
@@ -9628,7 +6119,7 @@
           <a:p>
             <a:fld id="{4907D986-8816-4272-A432-0437A28A9828}" type="datetime1">
               <a:rPr lang="en-US" smtClean="0"/>
-              <a:t>11/18/2021</a:t>
+              <a:t>11/19/2021</a:t>
             </a:fld>
             <a:endParaRPr lang="en-US" dirty="0"/>
           </a:p>
@@ -9885,7 +6376,7 @@
           <a:p>
             <a:fld id="{62D6E202-B606-4609-B914-27C9371A1F6D}" type="datetime1">
               <a:rPr lang="en-US" smtClean="0"/>
-              <a:t>11/18/2021</a:t>
+              <a:t>11/19/2021</a:t>
             </a:fld>
             <a:endParaRPr lang="en-US" dirty="0"/>
           </a:p>
@@ -10416,12 +6907,12 @@
           <a:chExt cx="0" cy="0"/>
         </a:xfrm>
       </p:grpSpPr>
-      <p:sp useBgFill="1">
+      <p:sp>
         <p:nvSpPr>
-          <p:cNvPr id="28" name="Rectangle 21">
+          <p:cNvPr id="23" name="Rectangle 22">
             <a:extLst>
               <a:ext uri="{FF2B5EF4-FFF2-40B4-BE49-F238E27FC236}">
-                <a16:creationId xmlns:a16="http://schemas.microsoft.com/office/drawing/2014/main" id="{EE1530B0-6F96-46C0-8B3E-3215CB756BE4}"/>
+                <a16:creationId xmlns:a16="http://schemas.microsoft.com/office/drawing/2014/main" id="{39E3965E-AC41-4711-9D10-E25ABB132D86}"/>
               </a:ext>
               <a:ext uri="{C183D7F6-B498-43B3-948B-1728B52AA6E4}">
                 <adec:decorative xmlns:adec="http://schemas.microsoft.com/office/drawing/2017/decorative" val="1"/>
@@ -10441,77 +6932,14 @@
         </p:nvSpPr>
         <p:spPr>
           <a:xfrm>
-            <a:off x="5685" y="0"/>
-            <a:ext cx="12186315" cy="6858000"/>
-          </a:xfrm>
-          <a:prstGeom prst="rect">
-            <a:avLst/>
-          </a:prstGeom>
-          <a:ln>
-            <a:noFill/>
-          </a:ln>
-        </p:spPr>
-        <p:style>
-          <a:lnRef idx="2">
-            <a:schemeClr val="accent6">
-              <a:shade val="50000"/>
-            </a:schemeClr>
-          </a:lnRef>
-          <a:fillRef idx="1001">
-            <a:schemeClr val="lt1"/>
-          </a:fillRef>
-          <a:effectRef idx="0">
-            <a:schemeClr val="accent6"/>
-          </a:effectRef>
-          <a:fontRef idx="minor">
-            <a:schemeClr val="lt1"/>
-          </a:fontRef>
-        </p:style>
-        <p:txBody>
-          <a:bodyPr rtlCol="0" anchor="ctr"/>
-          <a:lstStyle/>
-          <a:p>
-            <a:pPr algn="ctr"/>
-            <a:endParaRPr lang="en-US"/>
-          </a:p>
-        </p:txBody>
-      </p:sp>
-      <p:sp>
-        <p:nvSpPr>
-          <p:cNvPr id="29" name="Rectangle 23">
-            <a:extLst>
-              <a:ext uri="{FF2B5EF4-FFF2-40B4-BE49-F238E27FC236}">
-                <a16:creationId xmlns:a16="http://schemas.microsoft.com/office/drawing/2014/main" id="{754910CF-1B56-45D3-960A-E89F7B3B9131}"/>
-              </a:ext>
-              <a:ext uri="{C183D7F6-B498-43B3-948B-1728B52AA6E4}">
-                <adec:decorative xmlns:adec="http://schemas.microsoft.com/office/drawing/2017/decorative" val="1"/>
-              </a:ext>
-            </a:extLst>
-          </p:cNvPr>
-          <p:cNvSpPr>
-            <a:spLocks noGrp="1" noRot="1" noChangeAspect="1" noMove="1" noResize="1" noEditPoints="1" noAdjustHandles="1" noChangeArrowheads="1" noChangeShapeType="1" noTextEdit="1"/>
-          </p:cNvSpPr>
-          <p:nvPr>
-            <p:extLst>
-              <p:ext uri="{386F3935-93C4-4BCD-93E2-E3B085C9AB24}">
-                <p16:designElem xmlns:p16="http://schemas.microsoft.com/office/powerpoint/2015/main" val="1"/>
-              </p:ext>
-            </p:extLst>
-          </p:nvPr>
-        </p:nvSpPr>
-        <p:spPr>
-          <a:xfrm>
-            <a:off x="16" y="0"/>
-            <a:ext cx="4050791" cy="6858000"/>
+            <a:off x="3175" y="6400800"/>
+            <a:ext cx="12188825" cy="457200"/>
           </a:xfrm>
           <a:prstGeom prst="rect">
             <a:avLst/>
           </a:prstGeom>
           <a:solidFill>
-            <a:schemeClr val="tx1">
-              <a:lumMod val="85000"/>
-              <a:lumOff val="15000"/>
-            </a:schemeClr>
+            <a:srgbClr val="262626"/>
           </a:solidFill>
           <a:ln>
             <a:noFill/>
@@ -10534,12 +6962,127 @@
           </a:fontRef>
         </p:style>
       </p:sp>
+      <p:cxnSp>
+        <p:nvCxnSpPr>
+          <p:cNvPr id="25" name="Straight Connector 24">
+            <a:extLst>
+              <a:ext uri="{FF2B5EF4-FFF2-40B4-BE49-F238E27FC236}">
+                <a16:creationId xmlns:a16="http://schemas.microsoft.com/office/drawing/2014/main" id="{1F5DC8C3-BA5F-4EED-BB9A-A14272BD82A1}"/>
+              </a:ext>
+              <a:ext uri="{C183D7F6-B498-43B3-948B-1728B52AA6E4}">
+                <adec:decorative xmlns:adec="http://schemas.microsoft.com/office/drawing/2017/decorative" val="1"/>
+              </a:ext>
+            </a:extLst>
+          </p:cNvPr>
+          <p:cNvCxnSpPr>
+            <a:cxnSpLocks noGrp="1" noRot="1" noChangeAspect="1" noMove="1" noResize="1" noEditPoints="1" noAdjustHandles="1" noChangeArrowheads="1" noChangeShapeType="1"/>
+          </p:cNvCxnSpPr>
+          <p:nvPr>
+            <p:extLst>
+              <p:ext uri="{386F3935-93C4-4BCD-93E2-E3B085C9AB24}">
+                <p16:designElem xmlns:p16="http://schemas.microsoft.com/office/powerpoint/2015/main" val="1"/>
+              </p:ext>
+            </p:extLst>
+          </p:nvPr>
+        </p:nvCxnSpPr>
+        <p:spPr>
+          <a:xfrm>
+            <a:off x="1207658" y="4474741"/>
+            <a:ext cx="9875520" cy="0"/>
+          </a:xfrm>
+          <a:prstGeom prst="line">
+            <a:avLst/>
+          </a:prstGeom>
+          <a:ln w="12700">
+            <a:solidFill>
+              <a:schemeClr val="tx1">
+                <a:lumMod val="75000"/>
+                <a:lumOff val="25000"/>
+              </a:schemeClr>
+            </a:solidFill>
+          </a:ln>
+        </p:spPr>
+        <p:style>
+          <a:lnRef idx="1">
+            <a:schemeClr val="accent1"/>
+          </a:lnRef>
+          <a:fillRef idx="0">
+            <a:schemeClr val="accent1"/>
+          </a:fillRef>
+          <a:effectRef idx="0">
+            <a:schemeClr val="accent1"/>
+          </a:effectRef>
+          <a:fontRef idx="minor">
+            <a:schemeClr val="tx1"/>
+          </a:fontRef>
+        </p:style>
+      </p:cxnSp>
+      <p:sp useBgFill="1">
+        <p:nvSpPr>
+          <p:cNvPr id="27" name="Rectangle 26">
+            <a:extLst>
+              <a:ext uri="{FF2B5EF4-FFF2-40B4-BE49-F238E27FC236}">
+                <a16:creationId xmlns:a16="http://schemas.microsoft.com/office/drawing/2014/main" id="{2779F603-B669-4AD6-82F9-E09F76165B99}"/>
+              </a:ext>
+              <a:ext uri="{C183D7F6-B498-43B3-948B-1728B52AA6E4}">
+                <adec:decorative xmlns:adec="http://schemas.microsoft.com/office/drawing/2017/decorative" val="1"/>
+              </a:ext>
+            </a:extLst>
+          </p:cNvPr>
+          <p:cNvSpPr>
+            <a:spLocks noGrp="1" noRot="1" noChangeAspect="1" noMove="1" noResize="1" noEditPoints="1" noAdjustHandles="1" noChangeArrowheads="1" noChangeShapeType="1" noTextEdit="1"/>
+          </p:cNvSpPr>
+          <p:nvPr>
+            <p:extLst>
+              <p:ext uri="{386F3935-93C4-4BCD-93E2-E3B085C9AB24}">
+                <p16:designElem xmlns:p16="http://schemas.microsoft.com/office/powerpoint/2015/main" val="1"/>
+              </p:ext>
+            </p:extLst>
+          </p:nvPr>
+        </p:nvSpPr>
+        <p:spPr>
+          <a:xfrm>
+            <a:off x="0" y="0"/>
+            <a:ext cx="12192001" cy="6858000"/>
+          </a:xfrm>
+          <a:prstGeom prst="rect">
+            <a:avLst/>
+          </a:prstGeom>
+          <a:ln>
+            <a:noFill/>
+          </a:ln>
+        </p:spPr>
+        <p:style>
+          <a:lnRef idx="2">
+            <a:schemeClr val="accent1">
+              <a:shade val="50000"/>
+            </a:schemeClr>
+          </a:lnRef>
+          <a:fillRef idx="1">
+            <a:schemeClr val="accent1"/>
+          </a:fillRef>
+          <a:effectRef idx="0">
+            <a:schemeClr val="accent1"/>
+          </a:effectRef>
+          <a:fontRef idx="minor">
+            <a:schemeClr val="lt1"/>
+          </a:fontRef>
+        </p:style>
+        <p:txBody>
+          <a:bodyPr rtlCol="0" anchor="ctr"/>
+          <a:lstStyle/>
+          <a:p>
+            <a:pPr algn="ctr"/>
+            <a:endParaRPr lang="en-US"/>
+          </a:p>
+        </p:txBody>
+      </p:sp>
       <p:sp>
         <p:nvSpPr>
           <p:cNvPr id="2" name="Title 1">
             <a:extLst>
               <a:ext uri="{FF2B5EF4-FFF2-40B4-BE49-F238E27FC236}">
-                <a16:creationId xmlns:a16="http://schemas.microsoft.com/office/drawing/2014/main" id="{B1789A9E-0582-4F73-83DB-56DEEB45C82F}"/>
+                <a16:creationId xmlns:a16="http://schemas.microsoft.com/office/drawing/2014/main" id="{CA65E0CC-15A3-48BD-A42A-9EF19534FBF2}"/>
               </a:ext>
             </a:extLst>
           </p:cNvPr>
@@ -10552,67 +7095,234 @@
         </p:nvSpPr>
         <p:spPr>
           <a:xfrm>
-            <a:off x="492370" y="516835"/>
-            <a:ext cx="3084844" cy="5772840"/>
+            <a:off x="5640797" y="2288704"/>
+            <a:ext cx="5759431" cy="1453895"/>
           </a:xfrm>
         </p:spPr>
         <p:txBody>
-          <a:bodyPr anchor="ctr">
+          <a:bodyPr vert="horz" lIns="91440" tIns="45720" rIns="91440" bIns="45720" rtlCol="0" anchor="b">
             <a:normAutofit/>
           </a:bodyPr>
           <a:lstStyle/>
           <a:p>
             <a:r>
-              <a:rPr lang="en-US" sz="3600">
+              <a:rPr lang="en-US" sz="6600" dirty="0">
                 <a:solidFill>
-                  <a:schemeClr val="bg1"/>
+                  <a:schemeClr val="tx1">
+                    <a:lumMod val="85000"/>
+                    <a:lumOff val="15000"/>
+                  </a:schemeClr>
                 </a:solidFill>
               </a:rPr>
-              <a:t>Profil</a:t>
-            </a:r>
-            <a:endParaRPr lang="en-ID" sz="3600">
+              <a:t>My Repository</a:t>
+            </a:r>
+          </a:p>
+        </p:txBody>
+      </p:sp>
+      <p:sp>
+        <p:nvSpPr>
+          <p:cNvPr id="3" name="Content Placeholder 2">
+            <a:extLst>
+              <a:ext uri="{FF2B5EF4-FFF2-40B4-BE49-F238E27FC236}">
+                <a16:creationId xmlns:a16="http://schemas.microsoft.com/office/drawing/2014/main" id="{8151352C-FA8B-4D8D-ACC8-5678C38C11CC}"/>
+              </a:ext>
+            </a:extLst>
+          </p:cNvPr>
+          <p:cNvSpPr>
+            <a:spLocks noGrp="1"/>
+          </p:cNvSpPr>
+          <p:nvPr>
+            <p:ph idx="1"/>
+          </p:nvPr>
+        </p:nvSpPr>
+        <p:spPr>
+          <a:xfrm>
+            <a:off x="5487970" y="4645154"/>
+            <a:ext cx="5762203" cy="1143000"/>
+          </a:xfrm>
+        </p:spPr>
+        <p:txBody>
+          <a:bodyPr vert="horz" lIns="91440" tIns="45720" rIns="91440" bIns="45720" rtlCol="0">
+            <a:normAutofit/>
+          </a:bodyPr>
+          <a:lstStyle/>
+          <a:p>
+            <a:pPr marL="0" indent="0">
+              <a:lnSpc>
+                <a:spcPct val="100000"/>
+              </a:lnSpc>
+              <a:buNone/>
+            </a:pPr>
+            <a:r>
+              <a:rPr lang="en-US" sz="2400" cap="all" spc="200">
+                <a:solidFill>
+                  <a:schemeClr val="tx1"/>
+                </a:solidFill>
+                <a:hlinkClick r:id="rId2"/>
+              </a:rPr>
+              <a:t>https://github.com/rioda78/Diklat-Siswaskeudes</a:t>
+            </a:r>
+            <a:endParaRPr lang="en-US" sz="2400" cap="all" spc="200" dirty="0">
               <a:solidFill>
-                <a:schemeClr val="bg1"/>
+                <a:schemeClr val="tx1"/>
               </a:solidFill>
             </a:endParaRPr>
           </a:p>
         </p:txBody>
       </p:sp>
-      <p:graphicFrame>
-        <p:nvGraphicFramePr>
-          <p:cNvPr id="17" name="Content Placeholder 2">
+      <p:pic>
+        <p:nvPicPr>
+          <p:cNvPr id="7" name="Graphic 6" descr="Marker">
             <a:extLst>
               <a:ext uri="{FF2B5EF4-FFF2-40B4-BE49-F238E27FC236}">
-                <a16:creationId xmlns:a16="http://schemas.microsoft.com/office/drawing/2014/main" id="{C6CD10A4-B01A-401E-BA3A-9670F1FF90C6}"/>
+                <a16:creationId xmlns:a16="http://schemas.microsoft.com/office/drawing/2014/main" id="{4F834724-8E59-4E0D-B3D1-65CC726A3571}"/>
               </a:ext>
             </a:extLst>
           </p:cNvPr>
-          <p:cNvGraphicFramePr>
-            <a:graphicFrameLocks noGrp="1"/>
-          </p:cNvGraphicFramePr>
+          <p:cNvPicPr>
+            <a:picLocks noChangeAspect="1"/>
+          </p:cNvPicPr>
+          <p:nvPr/>
+        </p:nvPicPr>
+        <p:blipFill>
+          <a:blip r:embed="rId3">
+            <a:extLst>
+              <a:ext uri="{28A0092B-C50C-407E-A947-70E740481C1C}">
+                <a14:useLocalDpi xmlns:a14="http://schemas.microsoft.com/office/drawing/2010/main" val="0"/>
+              </a:ext>
+              <a:ext uri="{96DAC541-7B7A-43D3-8B79-37D633B846F1}">
+                <asvg:svgBlip xmlns:asvg="http://schemas.microsoft.com/office/drawing/2016/SVG/main" r:embed="rId4"/>
+              </a:ext>
+            </a:extLst>
+          </a:blip>
+          <a:stretch>
+            <a:fillRect/>
+          </a:stretch>
+        </p:blipFill>
+        <p:spPr>
+          <a:xfrm>
+            <a:off x="633999" y="1163529"/>
+            <a:ext cx="4001315" cy="4001315"/>
+          </a:xfrm>
+          <a:prstGeom prst="rect">
+            <a:avLst/>
+          </a:prstGeom>
+        </p:spPr>
+      </p:pic>
+      <p:cxnSp>
+        <p:nvCxnSpPr>
+          <p:cNvPr id="29" name="Straight Connector 28">
+            <a:extLst>
+              <a:ext uri="{FF2B5EF4-FFF2-40B4-BE49-F238E27FC236}">
+                <a16:creationId xmlns:a16="http://schemas.microsoft.com/office/drawing/2014/main" id="{7ABFD994-C2DC-4E7D-9411-C7FF7813EF47}"/>
+              </a:ext>
+              <a:ext uri="{C183D7F6-B498-43B3-948B-1728B52AA6E4}">
+                <adec:decorative xmlns:adec="http://schemas.microsoft.com/office/drawing/2017/decorative" val="1"/>
+              </a:ext>
+            </a:extLst>
+          </p:cNvPr>
+          <p:cNvCxnSpPr>
+            <a:cxnSpLocks noGrp="1" noRot="1" noChangeAspect="1" noMove="1" noResize="1" noEditPoints="1" noAdjustHandles="1" noChangeArrowheads="1" noChangeShapeType="1"/>
+          </p:cNvCxnSpPr>
           <p:nvPr>
-            <p:ph idx="1"/>
             <p:extLst>
-              <p:ext uri="{D42A27DB-BD31-4B8C-83A1-F6EECF244321}">
-                <p14:modId xmlns:p14="http://schemas.microsoft.com/office/powerpoint/2010/main" val="217824822"/>
+              <p:ext uri="{386F3935-93C4-4BCD-93E2-E3B085C9AB24}">
+                <p16:designElem xmlns:p16="http://schemas.microsoft.com/office/powerpoint/2015/main" val="1"/>
               </p:ext>
             </p:extLst>
           </p:nvPr>
-        </p:nvGraphicFramePr>
-        <p:xfrm>
-          <a:off x="4741863" y="639763"/>
-          <a:ext cx="6797675" cy="5649912"/>
-        </p:xfrm>
-        <a:graphic>
-          <a:graphicData uri="http://schemas.openxmlformats.org/drawingml/2006/diagram">
-            <dgm:relIds xmlns:dgm="http://schemas.openxmlformats.org/drawingml/2006/diagram" xmlns:r="http://schemas.openxmlformats.org/officeDocument/2006/relationships" r:dm="rId2" r:lo="rId3" r:qs="rId4" r:cs="rId5"/>
-          </a:graphicData>
-        </a:graphic>
-      </p:graphicFrame>
+        </p:nvCxnSpPr>
+        <p:spPr>
+          <a:xfrm>
+            <a:off x="5501663" y="4485132"/>
+            <a:ext cx="5486400" cy="0"/>
+          </a:xfrm>
+          <a:prstGeom prst="line">
+            <a:avLst/>
+          </a:prstGeom>
+          <a:ln w="12700">
+            <a:solidFill>
+              <a:schemeClr val="tx1">
+                <a:lumMod val="75000"/>
+                <a:lumOff val="25000"/>
+              </a:schemeClr>
+            </a:solidFill>
+          </a:ln>
+        </p:spPr>
+        <p:style>
+          <a:lnRef idx="1">
+            <a:schemeClr val="accent1"/>
+          </a:lnRef>
+          <a:fillRef idx="0">
+            <a:schemeClr val="accent1"/>
+          </a:fillRef>
+          <a:effectRef idx="0">
+            <a:schemeClr val="accent1"/>
+          </a:effectRef>
+          <a:fontRef idx="minor">
+            <a:schemeClr val="tx1"/>
+          </a:fontRef>
+        </p:style>
+      </p:cxnSp>
+      <p:sp>
+        <p:nvSpPr>
+          <p:cNvPr id="31" name="Rectangle 30">
+            <a:extLst>
+              <a:ext uri="{FF2B5EF4-FFF2-40B4-BE49-F238E27FC236}">
+                <a16:creationId xmlns:a16="http://schemas.microsoft.com/office/drawing/2014/main" id="{CA73A59D-C719-4F24-9F6B-AF7CE8F3BEF1}"/>
+              </a:ext>
+              <a:ext uri="{C183D7F6-B498-43B3-948B-1728B52AA6E4}">
+                <adec:decorative xmlns:adec="http://schemas.microsoft.com/office/drawing/2017/decorative" val="1"/>
+              </a:ext>
+            </a:extLst>
+          </p:cNvPr>
+          <p:cNvSpPr>
+            <a:spLocks noGrp="1" noRot="1" noChangeAspect="1" noMove="1" noResize="1" noEditPoints="1" noAdjustHandles="1" noChangeArrowheads="1" noChangeShapeType="1" noTextEdit="1"/>
+          </p:cNvSpPr>
+          <p:nvPr>
+            <p:extLst>
+              <p:ext uri="{386F3935-93C4-4BCD-93E2-E3B085C9AB24}">
+                <p16:designElem xmlns:p16="http://schemas.microsoft.com/office/powerpoint/2015/main" val="1"/>
+              </p:ext>
+            </p:extLst>
+          </p:nvPr>
+        </p:nvSpPr>
+        <p:spPr>
+          <a:xfrm>
+            <a:off x="0" y="6400800"/>
+            <a:ext cx="12192000" cy="457200"/>
+          </a:xfrm>
+          <a:prstGeom prst="rect">
+            <a:avLst/>
+          </a:prstGeom>
+          <a:solidFill>
+            <a:srgbClr val="262626"/>
+          </a:solidFill>
+          <a:ln>
+            <a:noFill/>
+          </a:ln>
+        </p:spPr>
+        <p:style>
+          <a:lnRef idx="2">
+            <a:schemeClr val="accent1">
+              <a:shade val="50000"/>
+            </a:schemeClr>
+          </a:lnRef>
+          <a:fillRef idx="1">
+            <a:schemeClr val="accent1"/>
+          </a:fillRef>
+          <a:effectRef idx="0">
+            <a:schemeClr val="accent1"/>
+          </a:effectRef>
+          <a:fontRef idx="minor">
+            <a:schemeClr val="lt1"/>
+          </a:fontRef>
+        </p:style>
+      </p:sp>
     </p:spTree>
     <p:extLst>
       <p:ext uri="{BB962C8B-B14F-4D97-AF65-F5344CB8AC3E}">
-        <p14:creationId xmlns:p14="http://schemas.microsoft.com/office/powerpoint/2010/main" val="2662766726"/>
+        <p14:creationId xmlns:p14="http://schemas.microsoft.com/office/powerpoint/2010/main" val="529168794"/>
       </p:ext>
     </p:extLst>
   </p:cSld>
@@ -10644,436 +7354,6 @@
           <p:cNvPr id="2" name="Title 1">
             <a:extLst>
               <a:ext uri="{FF2B5EF4-FFF2-40B4-BE49-F238E27FC236}">
-                <a16:creationId xmlns:a16="http://schemas.microsoft.com/office/drawing/2014/main" id="{6079FBF5-A061-409A-BD9B-BD786139A5C8}"/>
-              </a:ext>
-            </a:extLst>
-          </p:cNvPr>
-          <p:cNvSpPr>
-            <a:spLocks noGrp="1"/>
-          </p:cNvSpPr>
-          <p:nvPr>
-            <p:ph type="title"/>
-          </p:nvPr>
-        </p:nvSpPr>
-        <p:spPr/>
-        <p:txBody>
-          <a:bodyPr/>
-          <a:lstStyle/>
-          <a:p>
-            <a:r>
-              <a:rPr lang="en-US" dirty="0"/>
-              <a:t>Restore</a:t>
-            </a:r>
-            <a:endParaRPr lang="en-ID" dirty="0"/>
-          </a:p>
-        </p:txBody>
-      </p:sp>
-      <p:pic>
-        <p:nvPicPr>
-          <p:cNvPr id="5" name="Content Placeholder 4" descr="Graphical user interface, application, Word&#10;&#10;Description automatically generated">
-            <a:extLst>
-              <a:ext uri="{FF2B5EF4-FFF2-40B4-BE49-F238E27FC236}">
-                <a16:creationId xmlns:a16="http://schemas.microsoft.com/office/drawing/2014/main" id="{94275B75-EDD1-49F1-9C5F-8C2B25245EB6}"/>
-              </a:ext>
-            </a:extLst>
-          </p:cNvPr>
-          <p:cNvPicPr>
-            <a:picLocks noGrp="1" noChangeAspect="1"/>
-          </p:cNvPicPr>
-          <p:nvPr>
-            <p:ph sz="half" idx="1"/>
-          </p:nvPr>
-        </p:nvPicPr>
-        <p:blipFill>
-          <a:blip r:embed="rId2">
-            <a:extLst>
-              <a:ext uri="{28A0092B-C50C-407E-A947-70E740481C1C}">
-                <a14:useLocalDpi xmlns:a14="http://schemas.microsoft.com/office/drawing/2010/main" val="0"/>
-              </a:ext>
-            </a:extLst>
-          </a:blip>
-          <a:stretch>
-            <a:fillRect/>
-          </a:stretch>
-        </p:blipFill>
-        <p:spPr>
-          <a:xfrm>
-            <a:off x="1218412" y="2120900"/>
-            <a:ext cx="4397363" cy="3748088"/>
-          </a:xfrm>
-        </p:spPr>
-      </p:pic>
-      <p:sp>
-        <p:nvSpPr>
-          <p:cNvPr id="11" name="Content Placeholder 10">
-            <a:extLst>
-              <a:ext uri="{FF2B5EF4-FFF2-40B4-BE49-F238E27FC236}">
-                <a16:creationId xmlns:a16="http://schemas.microsoft.com/office/drawing/2014/main" id="{30652FFC-A475-4D45-8519-9BAF5ACDE2A3}"/>
-              </a:ext>
-            </a:extLst>
-          </p:cNvPr>
-          <p:cNvSpPr>
-            <a:spLocks noGrp="1"/>
-          </p:cNvSpPr>
-          <p:nvPr>
-            <p:ph sz="half" idx="2"/>
-          </p:nvPr>
-        </p:nvSpPr>
-        <p:spPr>
-          <a:xfrm>
-            <a:off x="5887092" y="2120900"/>
-            <a:ext cx="5268588" cy="3748194"/>
-          </a:xfrm>
-        </p:spPr>
-        <p:txBody>
-          <a:bodyPr/>
-          <a:lstStyle/>
-          <a:p>
-            <a:pPr marL="457200" indent="-457200">
-              <a:buFont typeface="+mj-lt"/>
-              <a:buAutoNum type="arabicPeriod"/>
-            </a:pPr>
-            <a:r>
-              <a:rPr lang="en-US" dirty="0" err="1"/>
-              <a:t>Isikan</a:t>
-            </a:r>
-            <a:r>
-              <a:rPr lang="en-US" dirty="0"/>
-              <a:t> </a:t>
-            </a:r>
-            <a:r>
-              <a:rPr lang="en-US" dirty="0" err="1"/>
-              <a:t>nama</a:t>
-            </a:r>
-            <a:r>
-              <a:rPr lang="en-US" dirty="0"/>
-              <a:t> database yang </a:t>
-            </a:r>
-            <a:r>
-              <a:rPr lang="en-US" dirty="0" err="1"/>
-              <a:t>akan</a:t>
-            </a:r>
-            <a:r>
-              <a:rPr lang="en-US" dirty="0"/>
-              <a:t> </a:t>
-            </a:r>
-            <a:r>
-              <a:rPr lang="en-US" dirty="0" err="1"/>
-              <a:t>direstore</a:t>
-            </a:r>
-            <a:endParaRPr lang="en-US" dirty="0"/>
-          </a:p>
-          <a:p>
-            <a:pPr marL="457200" indent="-457200">
-              <a:buFont typeface="+mj-lt"/>
-              <a:buAutoNum type="arabicPeriod"/>
-            </a:pPr>
-            <a:r>
-              <a:rPr lang="en-US" dirty="0" err="1"/>
-              <a:t>Pilih</a:t>
-            </a:r>
-            <a:r>
-              <a:rPr lang="en-US" dirty="0"/>
-              <a:t> file yang </a:t>
-            </a:r>
-            <a:r>
-              <a:rPr lang="en-US" dirty="0" err="1"/>
-              <a:t>akan</a:t>
-            </a:r>
-            <a:r>
-              <a:rPr lang="en-US" dirty="0"/>
-              <a:t> di restore</a:t>
-            </a:r>
-          </a:p>
-          <a:p>
-            <a:pPr marL="457200" indent="-457200">
-              <a:buFont typeface="+mj-lt"/>
-              <a:buAutoNum type="arabicPeriod"/>
-            </a:pPr>
-            <a:r>
-              <a:rPr lang="en-US" dirty="0"/>
-              <a:t>Optional , </a:t>
-            </a:r>
-            <a:r>
-              <a:rPr lang="en-US" dirty="0" err="1"/>
-              <a:t>pilih</a:t>
-            </a:r>
-            <a:r>
-              <a:rPr lang="en-US" dirty="0"/>
-              <a:t> folder </a:t>
-            </a:r>
-            <a:r>
-              <a:rPr lang="en-US" dirty="0" err="1"/>
-              <a:t>tujuan</a:t>
-            </a:r>
-            <a:r>
-              <a:rPr lang="en-US" dirty="0"/>
-              <a:t> file </a:t>
-            </a:r>
-            <a:r>
-              <a:rPr lang="en-US" dirty="0" err="1"/>
-              <a:t>direstore</a:t>
-            </a:r>
-            <a:endParaRPr lang="en-US" dirty="0"/>
-          </a:p>
-          <a:p>
-            <a:pPr marL="457200" indent="-457200">
-              <a:buFont typeface="+mj-lt"/>
-              <a:buAutoNum type="arabicPeriod"/>
-            </a:pPr>
-            <a:r>
-              <a:rPr lang="en-US" dirty="0" err="1"/>
-              <a:t>Lakukan</a:t>
-            </a:r>
-            <a:r>
-              <a:rPr lang="en-US" dirty="0"/>
-              <a:t> Restore</a:t>
-            </a:r>
-          </a:p>
-          <a:p>
-            <a:pPr marL="457200" indent="-457200">
-              <a:buFont typeface="+mj-lt"/>
-              <a:buAutoNum type="arabicPeriod"/>
-            </a:pPr>
-            <a:endParaRPr lang="en-ID" dirty="0"/>
-          </a:p>
-        </p:txBody>
-      </p:sp>
-      <p:sp>
-        <p:nvSpPr>
-          <p:cNvPr id="7" name="Rectangle: Rounded Corners 6">
-            <a:extLst>
-              <a:ext uri="{FF2B5EF4-FFF2-40B4-BE49-F238E27FC236}">
-                <a16:creationId xmlns:a16="http://schemas.microsoft.com/office/drawing/2014/main" id="{BCAB6EC4-26F4-4B77-8731-839C8ABAA1C8}"/>
-              </a:ext>
-            </a:extLst>
-          </p:cNvPr>
-          <p:cNvSpPr/>
-          <p:nvPr/>
-        </p:nvSpPr>
-        <p:spPr>
-          <a:xfrm>
-            <a:off x="4017194" y="2917859"/>
-            <a:ext cx="215758" cy="215758"/>
-          </a:xfrm>
-          <a:prstGeom prst="roundRect">
-            <a:avLst/>
-          </a:prstGeom>
-        </p:spPr>
-        <p:style>
-          <a:lnRef idx="2">
-            <a:schemeClr val="accent1">
-              <a:shade val="50000"/>
-            </a:schemeClr>
-          </a:lnRef>
-          <a:fillRef idx="1">
-            <a:schemeClr val="accent1"/>
-          </a:fillRef>
-          <a:effectRef idx="0">
-            <a:schemeClr val="accent1"/>
-          </a:effectRef>
-          <a:fontRef idx="minor">
-            <a:schemeClr val="lt1"/>
-          </a:fontRef>
-        </p:style>
-        <p:txBody>
-          <a:bodyPr rtlCol="0" anchor="ctr"/>
-          <a:lstStyle/>
-          <a:p>
-            <a:pPr algn="ctr"/>
-            <a:r>
-              <a:rPr lang="en-US" dirty="0"/>
-              <a:t>1</a:t>
-            </a:r>
-            <a:endParaRPr lang="en-ID" dirty="0"/>
-          </a:p>
-        </p:txBody>
-      </p:sp>
-      <p:sp>
-        <p:nvSpPr>
-          <p:cNvPr id="8" name="Rectangle: Rounded Corners 7">
-            <a:extLst>
-              <a:ext uri="{FF2B5EF4-FFF2-40B4-BE49-F238E27FC236}">
-                <a16:creationId xmlns:a16="http://schemas.microsoft.com/office/drawing/2014/main" id="{E6BF3F08-4075-4C88-B6D9-4BC9CCAB40E7}"/>
-              </a:ext>
-            </a:extLst>
-          </p:cNvPr>
-          <p:cNvSpPr/>
-          <p:nvPr/>
-        </p:nvSpPr>
-        <p:spPr>
-          <a:xfrm>
-            <a:off x="5113935" y="3213242"/>
-            <a:ext cx="215758" cy="215758"/>
-          </a:xfrm>
-          <a:prstGeom prst="roundRect">
-            <a:avLst/>
-          </a:prstGeom>
-        </p:spPr>
-        <p:style>
-          <a:lnRef idx="2">
-            <a:schemeClr val="accent1">
-              <a:shade val="50000"/>
-            </a:schemeClr>
-          </a:lnRef>
-          <a:fillRef idx="1">
-            <a:schemeClr val="accent1"/>
-          </a:fillRef>
-          <a:effectRef idx="0">
-            <a:schemeClr val="accent1"/>
-          </a:effectRef>
-          <a:fontRef idx="minor">
-            <a:schemeClr val="lt1"/>
-          </a:fontRef>
-        </p:style>
-        <p:txBody>
-          <a:bodyPr rtlCol="0" anchor="ctr"/>
-          <a:lstStyle/>
-          <a:p>
-            <a:pPr algn="ctr"/>
-            <a:r>
-              <a:rPr lang="en-US" dirty="0"/>
-              <a:t>2</a:t>
-            </a:r>
-            <a:endParaRPr lang="en-ID" dirty="0"/>
-          </a:p>
-        </p:txBody>
-      </p:sp>
-      <p:sp>
-        <p:nvSpPr>
-          <p:cNvPr id="9" name="Rectangle: Rounded Corners 8">
-            <a:extLst>
-              <a:ext uri="{FF2B5EF4-FFF2-40B4-BE49-F238E27FC236}">
-                <a16:creationId xmlns:a16="http://schemas.microsoft.com/office/drawing/2014/main" id="{A8E669A2-AA7C-4D79-931B-6EEE6BB036BC}"/>
-              </a:ext>
-            </a:extLst>
-          </p:cNvPr>
-          <p:cNvSpPr/>
-          <p:nvPr/>
-        </p:nvSpPr>
-        <p:spPr>
-          <a:xfrm>
-            <a:off x="5153321" y="3951266"/>
-            <a:ext cx="215758" cy="215758"/>
-          </a:xfrm>
-          <a:prstGeom prst="roundRect">
-            <a:avLst/>
-          </a:prstGeom>
-        </p:spPr>
-        <p:style>
-          <a:lnRef idx="2">
-            <a:schemeClr val="accent1">
-              <a:shade val="50000"/>
-            </a:schemeClr>
-          </a:lnRef>
-          <a:fillRef idx="1">
-            <a:schemeClr val="accent1"/>
-          </a:fillRef>
-          <a:effectRef idx="0">
-            <a:schemeClr val="accent1"/>
-          </a:effectRef>
-          <a:fontRef idx="minor">
-            <a:schemeClr val="lt1"/>
-          </a:fontRef>
-        </p:style>
-        <p:txBody>
-          <a:bodyPr rtlCol="0" anchor="ctr"/>
-          <a:lstStyle/>
-          <a:p>
-            <a:pPr algn="ctr"/>
-            <a:r>
-              <a:rPr lang="en-US" dirty="0"/>
-              <a:t>3</a:t>
-            </a:r>
-            <a:endParaRPr lang="en-ID" dirty="0"/>
-          </a:p>
-        </p:txBody>
-      </p:sp>
-      <p:sp>
-        <p:nvSpPr>
-          <p:cNvPr id="10" name="Rectangle: Rounded Corners 9">
-            <a:extLst>
-              <a:ext uri="{FF2B5EF4-FFF2-40B4-BE49-F238E27FC236}">
-                <a16:creationId xmlns:a16="http://schemas.microsoft.com/office/drawing/2014/main" id="{A5906EC8-1AF7-4A53-A199-8E055E8C0A74}"/>
-              </a:ext>
-            </a:extLst>
-          </p:cNvPr>
-          <p:cNvSpPr/>
-          <p:nvPr/>
-        </p:nvSpPr>
-        <p:spPr>
-          <a:xfrm>
-            <a:off x="4125905" y="4197848"/>
-            <a:ext cx="215758" cy="215758"/>
-          </a:xfrm>
-          <a:prstGeom prst="roundRect">
-            <a:avLst/>
-          </a:prstGeom>
-        </p:spPr>
-        <p:style>
-          <a:lnRef idx="2">
-            <a:schemeClr val="accent1">
-              <a:shade val="50000"/>
-            </a:schemeClr>
-          </a:lnRef>
-          <a:fillRef idx="1">
-            <a:schemeClr val="accent1"/>
-          </a:fillRef>
-          <a:effectRef idx="0">
-            <a:schemeClr val="accent1"/>
-          </a:effectRef>
-          <a:fontRef idx="minor">
-            <a:schemeClr val="lt1"/>
-          </a:fontRef>
-        </p:style>
-        <p:txBody>
-          <a:bodyPr rtlCol="0" anchor="ctr"/>
-          <a:lstStyle/>
-          <a:p>
-            <a:pPr algn="ctr"/>
-            <a:r>
-              <a:rPr lang="en-US" dirty="0"/>
-              <a:t>4</a:t>
-            </a:r>
-            <a:endParaRPr lang="en-ID" dirty="0"/>
-          </a:p>
-        </p:txBody>
-      </p:sp>
-    </p:spTree>
-    <p:extLst>
-      <p:ext uri="{BB962C8B-B14F-4D97-AF65-F5344CB8AC3E}">
-        <p14:creationId xmlns:p14="http://schemas.microsoft.com/office/powerpoint/2010/main" val="1520311514"/>
-      </p:ext>
-    </p:extLst>
-  </p:cSld>
-  <p:clrMapOvr>
-    <a:masterClrMapping/>
-  </p:clrMapOvr>
-</p:sld>
-</file>
-
-<file path=ppt/slides/slide11.xml><?xml version="1.0" encoding="utf-8"?>
-<p:sld xmlns:a="http://schemas.openxmlformats.org/drawingml/2006/main" xmlns:r="http://schemas.openxmlformats.org/officeDocument/2006/relationships" xmlns:p="http://schemas.openxmlformats.org/presentationml/2006/main">
-  <p:cSld>
-    <p:spTree>
-      <p:nvGrpSpPr>
-        <p:cNvPr id="1" name=""/>
-        <p:cNvGrpSpPr/>
-        <p:nvPr/>
-      </p:nvGrpSpPr>
-      <p:grpSpPr>
-        <a:xfrm>
-          <a:off x="0" y="0"/>
-          <a:ext cx="0" cy="0"/>
-          <a:chOff x="0" y="0"/>
-          <a:chExt cx="0" cy="0"/>
-        </a:xfrm>
-      </p:grpSpPr>
-      <p:sp>
-        <p:nvSpPr>
-          <p:cNvPr id="2" name="Title 1">
-            <a:extLst>
-              <a:ext uri="{FF2B5EF4-FFF2-40B4-BE49-F238E27FC236}">
                 <a16:creationId xmlns:a16="http://schemas.microsoft.com/office/drawing/2014/main" id="{28921B9C-0AB8-4916-A0CC-B35E8424F8CC}"/>
               </a:ext>
             </a:extLst>
@@ -11146,7 +7426,7 @@
 </p:sld>
 </file>
 
-<file path=ppt/slides/slide12.xml><?xml version="1.0" encoding="utf-8"?>
+<file path=ppt/slides/slide11.xml><?xml version="1.0" encoding="utf-8"?>
 <p:sld xmlns:a="http://schemas.openxmlformats.org/drawingml/2006/main" xmlns:r="http://schemas.openxmlformats.org/officeDocument/2006/relationships" xmlns:p="http://schemas.openxmlformats.org/presentationml/2006/main">
   <p:cSld>
     <p:bg>
@@ -11377,7 +7657,7 @@
 </p:sld>
 </file>
 
-<file path=ppt/slides/slide13.xml><?xml version="1.0" encoding="utf-8"?>
+<file path=ppt/slides/slide12.xml><?xml version="1.0" encoding="utf-8"?>
 <p:sld xmlns:a="http://schemas.openxmlformats.org/drawingml/2006/main" xmlns:r="http://schemas.openxmlformats.org/officeDocument/2006/relationships" xmlns:p="http://schemas.openxmlformats.org/presentationml/2006/main">
   <p:cSld>
     <p:bg>
@@ -11999,456 +8279,6 @@
           <p:cNvPr id="27" name="Rectangle 26">
             <a:extLst>
               <a:ext uri="{FF2B5EF4-FFF2-40B4-BE49-F238E27FC236}">
-                <a16:creationId xmlns:a16="http://schemas.microsoft.com/office/drawing/2014/main" id="{2779F603-B669-4AD6-82F9-E09F76165B99}"/>
-              </a:ext>
-              <a:ext uri="{C183D7F6-B498-43B3-948B-1728B52AA6E4}">
-                <adec:decorative xmlns:adec="http://schemas.microsoft.com/office/drawing/2017/decorative" val="1"/>
-              </a:ext>
-            </a:extLst>
-          </p:cNvPr>
-          <p:cNvSpPr>
-            <a:spLocks noGrp="1" noRot="1" noChangeAspect="1" noMove="1" noResize="1" noEditPoints="1" noAdjustHandles="1" noChangeArrowheads="1" noChangeShapeType="1" noTextEdit="1"/>
-          </p:cNvSpPr>
-          <p:nvPr>
-            <p:extLst>
-              <p:ext uri="{386F3935-93C4-4BCD-93E2-E3B085C9AB24}">
-                <p16:designElem xmlns:p16="http://schemas.microsoft.com/office/powerpoint/2015/main" val="1"/>
-              </p:ext>
-            </p:extLst>
-          </p:nvPr>
-        </p:nvSpPr>
-        <p:spPr>
-          <a:xfrm>
-            <a:off x="0" y="0"/>
-            <a:ext cx="12192001" cy="6858000"/>
-          </a:xfrm>
-          <a:prstGeom prst="rect">
-            <a:avLst/>
-          </a:prstGeom>
-          <a:ln>
-            <a:noFill/>
-          </a:ln>
-        </p:spPr>
-        <p:style>
-          <a:lnRef idx="2">
-            <a:schemeClr val="accent1">
-              <a:shade val="50000"/>
-            </a:schemeClr>
-          </a:lnRef>
-          <a:fillRef idx="1">
-            <a:schemeClr val="accent1"/>
-          </a:fillRef>
-          <a:effectRef idx="0">
-            <a:schemeClr val="accent1"/>
-          </a:effectRef>
-          <a:fontRef idx="minor">
-            <a:schemeClr val="lt1"/>
-          </a:fontRef>
-        </p:style>
-        <p:txBody>
-          <a:bodyPr rtlCol="0" anchor="ctr"/>
-          <a:lstStyle/>
-          <a:p>
-            <a:pPr algn="ctr"/>
-            <a:endParaRPr lang="en-US"/>
-          </a:p>
-        </p:txBody>
-      </p:sp>
-      <p:sp>
-        <p:nvSpPr>
-          <p:cNvPr id="2" name="Title 1">
-            <a:extLst>
-              <a:ext uri="{FF2B5EF4-FFF2-40B4-BE49-F238E27FC236}">
-                <a16:creationId xmlns:a16="http://schemas.microsoft.com/office/drawing/2014/main" id="{CA65E0CC-15A3-48BD-A42A-9EF19534FBF2}"/>
-              </a:ext>
-            </a:extLst>
-          </p:cNvPr>
-          <p:cNvSpPr>
-            <a:spLocks noGrp="1"/>
-          </p:cNvSpPr>
-          <p:nvPr>
-            <p:ph type="title"/>
-          </p:nvPr>
-        </p:nvSpPr>
-        <p:spPr>
-          <a:xfrm>
-            <a:off x="5640797" y="2288704"/>
-            <a:ext cx="5759431" cy="1453895"/>
-          </a:xfrm>
-        </p:spPr>
-        <p:txBody>
-          <a:bodyPr vert="horz" lIns="91440" tIns="45720" rIns="91440" bIns="45720" rtlCol="0" anchor="b">
-            <a:normAutofit/>
-          </a:bodyPr>
-          <a:lstStyle/>
-          <a:p>
-            <a:r>
-              <a:rPr lang="en-US" sz="6600" dirty="0">
-                <a:solidFill>
-                  <a:schemeClr val="tx1">
-                    <a:lumMod val="85000"/>
-                    <a:lumOff val="15000"/>
-                  </a:schemeClr>
-                </a:solidFill>
-              </a:rPr>
-              <a:t>My Repository</a:t>
-            </a:r>
-          </a:p>
-        </p:txBody>
-      </p:sp>
-      <p:sp>
-        <p:nvSpPr>
-          <p:cNvPr id="3" name="Content Placeholder 2">
-            <a:extLst>
-              <a:ext uri="{FF2B5EF4-FFF2-40B4-BE49-F238E27FC236}">
-                <a16:creationId xmlns:a16="http://schemas.microsoft.com/office/drawing/2014/main" id="{8151352C-FA8B-4D8D-ACC8-5678C38C11CC}"/>
-              </a:ext>
-            </a:extLst>
-          </p:cNvPr>
-          <p:cNvSpPr>
-            <a:spLocks noGrp="1"/>
-          </p:cNvSpPr>
-          <p:nvPr>
-            <p:ph idx="1"/>
-          </p:nvPr>
-        </p:nvSpPr>
-        <p:spPr>
-          <a:xfrm>
-            <a:off x="5487970" y="4645154"/>
-            <a:ext cx="5762203" cy="1143000"/>
-          </a:xfrm>
-        </p:spPr>
-        <p:txBody>
-          <a:bodyPr vert="horz" lIns="91440" tIns="45720" rIns="91440" bIns="45720" rtlCol="0">
-            <a:normAutofit/>
-          </a:bodyPr>
-          <a:lstStyle/>
-          <a:p>
-            <a:pPr marL="0" indent="0">
-              <a:lnSpc>
-                <a:spcPct val="100000"/>
-              </a:lnSpc>
-              <a:buNone/>
-            </a:pPr>
-            <a:r>
-              <a:rPr lang="en-US" sz="2400" cap="all" spc="200">
-                <a:solidFill>
-                  <a:schemeClr val="tx1"/>
-                </a:solidFill>
-                <a:hlinkClick r:id="rId2"/>
-              </a:rPr>
-              <a:t>https://github.com/rioda78/Diklat-Siswaskeudes</a:t>
-            </a:r>
-            <a:endParaRPr lang="en-US" sz="2400" cap="all" spc="200" dirty="0">
-              <a:solidFill>
-                <a:schemeClr val="tx1"/>
-              </a:solidFill>
-            </a:endParaRPr>
-          </a:p>
-        </p:txBody>
-      </p:sp>
-      <p:pic>
-        <p:nvPicPr>
-          <p:cNvPr id="7" name="Graphic 6" descr="Marker">
-            <a:extLst>
-              <a:ext uri="{FF2B5EF4-FFF2-40B4-BE49-F238E27FC236}">
-                <a16:creationId xmlns:a16="http://schemas.microsoft.com/office/drawing/2014/main" id="{4F834724-8E59-4E0D-B3D1-65CC726A3571}"/>
-              </a:ext>
-            </a:extLst>
-          </p:cNvPr>
-          <p:cNvPicPr>
-            <a:picLocks noChangeAspect="1"/>
-          </p:cNvPicPr>
-          <p:nvPr/>
-        </p:nvPicPr>
-        <p:blipFill>
-          <a:blip r:embed="rId3">
-            <a:extLst>
-              <a:ext uri="{28A0092B-C50C-407E-A947-70E740481C1C}">
-                <a14:useLocalDpi xmlns:a14="http://schemas.microsoft.com/office/drawing/2010/main" val="0"/>
-              </a:ext>
-              <a:ext uri="{96DAC541-7B7A-43D3-8B79-37D633B846F1}">
-                <asvg:svgBlip xmlns:asvg="http://schemas.microsoft.com/office/drawing/2016/SVG/main" r:embed="rId4"/>
-              </a:ext>
-            </a:extLst>
-          </a:blip>
-          <a:stretch>
-            <a:fillRect/>
-          </a:stretch>
-        </p:blipFill>
-        <p:spPr>
-          <a:xfrm>
-            <a:off x="633999" y="1163529"/>
-            <a:ext cx="4001315" cy="4001315"/>
-          </a:xfrm>
-          <a:prstGeom prst="rect">
-            <a:avLst/>
-          </a:prstGeom>
-        </p:spPr>
-      </p:pic>
-      <p:cxnSp>
-        <p:nvCxnSpPr>
-          <p:cNvPr id="29" name="Straight Connector 28">
-            <a:extLst>
-              <a:ext uri="{FF2B5EF4-FFF2-40B4-BE49-F238E27FC236}">
-                <a16:creationId xmlns:a16="http://schemas.microsoft.com/office/drawing/2014/main" id="{7ABFD994-C2DC-4E7D-9411-C7FF7813EF47}"/>
-              </a:ext>
-              <a:ext uri="{C183D7F6-B498-43B3-948B-1728B52AA6E4}">
-                <adec:decorative xmlns:adec="http://schemas.microsoft.com/office/drawing/2017/decorative" val="1"/>
-              </a:ext>
-            </a:extLst>
-          </p:cNvPr>
-          <p:cNvCxnSpPr>
-            <a:cxnSpLocks noGrp="1" noRot="1" noChangeAspect="1" noMove="1" noResize="1" noEditPoints="1" noAdjustHandles="1" noChangeArrowheads="1" noChangeShapeType="1"/>
-          </p:cNvCxnSpPr>
-          <p:nvPr>
-            <p:extLst>
-              <p:ext uri="{386F3935-93C4-4BCD-93E2-E3B085C9AB24}">
-                <p16:designElem xmlns:p16="http://schemas.microsoft.com/office/powerpoint/2015/main" val="1"/>
-              </p:ext>
-            </p:extLst>
-          </p:nvPr>
-        </p:nvCxnSpPr>
-        <p:spPr>
-          <a:xfrm>
-            <a:off x="5501663" y="4485132"/>
-            <a:ext cx="5486400" cy="0"/>
-          </a:xfrm>
-          <a:prstGeom prst="line">
-            <a:avLst/>
-          </a:prstGeom>
-          <a:ln w="12700">
-            <a:solidFill>
-              <a:schemeClr val="tx1">
-                <a:lumMod val="75000"/>
-                <a:lumOff val="25000"/>
-              </a:schemeClr>
-            </a:solidFill>
-          </a:ln>
-        </p:spPr>
-        <p:style>
-          <a:lnRef idx="1">
-            <a:schemeClr val="accent1"/>
-          </a:lnRef>
-          <a:fillRef idx="0">
-            <a:schemeClr val="accent1"/>
-          </a:fillRef>
-          <a:effectRef idx="0">
-            <a:schemeClr val="accent1"/>
-          </a:effectRef>
-          <a:fontRef idx="minor">
-            <a:schemeClr val="tx1"/>
-          </a:fontRef>
-        </p:style>
-      </p:cxnSp>
-      <p:sp>
-        <p:nvSpPr>
-          <p:cNvPr id="31" name="Rectangle 30">
-            <a:extLst>
-              <a:ext uri="{FF2B5EF4-FFF2-40B4-BE49-F238E27FC236}">
-                <a16:creationId xmlns:a16="http://schemas.microsoft.com/office/drawing/2014/main" id="{CA73A59D-C719-4F24-9F6B-AF7CE8F3BEF1}"/>
-              </a:ext>
-              <a:ext uri="{C183D7F6-B498-43B3-948B-1728B52AA6E4}">
-                <adec:decorative xmlns:adec="http://schemas.microsoft.com/office/drawing/2017/decorative" val="1"/>
-              </a:ext>
-            </a:extLst>
-          </p:cNvPr>
-          <p:cNvSpPr>
-            <a:spLocks noGrp="1" noRot="1" noChangeAspect="1" noMove="1" noResize="1" noEditPoints="1" noAdjustHandles="1" noChangeArrowheads="1" noChangeShapeType="1" noTextEdit="1"/>
-          </p:cNvSpPr>
-          <p:nvPr>
-            <p:extLst>
-              <p:ext uri="{386F3935-93C4-4BCD-93E2-E3B085C9AB24}">
-                <p16:designElem xmlns:p16="http://schemas.microsoft.com/office/powerpoint/2015/main" val="1"/>
-              </p:ext>
-            </p:extLst>
-          </p:nvPr>
-        </p:nvSpPr>
-        <p:spPr>
-          <a:xfrm>
-            <a:off x="0" y="6400800"/>
-            <a:ext cx="12192000" cy="457200"/>
-          </a:xfrm>
-          <a:prstGeom prst="rect">
-            <a:avLst/>
-          </a:prstGeom>
-          <a:solidFill>
-            <a:srgbClr val="262626"/>
-          </a:solidFill>
-          <a:ln>
-            <a:noFill/>
-          </a:ln>
-        </p:spPr>
-        <p:style>
-          <a:lnRef idx="2">
-            <a:schemeClr val="accent1">
-              <a:shade val="50000"/>
-            </a:schemeClr>
-          </a:lnRef>
-          <a:fillRef idx="1">
-            <a:schemeClr val="accent1"/>
-          </a:fillRef>
-          <a:effectRef idx="0">
-            <a:schemeClr val="accent1"/>
-          </a:effectRef>
-          <a:fontRef idx="minor">
-            <a:schemeClr val="lt1"/>
-          </a:fontRef>
-        </p:style>
-      </p:sp>
-    </p:spTree>
-    <p:extLst>
-      <p:ext uri="{BB962C8B-B14F-4D97-AF65-F5344CB8AC3E}">
-        <p14:creationId xmlns:p14="http://schemas.microsoft.com/office/powerpoint/2010/main" val="529168794"/>
-      </p:ext>
-    </p:extLst>
-  </p:cSld>
-  <p:clrMapOvr>
-    <a:masterClrMapping/>
-  </p:clrMapOvr>
-</p:sld>
-</file>
-
-<file path=ppt/slides/slide3.xml><?xml version="1.0" encoding="utf-8"?>
-<p:sld xmlns:a="http://schemas.openxmlformats.org/drawingml/2006/main" xmlns:r="http://schemas.openxmlformats.org/officeDocument/2006/relationships" xmlns:p="http://schemas.openxmlformats.org/presentationml/2006/main">
-  <p:cSld>
-    <p:bg>
-      <p:bgPr>
-        <a:solidFill>
-          <a:schemeClr val="bg1"/>
-        </a:solidFill>
-        <a:effectLst/>
-      </p:bgPr>
-    </p:bg>
-    <p:spTree>
-      <p:nvGrpSpPr>
-        <p:cNvPr id="1" name=""/>
-        <p:cNvGrpSpPr/>
-        <p:nvPr/>
-      </p:nvGrpSpPr>
-      <p:grpSpPr>
-        <a:xfrm>
-          <a:off x="0" y="0"/>
-          <a:ext cx="0" cy="0"/>
-          <a:chOff x="0" y="0"/>
-          <a:chExt cx="0" cy="0"/>
-        </a:xfrm>
-      </p:grpSpPr>
-      <p:sp>
-        <p:nvSpPr>
-          <p:cNvPr id="23" name="Rectangle 22">
-            <a:extLst>
-              <a:ext uri="{FF2B5EF4-FFF2-40B4-BE49-F238E27FC236}">
-                <a16:creationId xmlns:a16="http://schemas.microsoft.com/office/drawing/2014/main" id="{39E3965E-AC41-4711-9D10-E25ABB132D86}"/>
-              </a:ext>
-              <a:ext uri="{C183D7F6-B498-43B3-948B-1728B52AA6E4}">
-                <adec:decorative xmlns:adec="http://schemas.microsoft.com/office/drawing/2017/decorative" val="1"/>
-              </a:ext>
-            </a:extLst>
-          </p:cNvPr>
-          <p:cNvSpPr>
-            <a:spLocks noGrp="1" noRot="1" noChangeAspect="1" noMove="1" noResize="1" noEditPoints="1" noAdjustHandles="1" noChangeArrowheads="1" noChangeShapeType="1" noTextEdit="1"/>
-          </p:cNvSpPr>
-          <p:nvPr>
-            <p:extLst>
-              <p:ext uri="{386F3935-93C4-4BCD-93E2-E3B085C9AB24}">
-                <p16:designElem xmlns:p16="http://schemas.microsoft.com/office/powerpoint/2015/main" val="1"/>
-              </p:ext>
-            </p:extLst>
-          </p:nvPr>
-        </p:nvSpPr>
-        <p:spPr>
-          <a:xfrm>
-            <a:off x="3175" y="6400800"/>
-            <a:ext cx="12188825" cy="457200"/>
-          </a:xfrm>
-          <a:prstGeom prst="rect">
-            <a:avLst/>
-          </a:prstGeom>
-          <a:solidFill>
-            <a:srgbClr val="262626"/>
-          </a:solidFill>
-          <a:ln>
-            <a:noFill/>
-          </a:ln>
-        </p:spPr>
-        <p:style>
-          <a:lnRef idx="2">
-            <a:schemeClr val="accent1">
-              <a:shade val="50000"/>
-            </a:schemeClr>
-          </a:lnRef>
-          <a:fillRef idx="1">
-            <a:schemeClr val="accent1"/>
-          </a:fillRef>
-          <a:effectRef idx="0">
-            <a:schemeClr val="accent1"/>
-          </a:effectRef>
-          <a:fontRef idx="minor">
-            <a:schemeClr val="lt1"/>
-          </a:fontRef>
-        </p:style>
-      </p:sp>
-      <p:cxnSp>
-        <p:nvCxnSpPr>
-          <p:cNvPr id="25" name="Straight Connector 24">
-            <a:extLst>
-              <a:ext uri="{FF2B5EF4-FFF2-40B4-BE49-F238E27FC236}">
-                <a16:creationId xmlns:a16="http://schemas.microsoft.com/office/drawing/2014/main" id="{1F5DC8C3-BA5F-4EED-BB9A-A14272BD82A1}"/>
-              </a:ext>
-              <a:ext uri="{C183D7F6-B498-43B3-948B-1728B52AA6E4}">
-                <adec:decorative xmlns:adec="http://schemas.microsoft.com/office/drawing/2017/decorative" val="1"/>
-              </a:ext>
-            </a:extLst>
-          </p:cNvPr>
-          <p:cNvCxnSpPr>
-            <a:cxnSpLocks noGrp="1" noRot="1" noChangeAspect="1" noMove="1" noResize="1" noEditPoints="1" noAdjustHandles="1" noChangeArrowheads="1" noChangeShapeType="1"/>
-          </p:cNvCxnSpPr>
-          <p:nvPr>
-            <p:extLst>
-              <p:ext uri="{386F3935-93C4-4BCD-93E2-E3B085C9AB24}">
-                <p16:designElem xmlns:p16="http://schemas.microsoft.com/office/powerpoint/2015/main" val="1"/>
-              </p:ext>
-            </p:extLst>
-          </p:nvPr>
-        </p:nvCxnSpPr>
-        <p:spPr>
-          <a:xfrm>
-            <a:off x="1207658" y="4474741"/>
-            <a:ext cx="9875520" cy="0"/>
-          </a:xfrm>
-          <a:prstGeom prst="line">
-            <a:avLst/>
-          </a:prstGeom>
-          <a:ln w="12700">
-            <a:solidFill>
-              <a:schemeClr val="tx1">
-                <a:lumMod val="75000"/>
-                <a:lumOff val="25000"/>
-              </a:schemeClr>
-            </a:solidFill>
-          </a:ln>
-        </p:spPr>
-        <p:style>
-          <a:lnRef idx="1">
-            <a:schemeClr val="accent1"/>
-          </a:lnRef>
-          <a:fillRef idx="0">
-            <a:schemeClr val="accent1"/>
-          </a:fillRef>
-          <a:effectRef idx="0">
-            <a:schemeClr val="accent1"/>
-          </a:effectRef>
-          <a:fontRef idx="minor">
-            <a:schemeClr val="tx1"/>
-          </a:fontRef>
-        </p:style>
-      </p:cxnSp>
-      <p:sp useBgFill="1">
-        <p:nvSpPr>
-          <p:cNvPr id="27" name="Rectangle 26">
-            <a:extLst>
-              <a:ext uri="{FF2B5EF4-FFF2-40B4-BE49-F238E27FC236}">
                 <a16:creationId xmlns:a16="http://schemas.microsoft.com/office/drawing/2014/main" id="{4C869C3B-5565-4AAC-86A8-9EB0AB1C653E}"/>
               </a:ext>
               <a:ext uri="{C183D7F6-B498-43B3-948B-1728B52AA6E4}">
@@ -12709,7 +8539,7 @@
 </p:sld>
 </file>
 
-<file path=ppt/slides/slide4.xml><?xml version="1.0" encoding="utf-8"?>
+<file path=ppt/slides/slide3.xml><?xml version="1.0" encoding="utf-8"?>
 <p:sld xmlns:a="http://schemas.openxmlformats.org/drawingml/2006/main" xmlns:r="http://schemas.openxmlformats.org/officeDocument/2006/relationships" xmlns:p="http://schemas.openxmlformats.org/presentationml/2006/main">
   <p:cSld>
     <p:bg>
@@ -13077,7 +8907,7 @@
 </p:sld>
 </file>
 
-<file path=ppt/slides/slide5.xml><?xml version="1.0" encoding="utf-8"?>
+<file path=ppt/slides/slide4.xml><?xml version="1.0" encoding="utf-8"?>
 <p:sld xmlns:a="http://schemas.openxmlformats.org/drawingml/2006/main" xmlns:r="http://schemas.openxmlformats.org/officeDocument/2006/relationships" xmlns:p="http://schemas.openxmlformats.org/presentationml/2006/main">
   <p:cSld>
     <p:spTree>
@@ -13305,7 +9135,7 @@
 </p:sld>
 </file>
 
-<file path=ppt/slides/slide6.xml><?xml version="1.0" encoding="utf-8"?>
+<file path=ppt/slides/slide5.xml><?xml version="1.0" encoding="utf-8"?>
 <p:sld xmlns:a="http://schemas.openxmlformats.org/drawingml/2006/main" xmlns:r="http://schemas.openxmlformats.org/officeDocument/2006/relationships" xmlns:p="http://schemas.openxmlformats.org/presentationml/2006/main">
   <p:cSld>
     <p:spTree>
@@ -13573,7 +9403,7 @@
 </p:sld>
 </file>
 
-<file path=ppt/slides/slide7.xml><?xml version="1.0" encoding="utf-8"?>
+<file path=ppt/slides/slide6.xml><?xml version="1.0" encoding="utf-8"?>
 <p:sld xmlns:a="http://schemas.openxmlformats.org/drawingml/2006/main" xmlns:r="http://schemas.openxmlformats.org/officeDocument/2006/relationships" xmlns:p="http://schemas.openxmlformats.org/presentationml/2006/main">
   <p:cSld>
     <p:spTree>
@@ -13801,7 +9631,7 @@
 </p:sld>
 </file>
 
-<file path=ppt/slides/slide8.xml><?xml version="1.0" encoding="utf-8"?>
+<file path=ppt/slides/slide7.xml><?xml version="1.0" encoding="utf-8"?>
 <p:sld xmlns:a="http://schemas.openxmlformats.org/drawingml/2006/main" xmlns:r="http://schemas.openxmlformats.org/officeDocument/2006/relationships" xmlns:p="http://schemas.openxmlformats.org/presentationml/2006/main">
   <p:cSld>
     <p:bg>
@@ -14208,7 +10038,7 @@
 </p:sld>
 </file>
 
-<file path=ppt/slides/slide9.xml><?xml version="1.0" encoding="utf-8"?>
+<file path=ppt/slides/slide8.xml><?xml version="1.0" encoding="utf-8"?>
 <p:sld xmlns:a="http://schemas.openxmlformats.org/drawingml/2006/main" xmlns:r="http://schemas.openxmlformats.org/officeDocument/2006/relationships" xmlns:p="http://schemas.openxmlformats.org/presentationml/2006/main">
   <p:cSld>
     <p:spTree>
@@ -14763,6 +10593,436 @@
     <p:extLst>
       <p:ext uri="{BB962C8B-B14F-4D97-AF65-F5344CB8AC3E}">
         <p14:creationId xmlns:p14="http://schemas.microsoft.com/office/powerpoint/2010/main" val="3470232727"/>
+      </p:ext>
+    </p:extLst>
+  </p:cSld>
+  <p:clrMapOvr>
+    <a:masterClrMapping/>
+  </p:clrMapOvr>
+</p:sld>
+</file>
+
+<file path=ppt/slides/slide9.xml><?xml version="1.0" encoding="utf-8"?>
+<p:sld xmlns:a="http://schemas.openxmlformats.org/drawingml/2006/main" xmlns:r="http://schemas.openxmlformats.org/officeDocument/2006/relationships" xmlns:p="http://schemas.openxmlformats.org/presentationml/2006/main">
+  <p:cSld>
+    <p:spTree>
+      <p:nvGrpSpPr>
+        <p:cNvPr id="1" name=""/>
+        <p:cNvGrpSpPr/>
+        <p:nvPr/>
+      </p:nvGrpSpPr>
+      <p:grpSpPr>
+        <a:xfrm>
+          <a:off x="0" y="0"/>
+          <a:ext cx="0" cy="0"/>
+          <a:chOff x="0" y="0"/>
+          <a:chExt cx="0" cy="0"/>
+        </a:xfrm>
+      </p:grpSpPr>
+      <p:sp>
+        <p:nvSpPr>
+          <p:cNvPr id="2" name="Title 1">
+            <a:extLst>
+              <a:ext uri="{FF2B5EF4-FFF2-40B4-BE49-F238E27FC236}">
+                <a16:creationId xmlns:a16="http://schemas.microsoft.com/office/drawing/2014/main" id="{6079FBF5-A061-409A-BD9B-BD786139A5C8}"/>
+              </a:ext>
+            </a:extLst>
+          </p:cNvPr>
+          <p:cNvSpPr>
+            <a:spLocks noGrp="1"/>
+          </p:cNvSpPr>
+          <p:nvPr>
+            <p:ph type="title"/>
+          </p:nvPr>
+        </p:nvSpPr>
+        <p:spPr/>
+        <p:txBody>
+          <a:bodyPr/>
+          <a:lstStyle/>
+          <a:p>
+            <a:r>
+              <a:rPr lang="en-US" dirty="0"/>
+              <a:t>Restore</a:t>
+            </a:r>
+            <a:endParaRPr lang="en-ID" dirty="0"/>
+          </a:p>
+        </p:txBody>
+      </p:sp>
+      <p:pic>
+        <p:nvPicPr>
+          <p:cNvPr id="5" name="Content Placeholder 4" descr="Graphical user interface, application, Word&#10;&#10;Description automatically generated">
+            <a:extLst>
+              <a:ext uri="{FF2B5EF4-FFF2-40B4-BE49-F238E27FC236}">
+                <a16:creationId xmlns:a16="http://schemas.microsoft.com/office/drawing/2014/main" id="{94275B75-EDD1-49F1-9C5F-8C2B25245EB6}"/>
+              </a:ext>
+            </a:extLst>
+          </p:cNvPr>
+          <p:cNvPicPr>
+            <a:picLocks noGrp="1" noChangeAspect="1"/>
+          </p:cNvPicPr>
+          <p:nvPr>
+            <p:ph sz="half" idx="1"/>
+          </p:nvPr>
+        </p:nvPicPr>
+        <p:blipFill>
+          <a:blip r:embed="rId2">
+            <a:extLst>
+              <a:ext uri="{28A0092B-C50C-407E-A947-70E740481C1C}">
+                <a14:useLocalDpi xmlns:a14="http://schemas.microsoft.com/office/drawing/2010/main" val="0"/>
+              </a:ext>
+            </a:extLst>
+          </a:blip>
+          <a:stretch>
+            <a:fillRect/>
+          </a:stretch>
+        </p:blipFill>
+        <p:spPr>
+          <a:xfrm>
+            <a:off x="1218412" y="2120900"/>
+            <a:ext cx="4397363" cy="3748088"/>
+          </a:xfrm>
+        </p:spPr>
+      </p:pic>
+      <p:sp>
+        <p:nvSpPr>
+          <p:cNvPr id="11" name="Content Placeholder 10">
+            <a:extLst>
+              <a:ext uri="{FF2B5EF4-FFF2-40B4-BE49-F238E27FC236}">
+                <a16:creationId xmlns:a16="http://schemas.microsoft.com/office/drawing/2014/main" id="{30652FFC-A475-4D45-8519-9BAF5ACDE2A3}"/>
+              </a:ext>
+            </a:extLst>
+          </p:cNvPr>
+          <p:cNvSpPr>
+            <a:spLocks noGrp="1"/>
+          </p:cNvSpPr>
+          <p:nvPr>
+            <p:ph sz="half" idx="2"/>
+          </p:nvPr>
+        </p:nvSpPr>
+        <p:spPr>
+          <a:xfrm>
+            <a:off x="5887092" y="2120900"/>
+            <a:ext cx="5268588" cy="3748194"/>
+          </a:xfrm>
+        </p:spPr>
+        <p:txBody>
+          <a:bodyPr/>
+          <a:lstStyle/>
+          <a:p>
+            <a:pPr marL="457200" indent="-457200">
+              <a:buFont typeface="+mj-lt"/>
+              <a:buAutoNum type="arabicPeriod"/>
+            </a:pPr>
+            <a:r>
+              <a:rPr lang="en-US" dirty="0" err="1"/>
+              <a:t>Isikan</a:t>
+            </a:r>
+            <a:r>
+              <a:rPr lang="en-US" dirty="0"/>
+              <a:t> </a:t>
+            </a:r>
+            <a:r>
+              <a:rPr lang="en-US" dirty="0" err="1"/>
+              <a:t>nama</a:t>
+            </a:r>
+            <a:r>
+              <a:rPr lang="en-US" dirty="0"/>
+              <a:t> database yang </a:t>
+            </a:r>
+            <a:r>
+              <a:rPr lang="en-US" dirty="0" err="1"/>
+              <a:t>akan</a:t>
+            </a:r>
+            <a:r>
+              <a:rPr lang="en-US" dirty="0"/>
+              <a:t> </a:t>
+            </a:r>
+            <a:r>
+              <a:rPr lang="en-US" dirty="0" err="1"/>
+              <a:t>direstore</a:t>
+            </a:r>
+            <a:endParaRPr lang="en-US" dirty="0"/>
+          </a:p>
+          <a:p>
+            <a:pPr marL="457200" indent="-457200">
+              <a:buFont typeface="+mj-lt"/>
+              <a:buAutoNum type="arabicPeriod"/>
+            </a:pPr>
+            <a:r>
+              <a:rPr lang="en-US" dirty="0" err="1"/>
+              <a:t>Pilih</a:t>
+            </a:r>
+            <a:r>
+              <a:rPr lang="en-US" dirty="0"/>
+              <a:t> file yang </a:t>
+            </a:r>
+            <a:r>
+              <a:rPr lang="en-US" dirty="0" err="1"/>
+              <a:t>akan</a:t>
+            </a:r>
+            <a:r>
+              <a:rPr lang="en-US" dirty="0"/>
+              <a:t> di restore</a:t>
+            </a:r>
+          </a:p>
+          <a:p>
+            <a:pPr marL="457200" indent="-457200">
+              <a:buFont typeface="+mj-lt"/>
+              <a:buAutoNum type="arabicPeriod"/>
+            </a:pPr>
+            <a:r>
+              <a:rPr lang="en-US" dirty="0"/>
+              <a:t>Optional , </a:t>
+            </a:r>
+            <a:r>
+              <a:rPr lang="en-US" dirty="0" err="1"/>
+              <a:t>pilih</a:t>
+            </a:r>
+            <a:r>
+              <a:rPr lang="en-US" dirty="0"/>
+              <a:t> folder </a:t>
+            </a:r>
+            <a:r>
+              <a:rPr lang="en-US" dirty="0" err="1"/>
+              <a:t>tujuan</a:t>
+            </a:r>
+            <a:r>
+              <a:rPr lang="en-US" dirty="0"/>
+              <a:t> file </a:t>
+            </a:r>
+            <a:r>
+              <a:rPr lang="en-US" dirty="0" err="1"/>
+              <a:t>direstore</a:t>
+            </a:r>
+            <a:endParaRPr lang="en-US" dirty="0"/>
+          </a:p>
+          <a:p>
+            <a:pPr marL="457200" indent="-457200">
+              <a:buFont typeface="+mj-lt"/>
+              <a:buAutoNum type="arabicPeriod"/>
+            </a:pPr>
+            <a:r>
+              <a:rPr lang="en-US" dirty="0" err="1"/>
+              <a:t>Lakukan</a:t>
+            </a:r>
+            <a:r>
+              <a:rPr lang="en-US" dirty="0"/>
+              <a:t> Restore</a:t>
+            </a:r>
+          </a:p>
+          <a:p>
+            <a:pPr marL="457200" indent="-457200">
+              <a:buFont typeface="+mj-lt"/>
+              <a:buAutoNum type="arabicPeriod"/>
+            </a:pPr>
+            <a:endParaRPr lang="en-ID" dirty="0"/>
+          </a:p>
+        </p:txBody>
+      </p:sp>
+      <p:sp>
+        <p:nvSpPr>
+          <p:cNvPr id="7" name="Rectangle: Rounded Corners 6">
+            <a:extLst>
+              <a:ext uri="{FF2B5EF4-FFF2-40B4-BE49-F238E27FC236}">
+                <a16:creationId xmlns:a16="http://schemas.microsoft.com/office/drawing/2014/main" id="{BCAB6EC4-26F4-4B77-8731-839C8ABAA1C8}"/>
+              </a:ext>
+            </a:extLst>
+          </p:cNvPr>
+          <p:cNvSpPr/>
+          <p:nvPr/>
+        </p:nvSpPr>
+        <p:spPr>
+          <a:xfrm>
+            <a:off x="4017194" y="2917859"/>
+            <a:ext cx="215758" cy="215758"/>
+          </a:xfrm>
+          <a:prstGeom prst="roundRect">
+            <a:avLst/>
+          </a:prstGeom>
+        </p:spPr>
+        <p:style>
+          <a:lnRef idx="2">
+            <a:schemeClr val="accent1">
+              <a:shade val="50000"/>
+            </a:schemeClr>
+          </a:lnRef>
+          <a:fillRef idx="1">
+            <a:schemeClr val="accent1"/>
+          </a:fillRef>
+          <a:effectRef idx="0">
+            <a:schemeClr val="accent1"/>
+          </a:effectRef>
+          <a:fontRef idx="minor">
+            <a:schemeClr val="lt1"/>
+          </a:fontRef>
+        </p:style>
+        <p:txBody>
+          <a:bodyPr rtlCol="0" anchor="ctr"/>
+          <a:lstStyle/>
+          <a:p>
+            <a:pPr algn="ctr"/>
+            <a:r>
+              <a:rPr lang="en-US" dirty="0"/>
+              <a:t>1</a:t>
+            </a:r>
+            <a:endParaRPr lang="en-ID" dirty="0"/>
+          </a:p>
+        </p:txBody>
+      </p:sp>
+      <p:sp>
+        <p:nvSpPr>
+          <p:cNvPr id="8" name="Rectangle: Rounded Corners 7">
+            <a:extLst>
+              <a:ext uri="{FF2B5EF4-FFF2-40B4-BE49-F238E27FC236}">
+                <a16:creationId xmlns:a16="http://schemas.microsoft.com/office/drawing/2014/main" id="{E6BF3F08-4075-4C88-B6D9-4BC9CCAB40E7}"/>
+              </a:ext>
+            </a:extLst>
+          </p:cNvPr>
+          <p:cNvSpPr/>
+          <p:nvPr/>
+        </p:nvSpPr>
+        <p:spPr>
+          <a:xfrm>
+            <a:off x="5113935" y="3213242"/>
+            <a:ext cx="215758" cy="215758"/>
+          </a:xfrm>
+          <a:prstGeom prst="roundRect">
+            <a:avLst/>
+          </a:prstGeom>
+        </p:spPr>
+        <p:style>
+          <a:lnRef idx="2">
+            <a:schemeClr val="accent1">
+              <a:shade val="50000"/>
+            </a:schemeClr>
+          </a:lnRef>
+          <a:fillRef idx="1">
+            <a:schemeClr val="accent1"/>
+          </a:fillRef>
+          <a:effectRef idx="0">
+            <a:schemeClr val="accent1"/>
+          </a:effectRef>
+          <a:fontRef idx="minor">
+            <a:schemeClr val="lt1"/>
+          </a:fontRef>
+        </p:style>
+        <p:txBody>
+          <a:bodyPr rtlCol="0" anchor="ctr"/>
+          <a:lstStyle/>
+          <a:p>
+            <a:pPr algn="ctr"/>
+            <a:r>
+              <a:rPr lang="en-US" dirty="0"/>
+              <a:t>2</a:t>
+            </a:r>
+            <a:endParaRPr lang="en-ID" dirty="0"/>
+          </a:p>
+        </p:txBody>
+      </p:sp>
+      <p:sp>
+        <p:nvSpPr>
+          <p:cNvPr id="9" name="Rectangle: Rounded Corners 8">
+            <a:extLst>
+              <a:ext uri="{FF2B5EF4-FFF2-40B4-BE49-F238E27FC236}">
+                <a16:creationId xmlns:a16="http://schemas.microsoft.com/office/drawing/2014/main" id="{A8E669A2-AA7C-4D79-931B-6EEE6BB036BC}"/>
+              </a:ext>
+            </a:extLst>
+          </p:cNvPr>
+          <p:cNvSpPr/>
+          <p:nvPr/>
+        </p:nvSpPr>
+        <p:spPr>
+          <a:xfrm>
+            <a:off x="5153321" y="3951266"/>
+            <a:ext cx="215758" cy="215758"/>
+          </a:xfrm>
+          <a:prstGeom prst="roundRect">
+            <a:avLst/>
+          </a:prstGeom>
+        </p:spPr>
+        <p:style>
+          <a:lnRef idx="2">
+            <a:schemeClr val="accent1">
+              <a:shade val="50000"/>
+            </a:schemeClr>
+          </a:lnRef>
+          <a:fillRef idx="1">
+            <a:schemeClr val="accent1"/>
+          </a:fillRef>
+          <a:effectRef idx="0">
+            <a:schemeClr val="accent1"/>
+          </a:effectRef>
+          <a:fontRef idx="minor">
+            <a:schemeClr val="lt1"/>
+          </a:fontRef>
+        </p:style>
+        <p:txBody>
+          <a:bodyPr rtlCol="0" anchor="ctr"/>
+          <a:lstStyle/>
+          <a:p>
+            <a:pPr algn="ctr"/>
+            <a:r>
+              <a:rPr lang="en-US" dirty="0"/>
+              <a:t>3</a:t>
+            </a:r>
+            <a:endParaRPr lang="en-ID" dirty="0"/>
+          </a:p>
+        </p:txBody>
+      </p:sp>
+      <p:sp>
+        <p:nvSpPr>
+          <p:cNvPr id="10" name="Rectangle: Rounded Corners 9">
+            <a:extLst>
+              <a:ext uri="{FF2B5EF4-FFF2-40B4-BE49-F238E27FC236}">
+                <a16:creationId xmlns:a16="http://schemas.microsoft.com/office/drawing/2014/main" id="{A5906EC8-1AF7-4A53-A199-8E055E8C0A74}"/>
+              </a:ext>
+            </a:extLst>
+          </p:cNvPr>
+          <p:cNvSpPr/>
+          <p:nvPr/>
+        </p:nvSpPr>
+        <p:spPr>
+          <a:xfrm>
+            <a:off x="4125905" y="4197848"/>
+            <a:ext cx="215758" cy="215758"/>
+          </a:xfrm>
+          <a:prstGeom prst="roundRect">
+            <a:avLst/>
+          </a:prstGeom>
+        </p:spPr>
+        <p:style>
+          <a:lnRef idx="2">
+            <a:schemeClr val="accent1">
+              <a:shade val="50000"/>
+            </a:schemeClr>
+          </a:lnRef>
+          <a:fillRef idx="1">
+            <a:schemeClr val="accent1"/>
+          </a:fillRef>
+          <a:effectRef idx="0">
+            <a:schemeClr val="accent1"/>
+          </a:effectRef>
+          <a:fontRef idx="minor">
+            <a:schemeClr val="lt1"/>
+          </a:fontRef>
+        </p:style>
+        <p:txBody>
+          <a:bodyPr rtlCol="0" anchor="ctr"/>
+          <a:lstStyle/>
+          <a:p>
+            <a:pPr algn="ctr"/>
+            <a:r>
+              <a:rPr lang="en-US" dirty="0"/>
+              <a:t>4</a:t>
+            </a:r>
+            <a:endParaRPr lang="en-ID" dirty="0"/>
+          </a:p>
+        </p:txBody>
+      </p:sp>
+    </p:spTree>
+    <p:extLst>
+      <p:ext uri="{BB962C8B-B14F-4D97-AF65-F5344CB8AC3E}">
+        <p14:creationId xmlns:p14="http://schemas.microsoft.com/office/powerpoint/2010/main" val="1520311514"/>
       </p:ext>
     </p:extLst>
   </p:cSld>
